--- a/CSE2010 Advanced C programming/Reference Materials/12_Structures in C.pptx
+++ b/CSE2010 Advanced C programming/Reference Materials/12_Structures in C.pptx
@@ -121,6 +121,22 @@
       </a:defRPr>
     </a:lvl9pPr>
   </p:defaultTextStyle>
+  <p:extLst>
+    <p:ext uri="{EFAFB233-063F-42B5-8137-9DF3F51BA10A}">
+      <p15:sldGuideLst xmlns:p15="http://schemas.microsoft.com/office/powerpoint/2012/main">
+        <p15:guide id="1" orient="horz" pos="2160">
+          <p15:clr>
+            <a:srgbClr val="A4A3A4"/>
+          </p15:clr>
+        </p15:guide>
+        <p15:guide id="2" pos="2880">
+          <p15:clr>
+            <a:srgbClr val="A4A3A4"/>
+          </p15:clr>
+        </p15:guide>
+      </p15:sldGuideLst>
+    </p:ext>
+  </p:extLst>
 </p:presentation>
 </file>
 
@@ -2492,7 +2508,7 @@
         <a:lstStyle/>
         <a:p>
           <a:r>
-            <a:rPr lang="en-US" dirty="0" smtClean="0"/>
+            <a:rPr lang="en-US" dirty="0"/>
             <a:t>name</a:t>
           </a:r>
           <a:endParaRPr lang="en-IN" dirty="0"/>
@@ -2535,7 +2551,7 @@
         <a:lstStyle/>
         <a:p>
           <a:r>
-            <a:rPr lang="en-US" dirty="0" err="1" smtClean="0"/>
+            <a:rPr lang="en-US" dirty="0" err="1"/>
             <a:t>citno</a:t>
           </a:r>
           <a:endParaRPr lang="en-IN" dirty="0"/>
@@ -2572,7 +2588,7 @@
         <a:lstStyle/>
         <a:p>
           <a:r>
-            <a:rPr lang="en-US" dirty="0" smtClean="0"/>
+            <a:rPr lang="en-US" dirty="0"/>
             <a:t>salary</a:t>
           </a:r>
         </a:p>
@@ -2608,13 +2624,6 @@
         </dgm:presLayoutVars>
       </dgm:prSet>
       <dgm:spPr/>
-      <dgm:t>
-        <a:bodyPr/>
-        <a:lstStyle/>
-        <a:p>
-          <a:endParaRPr lang="en-IN"/>
-        </a:p>
-      </dgm:t>
     </dgm:pt>
     <dgm:pt modelId="{FB0C5A5D-14B7-45C8-98BF-95B212E6F765}" type="pres">
       <dgm:prSet presAssocID="{3744A88F-5B1B-4A07-BAB8-34FF1A0A7FF9}" presName="node" presStyleLbl="node1" presStyleIdx="0" presStyleCnt="3" custLinFactNeighborX="-452" custLinFactNeighborY="14886">
@@ -2623,13 +2632,6 @@
         </dgm:presLayoutVars>
       </dgm:prSet>
       <dgm:spPr/>
-      <dgm:t>
-        <a:bodyPr/>
-        <a:lstStyle/>
-        <a:p>
-          <a:endParaRPr lang="en-IN"/>
-        </a:p>
-      </dgm:t>
     </dgm:pt>
     <dgm:pt modelId="{B6EFCC84-DAFD-42B7-80D3-DC56C8E93D73}" type="pres">
       <dgm:prSet presAssocID="{CAC72160-9363-4062-B555-24619A35748A}" presName="sibTrans" presStyleCnt="0"/>
@@ -2642,13 +2644,6 @@
         </dgm:presLayoutVars>
       </dgm:prSet>
       <dgm:spPr/>
-      <dgm:t>
-        <a:bodyPr/>
-        <a:lstStyle/>
-        <a:p>
-          <a:endParaRPr lang="en-IN"/>
-        </a:p>
-      </dgm:t>
     </dgm:pt>
     <dgm:pt modelId="{B9F13A4D-C374-4D86-9351-9E2C1654FFE0}" type="pres">
       <dgm:prSet presAssocID="{9951B74C-4A80-45A7-B508-4E5D6424B224}" presName="sibTrans" presStyleCnt="0"/>
@@ -2661,23 +2656,16 @@
         </dgm:presLayoutVars>
       </dgm:prSet>
       <dgm:spPr/>
-      <dgm:t>
-        <a:bodyPr/>
-        <a:lstStyle/>
-        <a:p>
-          <a:endParaRPr lang="en-IN"/>
-        </a:p>
-      </dgm:t>
     </dgm:pt>
   </dgm:ptLst>
   <dgm:cxnLst>
+    <dgm:cxn modelId="{99B0C612-B808-47BF-AD6B-8108B81A73F9}" type="presOf" srcId="{A126A2E7-553C-42E2-A74C-D5BC23E2CF1C}" destId="{9782E55A-78C8-4603-8F76-6F420306EBE1}" srcOrd="0" destOrd="0" presId="urn:microsoft.com/office/officeart/2005/8/layout/default"/>
+    <dgm:cxn modelId="{AE770E16-ED00-40A0-964D-6147D0A12AC2}" srcId="{BDCB1A5C-87FA-4F1C-9AC2-1AB1CD49106C}" destId="{A126A2E7-553C-42E2-A74C-D5BC23E2CF1C}" srcOrd="1" destOrd="0" parTransId="{4F0D546E-65BB-4A8F-9597-293CC5D872DE}" sibTransId="{9951B74C-4A80-45A7-B508-4E5D6424B224}"/>
     <dgm:cxn modelId="{AC7ACC29-4D43-4873-A759-91A030C991B8}" type="presOf" srcId="{BDCB1A5C-87FA-4F1C-9AC2-1AB1CD49106C}" destId="{D08905FF-FA6F-44D0-9B84-F9599F935EB2}" srcOrd="0" destOrd="0" presId="urn:microsoft.com/office/officeart/2005/8/layout/default"/>
+    <dgm:cxn modelId="{29211D3B-78E6-44DA-A776-C37B782230F3}" type="presOf" srcId="{6258BF70-7F1A-4A94-BF25-C26B4B7D4577}" destId="{444DE6C0-BFAF-4DA9-B62E-1801C5B8BE6D}" srcOrd="0" destOrd="0" presId="urn:microsoft.com/office/officeart/2005/8/layout/default"/>
+    <dgm:cxn modelId="{B34B5D64-43D1-4CCE-8F3C-E5CA34510EFA}" srcId="{BDCB1A5C-87FA-4F1C-9AC2-1AB1CD49106C}" destId="{6258BF70-7F1A-4A94-BF25-C26B4B7D4577}" srcOrd="2" destOrd="0" parTransId="{384FDC39-55CF-4B58-BC1A-6763FE7880C5}" sibTransId="{10DA58ED-9283-468D-BE73-3867408CB4A0}"/>
     <dgm:cxn modelId="{4A60DC49-2F21-447B-86E3-526D290E48E5}" srcId="{BDCB1A5C-87FA-4F1C-9AC2-1AB1CD49106C}" destId="{3744A88F-5B1B-4A07-BAB8-34FF1A0A7FF9}" srcOrd="0" destOrd="0" parTransId="{7CE93384-3F1E-49D0-BDDA-ED46C48A7DA3}" sibTransId="{CAC72160-9363-4062-B555-24619A35748A}"/>
     <dgm:cxn modelId="{039EFDA7-5058-47D6-BF5B-D31C13B9D5FE}" type="presOf" srcId="{3744A88F-5B1B-4A07-BAB8-34FF1A0A7FF9}" destId="{FB0C5A5D-14B7-45C8-98BF-95B212E6F765}" srcOrd="0" destOrd="0" presId="urn:microsoft.com/office/officeart/2005/8/layout/default"/>
-    <dgm:cxn modelId="{B34B5D64-43D1-4CCE-8F3C-E5CA34510EFA}" srcId="{BDCB1A5C-87FA-4F1C-9AC2-1AB1CD49106C}" destId="{6258BF70-7F1A-4A94-BF25-C26B4B7D4577}" srcOrd="2" destOrd="0" parTransId="{384FDC39-55CF-4B58-BC1A-6763FE7880C5}" sibTransId="{10DA58ED-9283-468D-BE73-3867408CB4A0}"/>
-    <dgm:cxn modelId="{99B0C612-B808-47BF-AD6B-8108B81A73F9}" type="presOf" srcId="{A126A2E7-553C-42E2-A74C-D5BC23E2CF1C}" destId="{9782E55A-78C8-4603-8F76-6F420306EBE1}" srcOrd="0" destOrd="0" presId="urn:microsoft.com/office/officeart/2005/8/layout/default"/>
-    <dgm:cxn modelId="{29211D3B-78E6-44DA-A776-C37B782230F3}" type="presOf" srcId="{6258BF70-7F1A-4A94-BF25-C26B4B7D4577}" destId="{444DE6C0-BFAF-4DA9-B62E-1801C5B8BE6D}" srcOrd="0" destOrd="0" presId="urn:microsoft.com/office/officeart/2005/8/layout/default"/>
-    <dgm:cxn modelId="{AE770E16-ED00-40A0-964D-6147D0A12AC2}" srcId="{BDCB1A5C-87FA-4F1C-9AC2-1AB1CD49106C}" destId="{A126A2E7-553C-42E2-A74C-D5BC23E2CF1C}" srcOrd="1" destOrd="0" parTransId="{4F0D546E-65BB-4A8F-9597-293CC5D872DE}" sibTransId="{9951B74C-4A80-45A7-B508-4E5D6424B224}"/>
     <dgm:cxn modelId="{46A83F91-8434-45B2-94E3-C0B56BB91EEF}" type="presParOf" srcId="{D08905FF-FA6F-44D0-9B84-F9599F935EB2}" destId="{FB0C5A5D-14B7-45C8-98BF-95B212E6F765}" srcOrd="0" destOrd="0" presId="urn:microsoft.com/office/officeart/2005/8/layout/default"/>
     <dgm:cxn modelId="{42B0E947-82B7-4D18-BF45-D0E4C4528870}" type="presParOf" srcId="{D08905FF-FA6F-44D0-9B84-F9599F935EB2}" destId="{B6EFCC84-DAFD-42B7-80D3-DC56C8E93D73}" srcOrd="1" destOrd="0" presId="urn:microsoft.com/office/officeart/2005/8/layout/default"/>
     <dgm:cxn modelId="{6F1DB137-F980-4442-B5D7-DA6CF373FED4}" type="presParOf" srcId="{D08905FF-FA6F-44D0-9B84-F9599F935EB2}" destId="{9782E55A-78C8-4603-8F76-6F420306EBE1}" srcOrd="2" destOrd="0" presId="urn:microsoft.com/office/officeart/2005/8/layout/default"/>
@@ -2722,7 +2710,7 @@
         <a:lstStyle/>
         <a:p>
           <a:r>
-            <a:rPr lang="en-US" dirty="0" smtClean="0"/>
+            <a:rPr lang="en-US" dirty="0"/>
             <a:t>name</a:t>
           </a:r>
           <a:endParaRPr lang="en-IN" dirty="0"/>
@@ -2765,7 +2753,7 @@
         <a:lstStyle/>
         <a:p>
           <a:r>
-            <a:rPr lang="en-US" dirty="0" err="1" smtClean="0"/>
+            <a:rPr lang="en-US" dirty="0" err="1"/>
             <a:t>citno</a:t>
           </a:r>
           <a:endParaRPr lang="en-IN" dirty="0"/>
@@ -2802,7 +2790,7 @@
         <a:lstStyle/>
         <a:p>
           <a:r>
-            <a:rPr lang="en-US" dirty="0" smtClean="0"/>
+            <a:rPr lang="en-US" dirty="0"/>
             <a:t>salary</a:t>
           </a:r>
         </a:p>
@@ -2838,13 +2826,6 @@
         </dgm:presLayoutVars>
       </dgm:prSet>
       <dgm:spPr/>
-      <dgm:t>
-        <a:bodyPr/>
-        <a:lstStyle/>
-        <a:p>
-          <a:endParaRPr lang="en-IN"/>
-        </a:p>
-      </dgm:t>
     </dgm:pt>
     <dgm:pt modelId="{FB0C5A5D-14B7-45C8-98BF-95B212E6F765}" type="pres">
       <dgm:prSet presAssocID="{3744A88F-5B1B-4A07-BAB8-34FF1A0A7FF9}" presName="node" presStyleLbl="node1" presStyleIdx="0" presStyleCnt="3" custLinFactNeighborX="-452" custLinFactNeighborY="14886">
@@ -2853,13 +2834,6 @@
         </dgm:presLayoutVars>
       </dgm:prSet>
       <dgm:spPr/>
-      <dgm:t>
-        <a:bodyPr/>
-        <a:lstStyle/>
-        <a:p>
-          <a:endParaRPr lang="en-IN"/>
-        </a:p>
-      </dgm:t>
     </dgm:pt>
     <dgm:pt modelId="{B6EFCC84-DAFD-42B7-80D3-DC56C8E93D73}" type="pres">
       <dgm:prSet presAssocID="{CAC72160-9363-4062-B555-24619A35748A}" presName="sibTrans" presStyleCnt="0"/>
@@ -2872,13 +2846,6 @@
         </dgm:presLayoutVars>
       </dgm:prSet>
       <dgm:spPr/>
-      <dgm:t>
-        <a:bodyPr/>
-        <a:lstStyle/>
-        <a:p>
-          <a:endParaRPr lang="en-IN"/>
-        </a:p>
-      </dgm:t>
     </dgm:pt>
     <dgm:pt modelId="{B9F13A4D-C374-4D86-9351-9E2C1654FFE0}" type="pres">
       <dgm:prSet presAssocID="{9951B74C-4A80-45A7-B508-4E5D6424B224}" presName="sibTrans" presStyleCnt="0"/>
@@ -2891,23 +2858,16 @@
         </dgm:presLayoutVars>
       </dgm:prSet>
       <dgm:spPr/>
-      <dgm:t>
-        <a:bodyPr/>
-        <a:lstStyle/>
-        <a:p>
-          <a:endParaRPr lang="en-IN"/>
-        </a:p>
-      </dgm:t>
     </dgm:pt>
   </dgm:ptLst>
   <dgm:cxnLst>
-    <dgm:cxn modelId="{A5F4B09B-9279-4CD8-B346-8A8F6A5D5123}" type="presOf" srcId="{3744A88F-5B1B-4A07-BAB8-34FF1A0A7FF9}" destId="{FB0C5A5D-14B7-45C8-98BF-95B212E6F765}" srcOrd="0" destOrd="0" presId="urn:microsoft.com/office/officeart/2005/8/layout/default"/>
-    <dgm:cxn modelId="{F0B43E41-16F0-4A21-A183-9704E1173E97}" type="presOf" srcId="{A126A2E7-553C-42E2-A74C-D5BC23E2CF1C}" destId="{9782E55A-78C8-4603-8F76-6F420306EBE1}" srcOrd="0" destOrd="0" presId="urn:microsoft.com/office/officeart/2005/8/layout/default"/>
-    <dgm:cxn modelId="{4A60DC49-2F21-447B-86E3-526D290E48E5}" srcId="{BDCB1A5C-87FA-4F1C-9AC2-1AB1CD49106C}" destId="{3744A88F-5B1B-4A07-BAB8-34FF1A0A7FF9}" srcOrd="0" destOrd="0" parTransId="{7CE93384-3F1E-49D0-BDDA-ED46C48A7DA3}" sibTransId="{CAC72160-9363-4062-B555-24619A35748A}"/>
-    <dgm:cxn modelId="{5469CB1D-EB03-46B0-BECA-39207C1378DF}" type="presOf" srcId="{6258BF70-7F1A-4A94-BF25-C26B4B7D4577}" destId="{444DE6C0-BFAF-4DA9-B62E-1801C5B8BE6D}" srcOrd="0" destOrd="0" presId="urn:microsoft.com/office/officeart/2005/8/layout/default"/>
-    <dgm:cxn modelId="{B34B5D64-43D1-4CCE-8F3C-E5CA34510EFA}" srcId="{BDCB1A5C-87FA-4F1C-9AC2-1AB1CD49106C}" destId="{6258BF70-7F1A-4A94-BF25-C26B4B7D4577}" srcOrd="2" destOrd="0" parTransId="{384FDC39-55CF-4B58-BC1A-6763FE7880C5}" sibTransId="{10DA58ED-9283-468D-BE73-3867408CB4A0}"/>
     <dgm:cxn modelId="{0B0D9510-563C-4753-9C1C-F5263CF3F9A0}" type="presOf" srcId="{BDCB1A5C-87FA-4F1C-9AC2-1AB1CD49106C}" destId="{D08905FF-FA6F-44D0-9B84-F9599F935EB2}" srcOrd="0" destOrd="0" presId="urn:microsoft.com/office/officeart/2005/8/layout/default"/>
     <dgm:cxn modelId="{AE770E16-ED00-40A0-964D-6147D0A12AC2}" srcId="{BDCB1A5C-87FA-4F1C-9AC2-1AB1CD49106C}" destId="{A126A2E7-553C-42E2-A74C-D5BC23E2CF1C}" srcOrd="1" destOrd="0" parTransId="{4F0D546E-65BB-4A8F-9597-293CC5D872DE}" sibTransId="{9951B74C-4A80-45A7-B508-4E5D6424B224}"/>
+    <dgm:cxn modelId="{5469CB1D-EB03-46B0-BECA-39207C1378DF}" type="presOf" srcId="{6258BF70-7F1A-4A94-BF25-C26B4B7D4577}" destId="{444DE6C0-BFAF-4DA9-B62E-1801C5B8BE6D}" srcOrd="0" destOrd="0" presId="urn:microsoft.com/office/officeart/2005/8/layout/default"/>
+    <dgm:cxn modelId="{F0B43E41-16F0-4A21-A183-9704E1173E97}" type="presOf" srcId="{A126A2E7-553C-42E2-A74C-D5BC23E2CF1C}" destId="{9782E55A-78C8-4603-8F76-6F420306EBE1}" srcOrd="0" destOrd="0" presId="urn:microsoft.com/office/officeart/2005/8/layout/default"/>
+    <dgm:cxn modelId="{B34B5D64-43D1-4CCE-8F3C-E5CA34510EFA}" srcId="{BDCB1A5C-87FA-4F1C-9AC2-1AB1CD49106C}" destId="{6258BF70-7F1A-4A94-BF25-C26B4B7D4577}" srcOrd="2" destOrd="0" parTransId="{384FDC39-55CF-4B58-BC1A-6763FE7880C5}" sibTransId="{10DA58ED-9283-468D-BE73-3867408CB4A0}"/>
+    <dgm:cxn modelId="{4A60DC49-2F21-447B-86E3-526D290E48E5}" srcId="{BDCB1A5C-87FA-4F1C-9AC2-1AB1CD49106C}" destId="{3744A88F-5B1B-4A07-BAB8-34FF1A0A7FF9}" srcOrd="0" destOrd="0" parTransId="{7CE93384-3F1E-49D0-BDDA-ED46C48A7DA3}" sibTransId="{CAC72160-9363-4062-B555-24619A35748A}"/>
+    <dgm:cxn modelId="{A5F4B09B-9279-4CD8-B346-8A8F6A5D5123}" type="presOf" srcId="{3744A88F-5B1B-4A07-BAB8-34FF1A0A7FF9}" destId="{FB0C5A5D-14B7-45C8-98BF-95B212E6F765}" srcOrd="0" destOrd="0" presId="urn:microsoft.com/office/officeart/2005/8/layout/default"/>
     <dgm:cxn modelId="{C7A913FC-974B-423B-AE5D-6CB477C450E7}" type="presParOf" srcId="{D08905FF-FA6F-44D0-9B84-F9599F935EB2}" destId="{FB0C5A5D-14B7-45C8-98BF-95B212E6F765}" srcOrd="0" destOrd="0" presId="urn:microsoft.com/office/officeart/2005/8/layout/default"/>
     <dgm:cxn modelId="{408207ED-9AD2-4734-B78E-66C89750C000}" type="presParOf" srcId="{D08905FF-FA6F-44D0-9B84-F9599F935EB2}" destId="{B6EFCC84-DAFD-42B7-80D3-DC56C8E93D73}" srcOrd="1" destOrd="0" presId="urn:microsoft.com/office/officeart/2005/8/layout/default"/>
     <dgm:cxn modelId="{D38934B2-A2CC-4564-98FF-E993C7451251}" type="presParOf" srcId="{D08905FF-FA6F-44D0-9B84-F9599F935EB2}" destId="{9782E55A-78C8-4603-8F76-6F420306EBE1}" srcOrd="2" destOrd="0" presId="urn:microsoft.com/office/officeart/2005/8/layout/default"/>
@@ -2952,7 +2912,7 @@
         <a:lstStyle/>
         <a:p>
           <a:r>
-            <a:rPr lang="en-US" dirty="0" smtClean="0"/>
+            <a:rPr lang="en-US" dirty="0"/>
             <a:t>name</a:t>
           </a:r>
           <a:endParaRPr lang="en-IN" dirty="0"/>
@@ -2995,7 +2955,7 @@
         <a:lstStyle/>
         <a:p>
           <a:r>
-            <a:rPr lang="en-US" dirty="0" err="1" smtClean="0"/>
+            <a:rPr lang="en-US" dirty="0" err="1"/>
             <a:t>citno</a:t>
           </a:r>
           <a:endParaRPr lang="en-IN" dirty="0"/>
@@ -3032,7 +2992,7 @@
         <a:lstStyle/>
         <a:p>
           <a:r>
-            <a:rPr lang="en-US" dirty="0" smtClean="0"/>
+            <a:rPr lang="en-US" dirty="0"/>
             <a:t>salary</a:t>
           </a:r>
         </a:p>
@@ -3068,13 +3028,6 @@
         </dgm:presLayoutVars>
       </dgm:prSet>
       <dgm:spPr/>
-      <dgm:t>
-        <a:bodyPr/>
-        <a:lstStyle/>
-        <a:p>
-          <a:endParaRPr lang="en-IN"/>
-        </a:p>
-      </dgm:t>
     </dgm:pt>
     <dgm:pt modelId="{FB0C5A5D-14B7-45C8-98BF-95B212E6F765}" type="pres">
       <dgm:prSet presAssocID="{3744A88F-5B1B-4A07-BAB8-34FF1A0A7FF9}" presName="node" presStyleLbl="node1" presStyleIdx="0" presStyleCnt="3" custLinFactNeighborX="-452" custLinFactNeighborY="14886">
@@ -3083,13 +3036,6 @@
         </dgm:presLayoutVars>
       </dgm:prSet>
       <dgm:spPr/>
-      <dgm:t>
-        <a:bodyPr/>
-        <a:lstStyle/>
-        <a:p>
-          <a:endParaRPr lang="en-IN"/>
-        </a:p>
-      </dgm:t>
     </dgm:pt>
     <dgm:pt modelId="{B6EFCC84-DAFD-42B7-80D3-DC56C8E93D73}" type="pres">
       <dgm:prSet presAssocID="{CAC72160-9363-4062-B555-24619A35748A}" presName="sibTrans" presStyleCnt="0"/>
@@ -3102,13 +3048,6 @@
         </dgm:presLayoutVars>
       </dgm:prSet>
       <dgm:spPr/>
-      <dgm:t>
-        <a:bodyPr/>
-        <a:lstStyle/>
-        <a:p>
-          <a:endParaRPr lang="en-IN"/>
-        </a:p>
-      </dgm:t>
     </dgm:pt>
     <dgm:pt modelId="{B9F13A4D-C374-4D86-9351-9E2C1654FFE0}" type="pres">
       <dgm:prSet presAssocID="{9951B74C-4A80-45A7-B508-4E5D6424B224}" presName="sibTrans" presStyleCnt="0"/>
@@ -3121,23 +3060,16 @@
         </dgm:presLayoutVars>
       </dgm:prSet>
       <dgm:spPr/>
-      <dgm:t>
-        <a:bodyPr/>
-        <a:lstStyle/>
-        <a:p>
-          <a:endParaRPr lang="en-IN"/>
-        </a:p>
-      </dgm:t>
     </dgm:pt>
   </dgm:ptLst>
   <dgm:cxnLst>
+    <dgm:cxn modelId="{AE770E16-ED00-40A0-964D-6147D0A12AC2}" srcId="{BDCB1A5C-87FA-4F1C-9AC2-1AB1CD49106C}" destId="{A126A2E7-553C-42E2-A74C-D5BC23E2CF1C}" srcOrd="1" destOrd="0" parTransId="{4F0D546E-65BB-4A8F-9597-293CC5D872DE}" sibTransId="{9951B74C-4A80-45A7-B508-4E5D6424B224}"/>
+    <dgm:cxn modelId="{B34B5D64-43D1-4CCE-8F3C-E5CA34510EFA}" srcId="{BDCB1A5C-87FA-4F1C-9AC2-1AB1CD49106C}" destId="{6258BF70-7F1A-4A94-BF25-C26B4B7D4577}" srcOrd="2" destOrd="0" parTransId="{384FDC39-55CF-4B58-BC1A-6763FE7880C5}" sibTransId="{10DA58ED-9283-468D-BE73-3867408CB4A0}"/>
+    <dgm:cxn modelId="{69FD7B69-AB01-4C7C-8E7B-F0F2AECACAFC}" type="presOf" srcId="{6258BF70-7F1A-4A94-BF25-C26B4B7D4577}" destId="{444DE6C0-BFAF-4DA9-B62E-1801C5B8BE6D}" srcOrd="0" destOrd="0" presId="urn:microsoft.com/office/officeart/2005/8/layout/default"/>
+    <dgm:cxn modelId="{4A60DC49-2F21-447B-86E3-526D290E48E5}" srcId="{BDCB1A5C-87FA-4F1C-9AC2-1AB1CD49106C}" destId="{3744A88F-5B1B-4A07-BAB8-34FF1A0A7FF9}" srcOrd="0" destOrd="0" parTransId="{7CE93384-3F1E-49D0-BDDA-ED46C48A7DA3}" sibTransId="{CAC72160-9363-4062-B555-24619A35748A}"/>
     <dgm:cxn modelId="{343A3E55-42C7-44FB-9BDB-CD333D17B7A4}" type="presOf" srcId="{3744A88F-5B1B-4A07-BAB8-34FF1A0A7FF9}" destId="{FB0C5A5D-14B7-45C8-98BF-95B212E6F765}" srcOrd="0" destOrd="0" presId="urn:microsoft.com/office/officeart/2005/8/layout/default"/>
-    <dgm:cxn modelId="{4A60DC49-2F21-447B-86E3-526D290E48E5}" srcId="{BDCB1A5C-87FA-4F1C-9AC2-1AB1CD49106C}" destId="{3744A88F-5B1B-4A07-BAB8-34FF1A0A7FF9}" srcOrd="0" destOrd="0" parTransId="{7CE93384-3F1E-49D0-BDDA-ED46C48A7DA3}" sibTransId="{CAC72160-9363-4062-B555-24619A35748A}"/>
+    <dgm:cxn modelId="{C5660F9F-5E9C-4D52-8992-BA4239908858}" type="presOf" srcId="{BDCB1A5C-87FA-4F1C-9AC2-1AB1CD49106C}" destId="{D08905FF-FA6F-44D0-9B84-F9599F935EB2}" srcOrd="0" destOrd="0" presId="urn:microsoft.com/office/officeart/2005/8/layout/default"/>
     <dgm:cxn modelId="{CEF46B9F-6F95-42E6-A9CD-2653D0B7DA37}" type="presOf" srcId="{A126A2E7-553C-42E2-A74C-D5BC23E2CF1C}" destId="{9782E55A-78C8-4603-8F76-6F420306EBE1}" srcOrd="0" destOrd="0" presId="urn:microsoft.com/office/officeart/2005/8/layout/default"/>
-    <dgm:cxn modelId="{B34B5D64-43D1-4CCE-8F3C-E5CA34510EFA}" srcId="{BDCB1A5C-87FA-4F1C-9AC2-1AB1CD49106C}" destId="{6258BF70-7F1A-4A94-BF25-C26B4B7D4577}" srcOrd="2" destOrd="0" parTransId="{384FDC39-55CF-4B58-BC1A-6763FE7880C5}" sibTransId="{10DA58ED-9283-468D-BE73-3867408CB4A0}"/>
-    <dgm:cxn modelId="{C5660F9F-5E9C-4D52-8992-BA4239908858}" type="presOf" srcId="{BDCB1A5C-87FA-4F1C-9AC2-1AB1CD49106C}" destId="{D08905FF-FA6F-44D0-9B84-F9599F935EB2}" srcOrd="0" destOrd="0" presId="urn:microsoft.com/office/officeart/2005/8/layout/default"/>
-    <dgm:cxn modelId="{AE770E16-ED00-40A0-964D-6147D0A12AC2}" srcId="{BDCB1A5C-87FA-4F1C-9AC2-1AB1CD49106C}" destId="{A126A2E7-553C-42E2-A74C-D5BC23E2CF1C}" srcOrd="1" destOrd="0" parTransId="{4F0D546E-65BB-4A8F-9597-293CC5D872DE}" sibTransId="{9951B74C-4A80-45A7-B508-4E5D6424B224}"/>
-    <dgm:cxn modelId="{69FD7B69-AB01-4C7C-8E7B-F0F2AECACAFC}" type="presOf" srcId="{6258BF70-7F1A-4A94-BF25-C26B4B7D4577}" destId="{444DE6C0-BFAF-4DA9-B62E-1801C5B8BE6D}" srcOrd="0" destOrd="0" presId="urn:microsoft.com/office/officeart/2005/8/layout/default"/>
     <dgm:cxn modelId="{B9B9F17B-01C5-445E-A760-E2F0EF08986B}" type="presParOf" srcId="{D08905FF-FA6F-44D0-9B84-F9599F935EB2}" destId="{FB0C5A5D-14B7-45C8-98BF-95B212E6F765}" srcOrd="0" destOrd="0" presId="urn:microsoft.com/office/officeart/2005/8/layout/default"/>
     <dgm:cxn modelId="{00D62B6D-C00F-4253-99AA-2CDF17377188}" type="presParOf" srcId="{D08905FF-FA6F-44D0-9B84-F9599F935EB2}" destId="{B6EFCC84-DAFD-42B7-80D3-DC56C8E93D73}" srcOrd="1" destOrd="0" presId="urn:microsoft.com/office/officeart/2005/8/layout/default"/>
     <dgm:cxn modelId="{676AEC89-C9E2-4EEF-B890-2C6D1CF1529A}" type="presParOf" srcId="{D08905FF-FA6F-44D0-9B84-F9599F935EB2}" destId="{9782E55A-78C8-4603-8F76-6F420306EBE1}" srcOrd="2" destOrd="0" presId="urn:microsoft.com/office/officeart/2005/8/layout/default"/>
@@ -3256,7 +3188,7 @@
         </a:bodyPr>
         <a:lstStyle/>
         <a:p>
-          <a:pPr lvl="0" algn="ctr" defTabSz="1689100">
+          <a:pPr marL="0" lvl="0" indent="0" algn="ctr" defTabSz="1689100">
             <a:lnSpc>
               <a:spcPct val="90000"/>
             </a:lnSpc>
@@ -3266,9 +3198,10 @@
             <a:spcAft>
               <a:spcPct val="35000"/>
             </a:spcAft>
+            <a:buNone/>
           </a:pPr>
           <a:r>
-            <a:rPr lang="en-US" sz="3800" kern="1200" dirty="0" smtClean="0"/>
+            <a:rPr lang="en-US" sz="3800" kern="1200" dirty="0"/>
             <a:t>name</a:t>
           </a:r>
           <a:endParaRPr lang="en-IN" sz="3800" kern="1200" dirty="0"/>
@@ -3369,7 +3302,7 @@
         </a:bodyPr>
         <a:lstStyle/>
         <a:p>
-          <a:pPr lvl="0" algn="ctr" defTabSz="1689100">
+          <a:pPr marL="0" lvl="0" indent="0" algn="ctr" defTabSz="1689100">
             <a:lnSpc>
               <a:spcPct val="90000"/>
             </a:lnSpc>
@@ -3379,9 +3312,10 @@
             <a:spcAft>
               <a:spcPct val="35000"/>
             </a:spcAft>
+            <a:buNone/>
           </a:pPr>
           <a:r>
-            <a:rPr lang="en-US" sz="3800" kern="1200" dirty="0" err="1" smtClean="0"/>
+            <a:rPr lang="en-US" sz="3800" kern="1200" dirty="0" err="1"/>
             <a:t>citno</a:t>
           </a:r>
           <a:endParaRPr lang="en-IN" sz="3800" kern="1200" dirty="0"/>
@@ -3480,7 +3414,7 @@
         </a:bodyPr>
         <a:lstStyle/>
         <a:p>
-          <a:pPr lvl="0" algn="ctr" defTabSz="1689100">
+          <a:pPr marL="0" lvl="0" indent="0" algn="ctr" defTabSz="1689100">
             <a:lnSpc>
               <a:spcPct val="90000"/>
             </a:lnSpc>
@@ -3490,9 +3424,10 @@
             <a:spcAft>
               <a:spcPct val="35000"/>
             </a:spcAft>
+            <a:buNone/>
           </a:pPr>
           <a:r>
-            <a:rPr lang="en-US" sz="3800" kern="1200" dirty="0" smtClean="0"/>
+            <a:rPr lang="en-US" sz="3800" kern="1200" dirty="0"/>
             <a:t>salary</a:t>
           </a:r>
         </a:p>
@@ -3602,7 +3537,7 @@
         </a:bodyPr>
         <a:lstStyle/>
         <a:p>
-          <a:pPr lvl="0" algn="ctr" defTabSz="1022350">
+          <a:pPr marL="0" lvl="0" indent="0" algn="ctr" defTabSz="1022350">
             <a:lnSpc>
               <a:spcPct val="90000"/>
             </a:lnSpc>
@@ -3612,9 +3547,10 @@
             <a:spcAft>
               <a:spcPct val="35000"/>
             </a:spcAft>
+            <a:buNone/>
           </a:pPr>
           <a:r>
-            <a:rPr lang="en-US" sz="2300" kern="1200" dirty="0" smtClean="0"/>
+            <a:rPr lang="en-US" sz="2300" kern="1200" dirty="0"/>
             <a:t>name</a:t>
           </a:r>
           <a:endParaRPr lang="en-IN" sz="2300" kern="1200" dirty="0"/>
@@ -3715,7 +3651,7 @@
         </a:bodyPr>
         <a:lstStyle/>
         <a:p>
-          <a:pPr lvl="0" algn="ctr" defTabSz="1022350">
+          <a:pPr marL="0" lvl="0" indent="0" algn="ctr" defTabSz="1022350">
             <a:lnSpc>
               <a:spcPct val="90000"/>
             </a:lnSpc>
@@ -3725,9 +3661,10 @@
             <a:spcAft>
               <a:spcPct val="35000"/>
             </a:spcAft>
+            <a:buNone/>
           </a:pPr>
           <a:r>
-            <a:rPr lang="en-US" sz="2300" kern="1200" dirty="0" err="1" smtClean="0"/>
+            <a:rPr lang="en-US" sz="2300" kern="1200" dirty="0" err="1"/>
             <a:t>citno</a:t>
           </a:r>
           <a:endParaRPr lang="en-IN" sz="2300" kern="1200" dirty="0"/>
@@ -3826,7 +3763,7 @@
         </a:bodyPr>
         <a:lstStyle/>
         <a:p>
-          <a:pPr lvl="0" algn="ctr" defTabSz="1022350">
+          <a:pPr marL="0" lvl="0" indent="0" algn="ctr" defTabSz="1022350">
             <a:lnSpc>
               <a:spcPct val="90000"/>
             </a:lnSpc>
@@ -3836,9 +3773,10 @@
             <a:spcAft>
               <a:spcPct val="35000"/>
             </a:spcAft>
+            <a:buNone/>
           </a:pPr>
           <a:r>
-            <a:rPr lang="en-US" sz="2300" kern="1200" dirty="0" smtClean="0"/>
+            <a:rPr lang="en-US" sz="2300" kern="1200" dirty="0"/>
             <a:t>salary</a:t>
           </a:r>
         </a:p>
@@ -3948,7 +3886,7 @@
         </a:bodyPr>
         <a:lstStyle/>
         <a:p>
-          <a:pPr lvl="0" algn="ctr" defTabSz="1066800">
+          <a:pPr marL="0" lvl="0" indent="0" algn="ctr" defTabSz="1066800">
             <a:lnSpc>
               <a:spcPct val="90000"/>
             </a:lnSpc>
@@ -3958,9 +3896,10 @@
             <a:spcAft>
               <a:spcPct val="35000"/>
             </a:spcAft>
+            <a:buNone/>
           </a:pPr>
           <a:r>
-            <a:rPr lang="en-US" sz="2400" kern="1200" dirty="0" smtClean="0"/>
+            <a:rPr lang="en-US" sz="2400" kern="1200" dirty="0"/>
             <a:t>name</a:t>
           </a:r>
           <a:endParaRPr lang="en-IN" sz="2400" kern="1200" dirty="0"/>
@@ -4061,7 +4000,7 @@
         </a:bodyPr>
         <a:lstStyle/>
         <a:p>
-          <a:pPr lvl="0" algn="ctr" defTabSz="1066800">
+          <a:pPr marL="0" lvl="0" indent="0" algn="ctr" defTabSz="1066800">
             <a:lnSpc>
               <a:spcPct val="90000"/>
             </a:lnSpc>
@@ -4071,9 +4010,10 @@
             <a:spcAft>
               <a:spcPct val="35000"/>
             </a:spcAft>
+            <a:buNone/>
           </a:pPr>
           <a:r>
-            <a:rPr lang="en-US" sz="2400" kern="1200" dirty="0" err="1" smtClean="0"/>
+            <a:rPr lang="en-US" sz="2400" kern="1200" dirty="0" err="1"/>
             <a:t>citno</a:t>
           </a:r>
           <a:endParaRPr lang="en-IN" sz="2400" kern="1200" dirty="0"/>
@@ -4172,7 +4112,7 @@
         </a:bodyPr>
         <a:lstStyle/>
         <a:p>
-          <a:pPr lvl="0" algn="ctr" defTabSz="1066800">
+          <a:pPr marL="0" lvl="0" indent="0" algn="ctr" defTabSz="1066800">
             <a:lnSpc>
               <a:spcPct val="90000"/>
             </a:lnSpc>
@@ -4182,9 +4122,10 @@
             <a:spcAft>
               <a:spcPct val="35000"/>
             </a:spcAft>
+            <a:buNone/>
           </a:pPr>
           <a:r>
-            <a:rPr lang="en-US" sz="2400" kern="1200" dirty="0" smtClean="0"/>
+            <a:rPr lang="en-US" sz="2400" kern="1200" dirty="0"/>
             <a:t>salary</a:t>
           </a:r>
         </a:p>
@@ -8463,7 +8404,7 @@
           <a:lstStyle/>
           <a:p>
             <a:r>
-              <a:rPr lang="en-US" smtClean="0"/>
+              <a:rPr lang="en-US"/>
               <a:t>Click to edit Master title style</a:t>
             </a:r>
             <a:endParaRPr lang="en-IN"/>
@@ -8582,7 +8523,7 @@
           </a:lstStyle>
           <a:p>
             <a:r>
-              <a:rPr lang="en-US" smtClean="0"/>
+              <a:rPr lang="en-US"/>
               <a:t>Click to edit Master subtitle style</a:t>
             </a:r>
             <a:endParaRPr lang="en-IN"/>
@@ -8606,7 +8547,7 @@
           <a:p>
             <a:fld id="{447F640C-310C-440F-8857-A2C83C874724}" type="datetimeFigureOut">
               <a:rPr lang="en-IN" smtClean="0"/>
-              <a:t>31-03-2021</a:t>
+              <a:t>02-06-2021</a:t>
             </a:fld>
             <a:endParaRPr lang="en-IN"/>
           </a:p>
@@ -8700,7 +8641,7 @@
           <a:lstStyle/>
           <a:p>
             <a:r>
-              <a:rPr lang="en-US" smtClean="0"/>
+              <a:rPr lang="en-US"/>
               <a:t>Click to edit Master title style</a:t>
             </a:r>
             <a:endParaRPr lang="en-IN"/>
@@ -8724,35 +8665,35 @@
           <a:p>
             <a:pPr lvl="0"/>
             <a:r>
-              <a:rPr lang="en-US" smtClean="0"/>
+              <a:rPr lang="en-US"/>
               <a:t>Click to edit Master text styles</a:t>
             </a:r>
           </a:p>
           <a:p>
             <a:pPr lvl="1"/>
             <a:r>
-              <a:rPr lang="en-US" smtClean="0"/>
+              <a:rPr lang="en-US"/>
               <a:t>Second level</a:t>
             </a:r>
           </a:p>
           <a:p>
             <a:pPr lvl="2"/>
             <a:r>
-              <a:rPr lang="en-US" smtClean="0"/>
+              <a:rPr lang="en-US"/>
               <a:t>Third level</a:t>
             </a:r>
           </a:p>
           <a:p>
             <a:pPr lvl="3"/>
             <a:r>
-              <a:rPr lang="en-US" smtClean="0"/>
+              <a:rPr lang="en-US"/>
               <a:t>Fourth level</a:t>
             </a:r>
           </a:p>
           <a:p>
             <a:pPr lvl="4"/>
             <a:r>
-              <a:rPr lang="en-US" smtClean="0"/>
+              <a:rPr lang="en-US"/>
               <a:t>Fifth level</a:t>
             </a:r>
             <a:endParaRPr lang="en-IN"/>
@@ -8776,7 +8717,7 @@
           <a:p>
             <a:fld id="{447F640C-310C-440F-8857-A2C83C874724}" type="datetimeFigureOut">
               <a:rPr lang="en-IN" smtClean="0"/>
-              <a:t>31-03-2021</a:t>
+              <a:t>02-06-2021</a:t>
             </a:fld>
             <a:endParaRPr lang="en-IN"/>
           </a:p>
@@ -8875,7 +8816,7 @@
           <a:lstStyle/>
           <a:p>
             <a:r>
-              <a:rPr lang="en-US" smtClean="0"/>
+              <a:rPr lang="en-US"/>
               <a:t>Click to edit Master title style</a:t>
             </a:r>
             <a:endParaRPr lang="en-IN"/>
@@ -8904,35 +8845,35 @@
           <a:p>
             <a:pPr lvl="0"/>
             <a:r>
-              <a:rPr lang="en-US" smtClean="0"/>
+              <a:rPr lang="en-US"/>
               <a:t>Click to edit Master text styles</a:t>
             </a:r>
           </a:p>
           <a:p>
             <a:pPr lvl="1"/>
             <a:r>
-              <a:rPr lang="en-US" smtClean="0"/>
+              <a:rPr lang="en-US"/>
               <a:t>Second level</a:t>
             </a:r>
           </a:p>
           <a:p>
             <a:pPr lvl="2"/>
             <a:r>
-              <a:rPr lang="en-US" smtClean="0"/>
+              <a:rPr lang="en-US"/>
               <a:t>Third level</a:t>
             </a:r>
           </a:p>
           <a:p>
             <a:pPr lvl="3"/>
             <a:r>
-              <a:rPr lang="en-US" smtClean="0"/>
+              <a:rPr lang="en-US"/>
               <a:t>Fourth level</a:t>
             </a:r>
           </a:p>
           <a:p>
             <a:pPr lvl="4"/>
             <a:r>
-              <a:rPr lang="en-US" smtClean="0"/>
+              <a:rPr lang="en-US"/>
               <a:t>Fifth level</a:t>
             </a:r>
             <a:endParaRPr lang="en-IN"/>
@@ -8956,7 +8897,7 @@
           <a:p>
             <a:fld id="{447F640C-310C-440F-8857-A2C83C874724}" type="datetimeFigureOut">
               <a:rPr lang="en-IN" smtClean="0"/>
-              <a:t>31-03-2021</a:t>
+              <a:t>02-06-2021</a:t>
             </a:fld>
             <a:endParaRPr lang="en-IN"/>
           </a:p>
@@ -9050,7 +8991,7 @@
           <a:lstStyle/>
           <a:p>
             <a:r>
-              <a:rPr lang="en-US" smtClean="0"/>
+              <a:rPr lang="en-US"/>
               <a:t>Click to edit Master title style</a:t>
             </a:r>
             <a:endParaRPr lang="en-IN"/>
@@ -9074,35 +9015,35 @@
           <a:p>
             <a:pPr lvl="0"/>
             <a:r>
-              <a:rPr lang="en-US" smtClean="0"/>
+              <a:rPr lang="en-US"/>
               <a:t>Click to edit Master text styles</a:t>
             </a:r>
           </a:p>
           <a:p>
             <a:pPr lvl="1"/>
             <a:r>
-              <a:rPr lang="en-US" smtClean="0"/>
+              <a:rPr lang="en-US"/>
               <a:t>Second level</a:t>
             </a:r>
           </a:p>
           <a:p>
             <a:pPr lvl="2"/>
             <a:r>
-              <a:rPr lang="en-US" smtClean="0"/>
+              <a:rPr lang="en-US"/>
               <a:t>Third level</a:t>
             </a:r>
           </a:p>
           <a:p>
             <a:pPr lvl="3"/>
             <a:r>
-              <a:rPr lang="en-US" smtClean="0"/>
+              <a:rPr lang="en-US"/>
               <a:t>Fourth level</a:t>
             </a:r>
           </a:p>
           <a:p>
             <a:pPr lvl="4"/>
             <a:r>
-              <a:rPr lang="en-US" smtClean="0"/>
+              <a:rPr lang="en-US"/>
               <a:t>Fifth level</a:t>
             </a:r>
             <a:endParaRPr lang="en-IN"/>
@@ -9126,7 +9067,7 @@
           <a:p>
             <a:fld id="{447F640C-310C-440F-8857-A2C83C874724}" type="datetimeFigureOut">
               <a:rPr lang="en-IN" smtClean="0"/>
-              <a:t>31-03-2021</a:t>
+              <a:t>02-06-2021</a:t>
             </a:fld>
             <a:endParaRPr lang="en-IN"/>
           </a:p>
@@ -9229,7 +9170,7 @@
           </a:lstStyle>
           <a:p>
             <a:r>
-              <a:rPr lang="en-US" smtClean="0"/>
+              <a:rPr lang="en-US"/>
               <a:t>Click to edit Master title style</a:t>
             </a:r>
             <a:endParaRPr lang="en-IN"/>
@@ -9349,7 +9290,7 @@
           <a:p>
             <a:pPr lvl="0"/>
             <a:r>
-              <a:rPr lang="en-US" smtClean="0"/>
+              <a:rPr lang="en-US"/>
               <a:t>Click to edit Master text styles</a:t>
             </a:r>
           </a:p>
@@ -9372,7 +9313,7 @@
           <a:p>
             <a:fld id="{447F640C-310C-440F-8857-A2C83C874724}" type="datetimeFigureOut">
               <a:rPr lang="en-IN" smtClean="0"/>
-              <a:t>31-03-2021</a:t>
+              <a:t>02-06-2021</a:t>
             </a:fld>
             <a:endParaRPr lang="en-IN"/>
           </a:p>
@@ -9466,7 +9407,7 @@
           <a:lstStyle/>
           <a:p>
             <a:r>
-              <a:rPr lang="en-US" smtClean="0"/>
+              <a:rPr lang="en-US"/>
               <a:t>Click to edit Master title style</a:t>
             </a:r>
             <a:endParaRPr lang="en-IN"/>
@@ -9523,35 +9464,35 @@
           <a:p>
             <a:pPr lvl="0"/>
             <a:r>
-              <a:rPr lang="en-US" smtClean="0"/>
+              <a:rPr lang="en-US"/>
               <a:t>Click to edit Master text styles</a:t>
             </a:r>
           </a:p>
           <a:p>
             <a:pPr lvl="1"/>
             <a:r>
-              <a:rPr lang="en-US" smtClean="0"/>
+              <a:rPr lang="en-US"/>
               <a:t>Second level</a:t>
             </a:r>
           </a:p>
           <a:p>
             <a:pPr lvl="2"/>
             <a:r>
-              <a:rPr lang="en-US" smtClean="0"/>
+              <a:rPr lang="en-US"/>
               <a:t>Third level</a:t>
             </a:r>
           </a:p>
           <a:p>
             <a:pPr lvl="3"/>
             <a:r>
-              <a:rPr lang="en-US" smtClean="0"/>
+              <a:rPr lang="en-US"/>
               <a:t>Fourth level</a:t>
             </a:r>
           </a:p>
           <a:p>
             <a:pPr lvl="4"/>
             <a:r>
-              <a:rPr lang="en-US" smtClean="0"/>
+              <a:rPr lang="en-US"/>
               <a:t>Fifth level</a:t>
             </a:r>
             <a:endParaRPr lang="en-IN"/>
@@ -9608,35 +9549,35 @@
           <a:p>
             <a:pPr lvl="0"/>
             <a:r>
-              <a:rPr lang="en-US" smtClean="0"/>
+              <a:rPr lang="en-US"/>
               <a:t>Click to edit Master text styles</a:t>
             </a:r>
           </a:p>
           <a:p>
             <a:pPr lvl="1"/>
             <a:r>
-              <a:rPr lang="en-US" smtClean="0"/>
+              <a:rPr lang="en-US"/>
               <a:t>Second level</a:t>
             </a:r>
           </a:p>
           <a:p>
             <a:pPr lvl="2"/>
             <a:r>
-              <a:rPr lang="en-US" smtClean="0"/>
+              <a:rPr lang="en-US"/>
               <a:t>Third level</a:t>
             </a:r>
           </a:p>
           <a:p>
             <a:pPr lvl="3"/>
             <a:r>
-              <a:rPr lang="en-US" smtClean="0"/>
+              <a:rPr lang="en-US"/>
               <a:t>Fourth level</a:t>
             </a:r>
           </a:p>
           <a:p>
             <a:pPr lvl="4"/>
             <a:r>
-              <a:rPr lang="en-US" smtClean="0"/>
+              <a:rPr lang="en-US"/>
               <a:t>Fifth level</a:t>
             </a:r>
             <a:endParaRPr lang="en-IN"/>
@@ -9660,7 +9601,7 @@
           <a:p>
             <a:fld id="{447F640C-310C-440F-8857-A2C83C874724}" type="datetimeFigureOut">
               <a:rPr lang="en-IN" smtClean="0"/>
-              <a:t>31-03-2021</a:t>
+              <a:t>02-06-2021</a:t>
             </a:fld>
             <a:endParaRPr lang="en-IN"/>
           </a:p>
@@ -9758,7 +9699,7 @@
           </a:lstStyle>
           <a:p>
             <a:r>
-              <a:rPr lang="en-US" smtClean="0"/>
+              <a:rPr lang="en-US"/>
               <a:t>Click to edit Master title style</a:t>
             </a:r>
             <a:endParaRPr lang="en-IN"/>
@@ -9824,7 +9765,7 @@
           <a:p>
             <a:pPr lvl="0"/>
             <a:r>
-              <a:rPr lang="en-US" smtClean="0"/>
+              <a:rPr lang="en-US"/>
               <a:t>Click to edit Master text styles</a:t>
             </a:r>
           </a:p>
@@ -9880,35 +9821,35 @@
           <a:p>
             <a:pPr lvl="0"/>
             <a:r>
-              <a:rPr lang="en-US" smtClean="0"/>
+              <a:rPr lang="en-US"/>
               <a:t>Click to edit Master text styles</a:t>
             </a:r>
           </a:p>
           <a:p>
             <a:pPr lvl="1"/>
             <a:r>
-              <a:rPr lang="en-US" smtClean="0"/>
+              <a:rPr lang="en-US"/>
               <a:t>Second level</a:t>
             </a:r>
           </a:p>
           <a:p>
             <a:pPr lvl="2"/>
             <a:r>
-              <a:rPr lang="en-US" smtClean="0"/>
+              <a:rPr lang="en-US"/>
               <a:t>Third level</a:t>
             </a:r>
           </a:p>
           <a:p>
             <a:pPr lvl="3"/>
             <a:r>
-              <a:rPr lang="en-US" smtClean="0"/>
+              <a:rPr lang="en-US"/>
               <a:t>Fourth level</a:t>
             </a:r>
           </a:p>
           <a:p>
             <a:pPr lvl="4"/>
             <a:r>
-              <a:rPr lang="en-US" smtClean="0"/>
+              <a:rPr lang="en-US"/>
               <a:t>Fifth level</a:t>
             </a:r>
             <a:endParaRPr lang="en-IN"/>
@@ -9974,7 +9915,7 @@
           <a:p>
             <a:pPr lvl="0"/>
             <a:r>
-              <a:rPr lang="en-US" smtClean="0"/>
+              <a:rPr lang="en-US"/>
               <a:t>Click to edit Master text styles</a:t>
             </a:r>
           </a:p>
@@ -10030,35 +9971,35 @@
           <a:p>
             <a:pPr lvl="0"/>
             <a:r>
-              <a:rPr lang="en-US" smtClean="0"/>
+              <a:rPr lang="en-US"/>
               <a:t>Click to edit Master text styles</a:t>
             </a:r>
           </a:p>
           <a:p>
             <a:pPr lvl="1"/>
             <a:r>
-              <a:rPr lang="en-US" smtClean="0"/>
+              <a:rPr lang="en-US"/>
               <a:t>Second level</a:t>
             </a:r>
           </a:p>
           <a:p>
             <a:pPr lvl="2"/>
             <a:r>
-              <a:rPr lang="en-US" smtClean="0"/>
+              <a:rPr lang="en-US"/>
               <a:t>Third level</a:t>
             </a:r>
           </a:p>
           <a:p>
             <a:pPr lvl="3"/>
             <a:r>
-              <a:rPr lang="en-US" smtClean="0"/>
+              <a:rPr lang="en-US"/>
               <a:t>Fourth level</a:t>
             </a:r>
           </a:p>
           <a:p>
             <a:pPr lvl="4"/>
             <a:r>
-              <a:rPr lang="en-US" smtClean="0"/>
+              <a:rPr lang="en-US"/>
               <a:t>Fifth level</a:t>
             </a:r>
             <a:endParaRPr lang="en-IN"/>
@@ -10082,7 +10023,7 @@
           <a:p>
             <a:fld id="{447F640C-310C-440F-8857-A2C83C874724}" type="datetimeFigureOut">
               <a:rPr lang="en-IN" smtClean="0"/>
-              <a:t>31-03-2021</a:t>
+              <a:t>02-06-2021</a:t>
             </a:fld>
             <a:endParaRPr lang="en-IN"/>
           </a:p>
@@ -10176,7 +10117,7 @@
           <a:lstStyle/>
           <a:p>
             <a:r>
-              <a:rPr lang="en-US" smtClean="0"/>
+              <a:rPr lang="en-US"/>
               <a:t>Click to edit Master title style</a:t>
             </a:r>
             <a:endParaRPr lang="en-IN"/>
@@ -10200,7 +10141,7 @@
           <a:p>
             <a:fld id="{447F640C-310C-440F-8857-A2C83C874724}" type="datetimeFigureOut">
               <a:rPr lang="en-IN" smtClean="0"/>
-              <a:t>31-03-2021</a:t>
+              <a:t>02-06-2021</a:t>
             </a:fld>
             <a:endParaRPr lang="en-IN"/>
           </a:p>
@@ -10295,7 +10236,7 @@
           <a:p>
             <a:fld id="{447F640C-310C-440F-8857-A2C83C874724}" type="datetimeFigureOut">
               <a:rPr lang="en-IN" smtClean="0"/>
-              <a:t>31-03-2021</a:t>
+              <a:t>02-06-2021</a:t>
             </a:fld>
             <a:endParaRPr lang="en-IN"/>
           </a:p>
@@ -10398,7 +10339,7 @@
           </a:lstStyle>
           <a:p>
             <a:r>
-              <a:rPr lang="en-US" smtClean="0"/>
+              <a:rPr lang="en-US"/>
               <a:t>Click to edit Master title style</a:t>
             </a:r>
             <a:endParaRPr lang="en-IN"/>
@@ -10455,35 +10396,35 @@
           <a:p>
             <a:pPr lvl="0"/>
             <a:r>
-              <a:rPr lang="en-US" smtClean="0"/>
+              <a:rPr lang="en-US"/>
               <a:t>Click to edit Master text styles</a:t>
             </a:r>
           </a:p>
           <a:p>
             <a:pPr lvl="1"/>
             <a:r>
-              <a:rPr lang="en-US" smtClean="0"/>
+              <a:rPr lang="en-US"/>
               <a:t>Second level</a:t>
             </a:r>
           </a:p>
           <a:p>
             <a:pPr lvl="2"/>
             <a:r>
-              <a:rPr lang="en-US" smtClean="0"/>
+              <a:rPr lang="en-US"/>
               <a:t>Third level</a:t>
             </a:r>
           </a:p>
           <a:p>
             <a:pPr lvl="3"/>
             <a:r>
-              <a:rPr lang="en-US" smtClean="0"/>
+              <a:rPr lang="en-US"/>
               <a:t>Fourth level</a:t>
             </a:r>
           </a:p>
           <a:p>
             <a:pPr lvl="4"/>
             <a:r>
-              <a:rPr lang="en-US" smtClean="0"/>
+              <a:rPr lang="en-US"/>
               <a:t>Fifth level</a:t>
             </a:r>
             <a:endParaRPr lang="en-IN"/>
@@ -10549,7 +10490,7 @@
           <a:p>
             <a:pPr lvl="0"/>
             <a:r>
-              <a:rPr lang="en-US" smtClean="0"/>
+              <a:rPr lang="en-US"/>
               <a:t>Click to edit Master text styles</a:t>
             </a:r>
           </a:p>
@@ -10572,7 +10513,7 @@
           <a:p>
             <a:fld id="{447F640C-310C-440F-8857-A2C83C874724}" type="datetimeFigureOut">
               <a:rPr lang="en-IN" smtClean="0"/>
-              <a:t>31-03-2021</a:t>
+              <a:t>02-06-2021</a:t>
             </a:fld>
             <a:endParaRPr lang="en-IN"/>
           </a:p>
@@ -10675,7 +10616,7 @@
           </a:lstStyle>
           <a:p>
             <a:r>
-              <a:rPr lang="en-US" smtClean="0"/>
+              <a:rPr lang="en-US"/>
               <a:t>Click to edit Master title style</a:t>
             </a:r>
             <a:endParaRPr lang="en-IN"/>
@@ -10802,7 +10743,7 @@
           <a:p>
             <a:pPr lvl="0"/>
             <a:r>
-              <a:rPr lang="en-US" smtClean="0"/>
+              <a:rPr lang="en-US"/>
               <a:t>Click to edit Master text styles</a:t>
             </a:r>
           </a:p>
@@ -10825,7 +10766,7 @@
           <a:p>
             <a:fld id="{447F640C-310C-440F-8857-A2C83C874724}" type="datetimeFigureOut">
               <a:rPr lang="en-IN" smtClean="0"/>
-              <a:t>31-03-2021</a:t>
+              <a:t>02-06-2021</a:t>
             </a:fld>
             <a:endParaRPr lang="en-IN"/>
           </a:p>
@@ -10934,7 +10875,7 @@
           <a:lstStyle/>
           <a:p>
             <a:r>
-              <a:rPr lang="en-US" smtClean="0"/>
+              <a:rPr lang="en-US"/>
               <a:t>Click to edit Master title style</a:t>
             </a:r>
             <a:endParaRPr lang="en-IN"/>
@@ -10968,35 +10909,35 @@
           <a:p>
             <a:pPr lvl="0"/>
             <a:r>
-              <a:rPr lang="en-US" smtClean="0"/>
+              <a:rPr lang="en-US"/>
               <a:t>Click to edit Master text styles</a:t>
             </a:r>
           </a:p>
           <a:p>
             <a:pPr lvl="1"/>
             <a:r>
-              <a:rPr lang="en-US" smtClean="0"/>
+              <a:rPr lang="en-US"/>
               <a:t>Second level</a:t>
             </a:r>
           </a:p>
           <a:p>
             <a:pPr lvl="2"/>
             <a:r>
-              <a:rPr lang="en-US" smtClean="0"/>
+              <a:rPr lang="en-US"/>
               <a:t>Third level</a:t>
             </a:r>
           </a:p>
           <a:p>
             <a:pPr lvl="3"/>
             <a:r>
-              <a:rPr lang="en-US" smtClean="0"/>
+              <a:rPr lang="en-US"/>
               <a:t>Fourth level</a:t>
             </a:r>
           </a:p>
           <a:p>
             <a:pPr lvl="4"/>
             <a:r>
-              <a:rPr lang="en-US" smtClean="0"/>
+              <a:rPr lang="en-US"/>
               <a:t>Fifth level</a:t>
             </a:r>
             <a:endParaRPr lang="en-IN"/>
@@ -11038,7 +10979,7 @@
           <a:p>
             <a:fld id="{447F640C-310C-440F-8857-A2C83C874724}" type="datetimeFigureOut">
               <a:rPr lang="en-IN" smtClean="0"/>
-              <a:t>31-03-2021</a:t>
+              <a:t>02-06-2021</a:t>
             </a:fld>
             <a:endParaRPr lang="en-IN"/>
           </a:p>
@@ -11429,10 +11370,9 @@
           <a:lstStyle/>
           <a:p>
             <a:r>
-              <a:rPr lang="en-IN" dirty="0" smtClean="0"/>
+              <a:rPr lang="en-IN" dirty="0"/>
               <a:t>Structures in C</a:t>
             </a:r>
-            <a:endParaRPr lang="en-IN" dirty="0"/>
           </a:p>
         </p:txBody>
       </p:sp>
@@ -11465,13 +11405,6 @@
   <p:clrMapOvr>
     <a:masterClrMapping/>
   </p:clrMapOvr>
-  <p:timing>
-    <p:tnLst>
-      <p:par>
-        <p:cTn id="1" dur="indefinite" restart="never" nodeType="tmRoot"/>
-      </p:par>
-    </p:tnLst>
-  </p:timing>
 </p:sld>
 </file>
 
@@ -11511,11 +11444,7 @@
           <a:p>
             <a:r>
               <a:rPr lang="en-IN" b="1" dirty="0"/>
-              <a:t>Array of </a:t>
-            </a:r>
-            <a:r>
-              <a:rPr lang="en-IN" b="1" dirty="0" smtClean="0"/>
-              <a:t>Structure</a:t>
+              <a:t>Array of Structure</a:t>
             </a:r>
             <a:endParaRPr lang="en-IN" dirty="0"/>
           </a:p>
@@ -11543,23 +11472,23 @@
           <a:p>
             <a:pPr algn="just"/>
             <a:r>
-              <a:rPr lang="en-IN" dirty="0" smtClean="0"/>
+              <a:rPr lang="en-IN" dirty="0"/>
               <a:t>We can also declare an array of structure variables, in which each element of the array will represent a structure variable. </a:t>
             </a:r>
           </a:p>
           <a:p>
-            <a:endParaRPr lang="en-IN" dirty="0" smtClean="0"/>
-          </a:p>
-          <a:p>
-            <a:pPr marL="0" indent="0">
-              <a:buNone/>
-            </a:pPr>
-            <a:r>
-              <a:rPr lang="en-IN" dirty="0" smtClean="0"/>
+            <a:endParaRPr lang="en-IN" dirty="0"/>
+          </a:p>
+          <a:p>
+            <a:pPr marL="0" indent="0">
+              <a:buNone/>
+            </a:pPr>
+            <a:r>
+              <a:rPr lang="en-IN" dirty="0"/>
               <a:t>Example : </a:t>
             </a:r>
             <a:r>
-              <a:rPr lang="en-IN" dirty="0" err="1" smtClean="0">
+              <a:rPr lang="en-IN" dirty="0" err="1">
                 <a:solidFill>
                   <a:srgbClr val="FF0000"/>
                 </a:solidFill>
@@ -11567,7 +11496,7 @@
               <a:t>struct</a:t>
             </a:r>
             <a:r>
-              <a:rPr lang="en-IN" dirty="0" smtClean="0">
+              <a:rPr lang="en-IN" dirty="0">
                 <a:solidFill>
                   <a:srgbClr val="FF0000"/>
                 </a:solidFill>
@@ -11575,7 +11504,7 @@
               <a:t> employee </a:t>
             </a:r>
             <a:r>
-              <a:rPr lang="en-IN" dirty="0" err="1" smtClean="0">
+              <a:rPr lang="en-IN" dirty="0" err="1">
                 <a:solidFill>
                   <a:srgbClr val="FF0000"/>
                 </a:solidFill>
@@ -11583,18 +11512,13 @@
               <a:t>emp</a:t>
             </a:r>
             <a:r>
-              <a:rPr lang="en-IN" dirty="0" smtClean="0">
+              <a:rPr lang="en-IN" dirty="0">
                 <a:solidFill>
                   <a:srgbClr val="FF0000"/>
                 </a:solidFill>
               </a:rPr>
               <a:t>[5];</a:t>
             </a:r>
-            <a:endParaRPr lang="en-IN" dirty="0">
-              <a:solidFill>
-                <a:srgbClr val="FF0000"/>
-              </a:solidFill>
-            </a:endParaRPr>
           </a:p>
         </p:txBody>
       </p:sp>
@@ -11608,13 +11532,6 @@
   <p:clrMapOvr>
     <a:masterClrMapping/>
   </p:clrMapOvr>
-  <p:timing>
-    <p:tnLst>
-      <p:par>
-        <p:cTn id="1" dur="indefinite" restart="never" nodeType="tmRoot"/>
-      </p:par>
-    </p:tnLst>
-  </p:timing>
 </p:sld>
 </file>
 
@@ -11658,10 +11575,9 @@
           <a:lstStyle/>
           <a:p>
             <a:r>
-              <a:rPr lang="en-IN" dirty="0" smtClean="0"/>
+              <a:rPr lang="en-IN" dirty="0"/>
               <a:t>Array of structure Example</a:t>
             </a:r>
-            <a:endParaRPr lang="en-IN" dirty="0"/>
           </a:p>
         </p:txBody>
       </p:sp>
@@ -11696,15 +11612,15 @@
               <a:buNone/>
             </a:pPr>
             <a:r>
-              <a:rPr lang="en-IN" dirty="0" smtClean="0"/>
+              <a:rPr lang="en-IN" dirty="0"/>
               <a:t>#include&lt;</a:t>
             </a:r>
             <a:r>
-              <a:rPr lang="en-IN" dirty="0" err="1" smtClean="0"/>
+              <a:rPr lang="en-IN" dirty="0" err="1"/>
               <a:t>stdio.h</a:t>
             </a:r>
             <a:r>
-              <a:rPr lang="en-IN" dirty="0" smtClean="0"/>
+              <a:rPr lang="en-IN" dirty="0"/>
               <a:t>&gt;</a:t>
             </a:r>
           </a:p>
@@ -11712,18 +11628,18 @@
             <a:pPr marL="0" indent="0">
               <a:buNone/>
             </a:pPr>
-            <a:endParaRPr lang="en-IN" dirty="0" smtClean="0"/>
-          </a:p>
-          <a:p>
-            <a:pPr marL="0" indent="0">
-              <a:buNone/>
-            </a:pPr>
-            <a:r>
-              <a:rPr lang="en-IN" dirty="0" err="1" smtClean="0"/>
+            <a:endParaRPr lang="en-IN" dirty="0"/>
+          </a:p>
+          <a:p>
+            <a:pPr marL="0" indent="0">
+              <a:buNone/>
+            </a:pPr>
+            <a:r>
+              <a:rPr lang="en-IN" dirty="0" err="1"/>
               <a:t>struct</a:t>
             </a:r>
             <a:r>
-              <a:rPr lang="en-IN" dirty="0" smtClean="0"/>
+              <a:rPr lang="en-IN" dirty="0"/>
               <a:t> Employee</a:t>
             </a:r>
           </a:p>
@@ -11732,7 +11648,7 @@
               <a:buNone/>
             </a:pPr>
             <a:r>
-              <a:rPr lang="en-IN" dirty="0" smtClean="0"/>
+              <a:rPr lang="en-IN" dirty="0"/>
               <a:t>{</a:t>
             </a:r>
           </a:p>
@@ -11741,15 +11657,15 @@
               <a:buNone/>
             </a:pPr>
             <a:r>
-              <a:rPr lang="en-IN" dirty="0" smtClean="0"/>
+              <a:rPr lang="en-IN" dirty="0"/>
               <a:t>    char </a:t>
             </a:r>
             <a:r>
-              <a:rPr lang="en-IN" dirty="0" err="1" smtClean="0"/>
+              <a:rPr lang="en-IN" dirty="0" err="1"/>
               <a:t>ename</a:t>
             </a:r>
             <a:r>
-              <a:rPr lang="en-IN" dirty="0" smtClean="0"/>
+              <a:rPr lang="en-IN" dirty="0"/>
               <a:t>[10];</a:t>
             </a:r>
           </a:p>
@@ -11758,23 +11674,23 @@
               <a:buNone/>
             </a:pPr>
             <a:r>
-              <a:rPr lang="en-IN" dirty="0" smtClean="0"/>
+              <a:rPr lang="en-IN" dirty="0"/>
               <a:t>    </a:t>
             </a:r>
             <a:r>
-              <a:rPr lang="en-IN" dirty="0" err="1" smtClean="0"/>
+              <a:rPr lang="en-IN" dirty="0" err="1"/>
               <a:t>int</a:t>
             </a:r>
             <a:r>
-              <a:rPr lang="en-IN" dirty="0" smtClean="0"/>
+              <a:rPr lang="en-IN" dirty="0"/>
               <a:t> </a:t>
             </a:r>
             <a:r>
-              <a:rPr lang="en-IN" dirty="0" err="1" smtClean="0"/>
+              <a:rPr lang="en-IN" dirty="0" err="1"/>
               <a:t>sal</a:t>
             </a:r>
             <a:r>
-              <a:rPr lang="en-IN" dirty="0" smtClean="0"/>
+              <a:rPr lang="en-IN" dirty="0"/>
               <a:t>;</a:t>
             </a:r>
           </a:p>
@@ -11783,7 +11699,7 @@
               <a:buNone/>
             </a:pPr>
             <a:r>
-              <a:rPr lang="en-IN" dirty="0" smtClean="0"/>
+              <a:rPr lang="en-IN" dirty="0"/>
               <a:t>};</a:t>
             </a:r>
           </a:p>
@@ -11797,24 +11713,24 @@
             <a:pPr marL="0" indent="0">
               <a:buNone/>
             </a:pPr>
-            <a:endParaRPr lang="en-IN" dirty="0" smtClean="0"/>
-          </a:p>
-          <a:p>
-            <a:pPr marL="0" indent="0">
-              <a:buNone/>
-            </a:pPr>
-            <a:endParaRPr lang="en-IN" dirty="0" smtClean="0"/>
-          </a:p>
-          <a:p>
-            <a:pPr marL="0" indent="0">
-              <a:buNone/>
-            </a:pPr>
-            <a:r>
-              <a:rPr lang="en-IN" dirty="0" err="1" smtClean="0"/>
+            <a:endParaRPr lang="en-IN" dirty="0"/>
+          </a:p>
+          <a:p>
+            <a:pPr marL="0" indent="0">
+              <a:buNone/>
+            </a:pPr>
+            <a:endParaRPr lang="en-IN" dirty="0"/>
+          </a:p>
+          <a:p>
+            <a:pPr marL="0" indent="0">
+              <a:buNone/>
+            </a:pPr>
+            <a:r>
+              <a:rPr lang="en-IN" dirty="0" err="1"/>
               <a:t>int</a:t>
             </a:r>
             <a:r>
-              <a:rPr lang="en-IN" dirty="0" smtClean="0"/>
+              <a:rPr lang="en-IN" dirty="0"/>
               <a:t> main()</a:t>
             </a:r>
           </a:p>
@@ -11823,7 +11739,7 @@
               <a:buNone/>
             </a:pPr>
             <a:r>
-              <a:rPr lang="en-IN" dirty="0" smtClean="0"/>
+              <a:rPr lang="en-IN" dirty="0"/>
               <a:t>{</a:t>
             </a:r>
           </a:p>
@@ -11832,23 +11748,23 @@
               <a:buNone/>
             </a:pPr>
             <a:r>
-              <a:rPr lang="en-IN" dirty="0" err="1" smtClean="0"/>
+              <a:rPr lang="en-IN" dirty="0" err="1"/>
               <a:t>struct</a:t>
             </a:r>
             <a:r>
-              <a:rPr lang="en-IN" dirty="0" smtClean="0"/>
+              <a:rPr lang="en-IN" dirty="0"/>
               <a:t> Employee </a:t>
             </a:r>
             <a:r>
-              <a:rPr lang="en-IN" b="1" dirty="0" err="1" smtClean="0"/>
+              <a:rPr lang="en-IN" b="1" dirty="0" err="1"/>
               <a:t>emp</a:t>
             </a:r>
             <a:r>
-              <a:rPr lang="en-IN" b="1" dirty="0" smtClean="0"/>
+              <a:rPr lang="en-IN" b="1" dirty="0"/>
               <a:t>[5]</a:t>
             </a:r>
             <a:r>
-              <a:rPr lang="en-IN" dirty="0" smtClean="0"/>
+              <a:rPr lang="en-IN" dirty="0"/>
               <a:t>;</a:t>
             </a:r>
           </a:p>
@@ -11857,19 +11773,19 @@
               <a:buNone/>
             </a:pPr>
             <a:r>
-              <a:rPr lang="en-IN" dirty="0" err="1" smtClean="0"/>
+              <a:rPr lang="en-IN" dirty="0" err="1"/>
               <a:t>int</a:t>
             </a:r>
             <a:r>
-              <a:rPr lang="en-IN" dirty="0" smtClean="0"/>
+              <a:rPr lang="en-IN" dirty="0"/>
               <a:t> </a:t>
             </a:r>
             <a:r>
-              <a:rPr lang="en-IN" dirty="0" err="1" smtClean="0"/>
+              <a:rPr lang="en-IN" dirty="0" err="1"/>
               <a:t>i</a:t>
             </a:r>
             <a:r>
-              <a:rPr lang="en-IN" dirty="0" smtClean="0"/>
+              <a:rPr lang="en-IN" dirty="0"/>
               <a:t>, j;</a:t>
             </a:r>
           </a:p>
@@ -11877,7 +11793,7 @@
             <a:pPr marL="0" indent="0">
               <a:buNone/>
             </a:pPr>
-            <a:endParaRPr lang="en-IN" dirty="0" smtClean="0"/>
+            <a:endParaRPr lang="en-IN" dirty="0"/>
           </a:p>
         </p:txBody>
       </p:sp>
@@ -11912,31 +11828,31 @@
               <a:buNone/>
             </a:pPr>
             <a:r>
-              <a:rPr lang="en-IN" dirty="0" smtClean="0"/>
+              <a:rPr lang="en-IN" dirty="0"/>
               <a:t>for(</a:t>
             </a:r>
             <a:r>
-              <a:rPr lang="en-IN" dirty="0" err="1" smtClean="0"/>
+              <a:rPr lang="en-IN" dirty="0" err="1"/>
               <a:t>i</a:t>
             </a:r>
             <a:r>
-              <a:rPr lang="en-IN" dirty="0" smtClean="0"/>
+              <a:rPr lang="en-IN" dirty="0"/>
               <a:t> = 0; </a:t>
             </a:r>
             <a:r>
-              <a:rPr lang="en-IN" dirty="0" err="1" smtClean="0"/>
+              <a:rPr lang="en-IN" dirty="0" err="1"/>
               <a:t>i</a:t>
             </a:r>
             <a:r>
-              <a:rPr lang="en-IN" dirty="0" smtClean="0"/>
+              <a:rPr lang="en-IN" dirty="0"/>
               <a:t> &lt; 3; </a:t>
             </a:r>
             <a:r>
-              <a:rPr lang="en-IN" dirty="0" err="1" smtClean="0"/>
+              <a:rPr lang="en-IN" dirty="0" err="1"/>
               <a:t>i</a:t>
             </a:r>
             <a:r>
-              <a:rPr lang="en-IN" dirty="0" smtClean="0"/>
+              <a:rPr lang="en-IN" dirty="0"/>
               <a:t>++)</a:t>
             </a:r>
           </a:p>
@@ -11945,7 +11861,7 @@
               <a:buNone/>
             </a:pPr>
             <a:r>
-              <a:rPr lang="en-IN" dirty="0" smtClean="0"/>
+              <a:rPr lang="en-IN" dirty="0"/>
               <a:t>    {</a:t>
             </a:r>
           </a:p>
@@ -11954,31 +11870,31 @@
               <a:buNone/>
             </a:pPr>
             <a:r>
-              <a:rPr lang="en-IN" dirty="0" smtClean="0"/>
+              <a:rPr lang="en-IN" dirty="0"/>
               <a:t>        </a:t>
             </a:r>
             <a:r>
-              <a:rPr lang="en-IN" dirty="0" err="1" smtClean="0"/>
+              <a:rPr lang="en-IN" dirty="0" err="1"/>
               <a:t>printf</a:t>
             </a:r>
             <a:r>
-              <a:rPr lang="en-IN" dirty="0" smtClean="0"/>
+              <a:rPr lang="en-IN" dirty="0"/>
               <a:t>("\</a:t>
             </a:r>
             <a:r>
-              <a:rPr lang="en-IN" dirty="0" err="1" smtClean="0"/>
+              <a:rPr lang="en-IN" dirty="0" err="1"/>
               <a:t>nEnter</a:t>
             </a:r>
             <a:r>
-              <a:rPr lang="en-IN" dirty="0" smtClean="0"/>
+              <a:rPr lang="en-IN" dirty="0"/>
               <a:t> %</a:t>
             </a:r>
             <a:r>
-              <a:rPr lang="en-IN" dirty="0" err="1" smtClean="0"/>
+              <a:rPr lang="en-IN" dirty="0" err="1"/>
               <a:t>dst</a:t>
             </a:r>
             <a:r>
-              <a:rPr lang="en-IN" dirty="0" smtClean="0"/>
+              <a:rPr lang="en-IN" dirty="0"/>
               <a:t> Employee record:\n", i+1);</a:t>
             </a:r>
           </a:p>
@@ -11987,23 +11903,23 @@
               <a:buNone/>
             </a:pPr>
             <a:r>
-              <a:rPr lang="en-IN" dirty="0" smtClean="0"/>
+              <a:rPr lang="en-IN" dirty="0"/>
               <a:t>        </a:t>
             </a:r>
             <a:r>
-              <a:rPr lang="en-IN" dirty="0" err="1" smtClean="0"/>
+              <a:rPr lang="en-IN" dirty="0" err="1"/>
               <a:t>printf</a:t>
             </a:r>
             <a:r>
-              <a:rPr lang="en-IN" dirty="0" smtClean="0"/>
+              <a:rPr lang="en-IN" dirty="0"/>
               <a:t>("\</a:t>
             </a:r>
             <a:r>
-              <a:rPr lang="en-IN" dirty="0" err="1" smtClean="0"/>
+              <a:rPr lang="en-IN" dirty="0" err="1"/>
               <a:t>nEmployee</a:t>
             </a:r>
             <a:r>
-              <a:rPr lang="en-IN" dirty="0" smtClean="0"/>
+              <a:rPr lang="en-IN" dirty="0"/>
               <a:t> name:\t");</a:t>
             </a:r>
           </a:p>
@@ -12012,39 +11928,39 @@
               <a:buNone/>
             </a:pPr>
             <a:r>
-              <a:rPr lang="en-IN" dirty="0" smtClean="0"/>
+              <a:rPr lang="en-IN" dirty="0"/>
               <a:t>        </a:t>
             </a:r>
             <a:r>
-              <a:rPr lang="en-IN" dirty="0" err="1" smtClean="0"/>
+              <a:rPr lang="en-IN" dirty="0" err="1"/>
               <a:t>scanf</a:t>
             </a:r>
             <a:r>
-              <a:rPr lang="en-IN" dirty="0" smtClean="0"/>
+              <a:rPr lang="en-IN" dirty="0"/>
               <a:t>("%s", </a:t>
             </a:r>
             <a:r>
-              <a:rPr lang="en-IN" b="1" dirty="0" err="1" smtClean="0"/>
+              <a:rPr lang="en-IN" b="1" dirty="0" err="1"/>
               <a:t>emp</a:t>
             </a:r>
             <a:r>
-              <a:rPr lang="en-IN" b="1" dirty="0" smtClean="0"/>
+              <a:rPr lang="en-IN" b="1" dirty="0"/>
               <a:t>[</a:t>
             </a:r>
             <a:r>
-              <a:rPr lang="en-IN" b="1" dirty="0" err="1" smtClean="0"/>
+              <a:rPr lang="en-IN" b="1" dirty="0" err="1"/>
               <a:t>i</a:t>
             </a:r>
             <a:r>
-              <a:rPr lang="en-IN" b="1" dirty="0" smtClean="0"/>
+              <a:rPr lang="en-IN" b="1" dirty="0"/>
               <a:t>].</a:t>
             </a:r>
             <a:r>
-              <a:rPr lang="en-IN" b="1" dirty="0" err="1" smtClean="0"/>
+              <a:rPr lang="en-IN" b="1" dirty="0" err="1"/>
               <a:t>ename</a:t>
             </a:r>
             <a:r>
-              <a:rPr lang="en-IN" dirty="0" smtClean="0"/>
+              <a:rPr lang="en-IN" dirty="0"/>
               <a:t>);</a:t>
             </a:r>
           </a:p>
@@ -12053,23 +11969,23 @@
               <a:buNone/>
             </a:pPr>
             <a:r>
-              <a:rPr lang="en-IN" dirty="0" smtClean="0"/>
+              <a:rPr lang="en-IN" dirty="0"/>
               <a:t>        </a:t>
             </a:r>
             <a:r>
-              <a:rPr lang="en-IN" dirty="0" err="1" smtClean="0"/>
+              <a:rPr lang="en-IN" dirty="0" err="1"/>
               <a:t>printf</a:t>
             </a:r>
             <a:r>
-              <a:rPr lang="en-IN" dirty="0" smtClean="0"/>
+              <a:rPr lang="en-IN" dirty="0"/>
               <a:t>("\</a:t>
             </a:r>
             <a:r>
-              <a:rPr lang="en-IN" dirty="0" err="1" smtClean="0"/>
+              <a:rPr lang="en-IN" dirty="0" err="1"/>
               <a:t>nEnter</a:t>
             </a:r>
             <a:r>
-              <a:rPr lang="en-IN" dirty="0" smtClean="0"/>
+              <a:rPr lang="en-IN" dirty="0"/>
               <a:t> Salary:\t");</a:t>
             </a:r>
           </a:p>
@@ -12078,43 +11994,43 @@
               <a:buNone/>
             </a:pPr>
             <a:r>
-              <a:rPr lang="en-IN" dirty="0" smtClean="0"/>
+              <a:rPr lang="en-IN" dirty="0"/>
               <a:t>        </a:t>
             </a:r>
             <a:r>
-              <a:rPr lang="en-IN" dirty="0" err="1" smtClean="0"/>
+              <a:rPr lang="en-IN" dirty="0" err="1"/>
               <a:t>scanf</a:t>
             </a:r>
             <a:r>
-              <a:rPr lang="en-IN" dirty="0" smtClean="0"/>
+              <a:rPr lang="en-IN" dirty="0"/>
               <a:t>("%d", </a:t>
             </a:r>
             <a:r>
-              <a:rPr lang="en-IN" b="1" dirty="0" smtClean="0"/>
+              <a:rPr lang="en-IN" b="1" dirty="0"/>
               <a:t>&amp;</a:t>
             </a:r>
             <a:r>
-              <a:rPr lang="en-IN" b="1" dirty="0" err="1" smtClean="0"/>
+              <a:rPr lang="en-IN" b="1" dirty="0" err="1"/>
               <a:t>emp</a:t>
             </a:r>
             <a:r>
-              <a:rPr lang="en-IN" b="1" dirty="0" smtClean="0"/>
+              <a:rPr lang="en-IN" b="1" dirty="0"/>
               <a:t>[</a:t>
             </a:r>
             <a:r>
-              <a:rPr lang="en-IN" b="1" dirty="0" err="1" smtClean="0"/>
+              <a:rPr lang="en-IN" b="1" dirty="0" err="1"/>
               <a:t>i</a:t>
             </a:r>
             <a:r>
-              <a:rPr lang="en-IN" b="1" dirty="0" smtClean="0"/>
+              <a:rPr lang="en-IN" b="1" dirty="0"/>
               <a:t>].</a:t>
             </a:r>
             <a:r>
-              <a:rPr lang="en-IN" b="1" dirty="0" err="1" smtClean="0"/>
+              <a:rPr lang="en-IN" b="1" dirty="0" err="1"/>
               <a:t>sal</a:t>
             </a:r>
             <a:r>
-              <a:rPr lang="en-IN" dirty="0" smtClean="0"/>
+              <a:rPr lang="en-IN" dirty="0"/>
               <a:t>);</a:t>
             </a:r>
           </a:p>
@@ -12123,7 +12039,7 @@
               <a:buNone/>
             </a:pPr>
             <a:r>
-              <a:rPr lang="en-IN" dirty="0" smtClean="0"/>
+              <a:rPr lang="en-IN" dirty="0"/>
               <a:t>    }</a:t>
             </a:r>
           </a:p>
@@ -12131,30 +12047,30 @@
             <a:pPr marL="0" indent="0">
               <a:buNone/>
             </a:pPr>
-            <a:endParaRPr lang="en-IN" dirty="0" smtClean="0"/>
-          </a:p>
-          <a:p>
-            <a:pPr marL="0" indent="0">
-              <a:buNone/>
-            </a:pPr>
-            <a:r>
-              <a:rPr lang="en-IN" dirty="0" smtClean="0"/>
+            <a:endParaRPr lang="en-IN" dirty="0"/>
+          </a:p>
+          <a:p>
+            <a:pPr marL="0" indent="0">
+              <a:buNone/>
+            </a:pPr>
+            <a:r>
+              <a:rPr lang="en-IN" dirty="0"/>
               <a:t>    </a:t>
             </a:r>
             <a:r>
-              <a:rPr lang="en-IN" dirty="0" err="1" smtClean="0"/>
+              <a:rPr lang="en-IN" dirty="0" err="1"/>
               <a:t>printf</a:t>
             </a:r>
             <a:r>
-              <a:rPr lang="en-IN" dirty="0" smtClean="0"/>
+              <a:rPr lang="en-IN" dirty="0"/>
               <a:t>("\</a:t>
             </a:r>
             <a:r>
-              <a:rPr lang="en-IN" dirty="0" err="1" smtClean="0"/>
+              <a:rPr lang="en-IN" dirty="0" err="1"/>
               <a:t>nDisplaying</a:t>
             </a:r>
             <a:r>
-              <a:rPr lang="en-IN" dirty="0" smtClean="0"/>
+              <a:rPr lang="en-IN" dirty="0"/>
               <a:t> Employee record:\n");</a:t>
             </a:r>
           </a:p>
@@ -12163,31 +12079,31 @@
               <a:buNone/>
             </a:pPr>
             <a:r>
-              <a:rPr lang="en-IN" dirty="0" smtClean="0"/>
+              <a:rPr lang="en-IN" dirty="0"/>
               <a:t>    for(</a:t>
             </a:r>
             <a:r>
-              <a:rPr lang="en-IN" dirty="0" err="1" smtClean="0"/>
+              <a:rPr lang="en-IN" dirty="0" err="1"/>
               <a:t>i</a:t>
             </a:r>
             <a:r>
-              <a:rPr lang="en-IN" dirty="0" smtClean="0"/>
+              <a:rPr lang="en-IN" dirty="0"/>
               <a:t> = 0; </a:t>
             </a:r>
             <a:r>
-              <a:rPr lang="en-IN" dirty="0" err="1" smtClean="0"/>
+              <a:rPr lang="en-IN" dirty="0" err="1"/>
               <a:t>i</a:t>
             </a:r>
             <a:r>
-              <a:rPr lang="en-IN" dirty="0" smtClean="0"/>
+              <a:rPr lang="en-IN" dirty="0"/>
               <a:t> &lt; 3; </a:t>
             </a:r>
             <a:r>
-              <a:rPr lang="en-IN" dirty="0" err="1" smtClean="0"/>
+              <a:rPr lang="en-IN" dirty="0" err="1"/>
               <a:t>i</a:t>
             </a:r>
             <a:r>
-              <a:rPr lang="en-IN" dirty="0" smtClean="0"/>
+              <a:rPr lang="en-IN" dirty="0"/>
               <a:t>++)</a:t>
             </a:r>
           </a:p>
@@ -12196,7 +12112,7 @@
               <a:buNone/>
             </a:pPr>
             <a:r>
-              <a:rPr lang="en-IN" dirty="0" smtClean="0"/>
+              <a:rPr lang="en-IN" dirty="0"/>
               <a:t>    {</a:t>
             </a:r>
           </a:p>
@@ -12205,47 +12121,47 @@
               <a:buNone/>
             </a:pPr>
             <a:r>
-              <a:rPr lang="en-IN" dirty="0" smtClean="0"/>
+              <a:rPr lang="en-IN" dirty="0"/>
               <a:t>        </a:t>
             </a:r>
             <a:r>
-              <a:rPr lang="en-IN" dirty="0" err="1" smtClean="0"/>
+              <a:rPr lang="en-IN" dirty="0" err="1"/>
               <a:t>printf</a:t>
             </a:r>
             <a:r>
-              <a:rPr lang="en-IN" dirty="0" smtClean="0"/>
+              <a:rPr lang="en-IN" dirty="0"/>
               <a:t>("\</a:t>
             </a:r>
             <a:r>
-              <a:rPr lang="en-IN" dirty="0" err="1" smtClean="0"/>
+              <a:rPr lang="en-IN" dirty="0" err="1"/>
               <a:t>nEmployee</a:t>
             </a:r>
             <a:r>
-              <a:rPr lang="en-IN" dirty="0" smtClean="0"/>
+              <a:rPr lang="en-IN" dirty="0"/>
               <a:t> name is %s", </a:t>
             </a:r>
             <a:r>
-              <a:rPr lang="en-IN" b="1" dirty="0" err="1" smtClean="0"/>
+              <a:rPr lang="en-IN" b="1" dirty="0" err="1"/>
               <a:t>emp</a:t>
             </a:r>
             <a:r>
-              <a:rPr lang="en-IN" b="1" dirty="0" smtClean="0"/>
+              <a:rPr lang="en-IN" b="1" dirty="0"/>
               <a:t>[</a:t>
             </a:r>
             <a:r>
-              <a:rPr lang="en-IN" b="1" dirty="0" err="1" smtClean="0"/>
+              <a:rPr lang="en-IN" b="1" dirty="0" err="1"/>
               <a:t>i</a:t>
             </a:r>
             <a:r>
-              <a:rPr lang="en-IN" b="1" dirty="0" smtClean="0"/>
+              <a:rPr lang="en-IN" b="1" dirty="0"/>
               <a:t>].</a:t>
             </a:r>
             <a:r>
-              <a:rPr lang="en-IN" b="1" dirty="0" err="1" smtClean="0"/>
+              <a:rPr lang="en-IN" b="1" dirty="0" err="1"/>
               <a:t>ename</a:t>
             </a:r>
             <a:r>
-              <a:rPr lang="en-IN" dirty="0" smtClean="0"/>
+              <a:rPr lang="en-IN" dirty="0"/>
               <a:t>);</a:t>
             </a:r>
           </a:p>
@@ -12254,47 +12170,47 @@
               <a:buNone/>
             </a:pPr>
             <a:r>
-              <a:rPr lang="en-IN" dirty="0" smtClean="0"/>
+              <a:rPr lang="en-IN" dirty="0"/>
               <a:t>        </a:t>
             </a:r>
             <a:r>
-              <a:rPr lang="en-IN" dirty="0" err="1" smtClean="0"/>
+              <a:rPr lang="en-IN" dirty="0" err="1"/>
               <a:t>printf</a:t>
             </a:r>
             <a:r>
-              <a:rPr lang="en-IN" dirty="0" smtClean="0"/>
+              <a:rPr lang="en-IN" dirty="0"/>
               <a:t>("\</a:t>
             </a:r>
             <a:r>
-              <a:rPr lang="en-IN" dirty="0" err="1" smtClean="0"/>
+              <a:rPr lang="en-IN" dirty="0" err="1"/>
               <a:t>nSlary</a:t>
             </a:r>
             <a:r>
-              <a:rPr lang="en-IN" dirty="0" smtClean="0"/>
+              <a:rPr lang="en-IN" dirty="0"/>
               <a:t> is %d", </a:t>
             </a:r>
             <a:r>
-              <a:rPr lang="en-IN" b="1" dirty="0" err="1" smtClean="0"/>
+              <a:rPr lang="en-IN" b="1" dirty="0" err="1"/>
               <a:t>emp</a:t>
             </a:r>
             <a:r>
-              <a:rPr lang="en-IN" b="1" dirty="0" smtClean="0"/>
+              <a:rPr lang="en-IN" b="1" dirty="0"/>
               <a:t>[</a:t>
             </a:r>
             <a:r>
-              <a:rPr lang="en-IN" b="1" dirty="0" err="1" smtClean="0"/>
+              <a:rPr lang="en-IN" b="1" dirty="0" err="1"/>
               <a:t>i</a:t>
             </a:r>
             <a:r>
-              <a:rPr lang="en-IN" b="1" dirty="0" smtClean="0"/>
+              <a:rPr lang="en-IN" b="1" dirty="0"/>
               <a:t>].</a:t>
             </a:r>
             <a:r>
-              <a:rPr lang="en-IN" b="1" dirty="0" err="1" smtClean="0"/>
+              <a:rPr lang="en-IN" b="1" dirty="0" err="1"/>
               <a:t>sal</a:t>
             </a:r>
             <a:r>
-              <a:rPr lang="en-IN" dirty="0" smtClean="0"/>
+              <a:rPr lang="en-IN" dirty="0"/>
               <a:t>);</a:t>
             </a:r>
           </a:p>
@@ -12303,7 +12219,7 @@
               <a:buNone/>
             </a:pPr>
             <a:r>
-              <a:rPr lang="en-IN" dirty="0" smtClean="0"/>
+              <a:rPr lang="en-IN" dirty="0"/>
               <a:t>    }</a:t>
             </a:r>
           </a:p>
@@ -12312,7 +12228,7 @@
               <a:buNone/>
             </a:pPr>
             <a:r>
-              <a:rPr lang="en-IN" dirty="0" smtClean="0"/>
+              <a:rPr lang="en-IN" dirty="0"/>
               <a:t>return 0;</a:t>
             </a:r>
           </a:p>
@@ -12321,7 +12237,7 @@
               <a:buNone/>
             </a:pPr>
             <a:r>
-              <a:rPr lang="en-IN" dirty="0" smtClean="0"/>
+              <a:rPr lang="en-IN" dirty="0"/>
               <a:t>}</a:t>
             </a:r>
           </a:p>
@@ -12340,13 +12256,6 @@
   <p:clrMapOvr>
     <a:masterClrMapping/>
   </p:clrMapOvr>
-  <p:timing>
-    <p:tnLst>
-      <p:par>
-        <p:cTn id="1" dur="indefinite" restart="never" nodeType="tmRoot"/>
-      </p:par>
-    </p:tnLst>
-  </p:timing>
 </p:sld>
 </file>
 
@@ -12391,11 +12300,7 @@
           <a:p>
             <a:r>
               <a:rPr lang="en-IN" b="1" dirty="0"/>
-              <a:t>Nested </a:t>
-            </a:r>
-            <a:r>
-              <a:rPr lang="en-IN" b="1" dirty="0" smtClean="0"/>
-              <a:t>Structures</a:t>
+              <a:t>Nested Structures</a:t>
             </a:r>
             <a:endParaRPr lang="en-IN" dirty="0"/>
           </a:p>
@@ -12432,11 +12337,11 @@
               <a:buNone/>
             </a:pPr>
             <a:r>
-              <a:rPr lang="en-IN" dirty="0" err="1" smtClean="0"/>
+              <a:rPr lang="en-IN" dirty="0" err="1"/>
               <a:t>struct</a:t>
             </a:r>
             <a:r>
-              <a:rPr lang="en-IN" dirty="0" smtClean="0"/>
+              <a:rPr lang="en-IN" dirty="0"/>
               <a:t> Student</a:t>
             </a:r>
           </a:p>
@@ -12445,7 +12350,7 @@
               <a:buNone/>
             </a:pPr>
             <a:r>
-              <a:rPr lang="en-IN" dirty="0" smtClean="0"/>
+              <a:rPr lang="en-IN" dirty="0"/>
               <a:t>{</a:t>
             </a:r>
           </a:p>
@@ -12454,7 +12359,7 @@
               <a:buNone/>
             </a:pPr>
             <a:r>
-              <a:rPr lang="en-IN" dirty="0" smtClean="0"/>
+              <a:rPr lang="en-IN" dirty="0"/>
               <a:t>    char[30] name;</a:t>
             </a:r>
           </a:p>
@@ -12463,19 +12368,111 @@
               <a:buNone/>
             </a:pPr>
             <a:r>
-              <a:rPr lang="en-IN" dirty="0" smtClean="0"/>
+              <a:rPr lang="en-IN" dirty="0"/>
               <a:t>    </a:t>
             </a:r>
             <a:r>
-              <a:rPr lang="en-IN" dirty="0" err="1" smtClean="0"/>
+              <a:rPr lang="en-IN" dirty="0" err="1"/>
               <a:t>int</a:t>
             </a:r>
             <a:r>
-              <a:rPr lang="en-IN" dirty="0" smtClean="0"/>
-              <a:t> age</a:t>
-            </a:r>
-            <a:r>
-              <a:rPr lang="en-IN" dirty="0" smtClean="0"/>
+              <a:rPr lang="en-IN" dirty="0"/>
+              <a:t> age;</a:t>
+            </a:r>
+          </a:p>
+          <a:p>
+            <a:pPr marL="0" indent="0">
+              <a:buNone/>
+            </a:pPr>
+            <a:r>
+              <a:rPr lang="en-US" dirty="0"/>
+              <a:t>    </a:t>
+            </a:r>
+            <a:endParaRPr lang="en-IN" dirty="0"/>
+          </a:p>
+          <a:p>
+            <a:pPr marL="0" indent="0">
+              <a:buNone/>
+            </a:pPr>
+            <a:r>
+              <a:rPr lang="en-IN" dirty="0"/>
+              <a:t>   </a:t>
+            </a:r>
+            <a:r>
+              <a:rPr lang="en-IN" dirty="0" err="1"/>
+              <a:t>struct</a:t>
+            </a:r>
+            <a:r>
+              <a:rPr lang="en-IN" dirty="0"/>
+              <a:t> Address</a:t>
+            </a:r>
+          </a:p>
+          <a:p>
+            <a:pPr marL="0" indent="0">
+              <a:buNone/>
+            </a:pPr>
+            <a:r>
+              <a:rPr lang="en-IN" dirty="0"/>
+              <a:t>    {</a:t>
+            </a:r>
+          </a:p>
+          <a:p>
+            <a:pPr marL="0" indent="0">
+              <a:buNone/>
+            </a:pPr>
+            <a:r>
+              <a:rPr lang="en-IN" dirty="0"/>
+              <a:t>        char[50] locality;</a:t>
+            </a:r>
+          </a:p>
+          <a:p>
+            <a:pPr marL="0" indent="0">
+              <a:buNone/>
+            </a:pPr>
+            <a:r>
+              <a:rPr lang="en-IN" dirty="0"/>
+              <a:t>        char[50] city;</a:t>
+            </a:r>
+          </a:p>
+          <a:p>
+            <a:pPr marL="0" indent="0">
+              <a:buNone/>
+            </a:pPr>
+            <a:r>
+              <a:rPr lang="en-IN" dirty="0"/>
+              <a:t>        </a:t>
+            </a:r>
+            <a:r>
+              <a:rPr lang="en-IN" dirty="0" err="1"/>
+              <a:t>int</a:t>
+            </a:r>
+            <a:r>
+              <a:rPr lang="en-IN" dirty="0"/>
+              <a:t> </a:t>
+            </a:r>
+            <a:r>
+              <a:rPr lang="en-IN" dirty="0" err="1"/>
+              <a:t>pincode</a:t>
+            </a:r>
+            <a:r>
+              <a:rPr lang="en-IN" dirty="0"/>
+              <a:t>;		</a:t>
+            </a:r>
+          </a:p>
+          <a:p>
+            <a:pPr marL="0" indent="0">
+              <a:buNone/>
+            </a:pPr>
+            <a:r>
+              <a:rPr lang="en-IN" dirty="0"/>
+              <a:t>    }</a:t>
+            </a:r>
+            <a:r>
+              <a:rPr lang="en-IN" dirty="0" err="1"/>
+              <a:t>addr</a:t>
+            </a:r>
+            <a:r>
+              <a:rPr lang="en-IN" dirty="0"/>
               <a:t>;</a:t>
             </a:r>
           </a:p>
@@ -12484,110 +12481,9 @@
               <a:buNone/>
             </a:pPr>
             <a:r>
-              <a:rPr lang="en-US" dirty="0"/>
-              <a:t> </a:t>
-            </a:r>
-            <a:r>
-              <a:rPr lang="en-US" dirty="0" smtClean="0"/>
-              <a:t>   </a:t>
-            </a:r>
-            <a:endParaRPr lang="en-IN" dirty="0" smtClean="0"/>
-          </a:p>
-          <a:p>
-            <a:pPr marL="0" indent="0">
-              <a:buNone/>
-            </a:pPr>
-            <a:r>
-              <a:rPr lang="en-IN" dirty="0" smtClean="0"/>
-              <a:t>   </a:t>
-            </a:r>
-            <a:r>
-              <a:rPr lang="en-IN" dirty="0" err="1" smtClean="0"/>
-              <a:t>struct</a:t>
-            </a:r>
-            <a:r>
-              <a:rPr lang="en-IN" dirty="0" smtClean="0"/>
-              <a:t> Address</a:t>
-            </a:r>
-          </a:p>
-          <a:p>
-            <a:pPr marL="0" indent="0">
-              <a:buNone/>
-            </a:pPr>
-            <a:r>
-              <a:rPr lang="en-IN" dirty="0" smtClean="0"/>
-              <a:t>    {</a:t>
-            </a:r>
-          </a:p>
-          <a:p>
-            <a:pPr marL="0" indent="0">
-              <a:buNone/>
-            </a:pPr>
-            <a:r>
-              <a:rPr lang="en-IN" dirty="0" smtClean="0"/>
-              <a:t>        char[50] locality;</a:t>
-            </a:r>
-          </a:p>
-          <a:p>
-            <a:pPr marL="0" indent="0">
-              <a:buNone/>
-            </a:pPr>
-            <a:r>
-              <a:rPr lang="en-IN" dirty="0" smtClean="0"/>
-              <a:t>        char[50] city;</a:t>
-            </a:r>
-          </a:p>
-          <a:p>
-            <a:pPr marL="0" indent="0">
-              <a:buNone/>
-            </a:pPr>
-            <a:r>
-              <a:rPr lang="en-IN" dirty="0" smtClean="0"/>
-              <a:t>        </a:t>
-            </a:r>
-            <a:r>
-              <a:rPr lang="en-IN" dirty="0" err="1" smtClean="0"/>
-              <a:t>int</a:t>
-            </a:r>
-            <a:r>
-              <a:rPr lang="en-IN" dirty="0" smtClean="0"/>
-              <a:t> </a:t>
-            </a:r>
-            <a:r>
-              <a:rPr lang="en-IN" dirty="0" err="1" smtClean="0"/>
-              <a:t>pincode</a:t>
-            </a:r>
-            <a:r>
-              <a:rPr lang="en-IN" dirty="0" smtClean="0"/>
-              <a:t>;		</a:t>
-            </a:r>
-          </a:p>
-          <a:p>
-            <a:pPr marL="0" indent="0">
-              <a:buNone/>
-            </a:pPr>
-            <a:r>
-              <a:rPr lang="en-IN" dirty="0" smtClean="0"/>
-              <a:t>    }</a:t>
-            </a:r>
-            <a:r>
-              <a:rPr lang="en-IN" dirty="0" err="1" smtClean="0"/>
-              <a:t>addr</a:t>
-            </a:r>
-            <a:r>
-              <a:rPr lang="en-IN" dirty="0" smtClean="0"/>
-              <a:t>;</a:t>
-            </a:r>
-          </a:p>
-          <a:p>
-            <a:pPr marL="0" indent="0">
-              <a:buNone/>
-            </a:pPr>
-            <a:r>
-              <a:rPr lang="en-IN" dirty="0" smtClean="0"/>
+              <a:rPr lang="en-IN" dirty="0"/>
               <a:t>};</a:t>
             </a:r>
-            <a:endParaRPr lang="en-IN" dirty="0"/>
           </a:p>
         </p:txBody>
       </p:sp>
@@ -12622,11 +12518,11 @@
               <a:buNone/>
             </a:pPr>
             <a:r>
-              <a:rPr lang="en-IN" dirty="0" err="1" smtClean="0"/>
+              <a:rPr lang="en-IN" dirty="0" err="1"/>
               <a:t>struct</a:t>
             </a:r>
             <a:r>
-              <a:rPr lang="en-IN" dirty="0" smtClean="0"/>
+              <a:rPr lang="en-IN" dirty="0"/>
               <a:t> complex</a:t>
             </a:r>
           </a:p>
@@ -12635,7 +12531,7 @@
               <a:buNone/>
             </a:pPr>
             <a:r>
-              <a:rPr lang="en-IN" dirty="0" smtClean="0"/>
+              <a:rPr lang="en-IN" dirty="0"/>
               <a:t>{</a:t>
             </a:r>
           </a:p>
@@ -12644,23 +12540,23 @@
               <a:buNone/>
             </a:pPr>
             <a:r>
-              <a:rPr lang="en-IN" dirty="0" smtClean="0"/>
+              <a:rPr lang="en-IN" dirty="0"/>
               <a:t> </a:t>
             </a:r>
             <a:r>
-              <a:rPr lang="en-IN" dirty="0" err="1" smtClean="0"/>
+              <a:rPr lang="en-IN" dirty="0" err="1"/>
               <a:t>int</a:t>
             </a:r>
             <a:r>
-              <a:rPr lang="en-IN" dirty="0" smtClean="0"/>
+              <a:rPr lang="en-IN" dirty="0"/>
               <a:t> </a:t>
             </a:r>
             <a:r>
-              <a:rPr lang="en-IN" dirty="0" err="1" smtClean="0"/>
+              <a:rPr lang="en-IN" dirty="0" err="1"/>
               <a:t>imag_value</a:t>
             </a:r>
             <a:r>
-              <a:rPr lang="en-IN" dirty="0" smtClean="0"/>
+              <a:rPr lang="en-IN" dirty="0"/>
               <a:t>;</a:t>
             </a:r>
           </a:p>
@@ -12669,15 +12565,15 @@
               <a:buNone/>
             </a:pPr>
             <a:r>
-              <a:rPr lang="en-IN" dirty="0" smtClean="0"/>
+              <a:rPr lang="en-IN" dirty="0"/>
               <a:t> float </a:t>
             </a:r>
             <a:r>
-              <a:rPr lang="en-IN" dirty="0" err="1" smtClean="0"/>
+              <a:rPr lang="en-IN" dirty="0" err="1"/>
               <a:t>real_value</a:t>
             </a:r>
             <a:r>
-              <a:rPr lang="en-IN" dirty="0" smtClean="0"/>
+              <a:rPr lang="en-IN" dirty="0"/>
               <a:t>;</a:t>
             </a:r>
           </a:p>
@@ -12686,7 +12582,7 @@
               <a:buNone/>
             </a:pPr>
             <a:r>
-              <a:rPr lang="en-IN" dirty="0" smtClean="0"/>
+              <a:rPr lang="en-IN" dirty="0"/>
               <a:t>};</a:t>
             </a:r>
           </a:p>
@@ -12694,18 +12590,18 @@
             <a:pPr marL="0" indent="0">
               <a:buNone/>
             </a:pPr>
-            <a:endParaRPr lang="en-IN" dirty="0" smtClean="0"/>
-          </a:p>
-          <a:p>
-            <a:pPr marL="0" indent="0">
-              <a:buNone/>
-            </a:pPr>
-            <a:r>
-              <a:rPr lang="en-IN" dirty="0" err="1" smtClean="0"/>
+            <a:endParaRPr lang="en-IN" dirty="0"/>
+          </a:p>
+          <a:p>
+            <a:pPr marL="0" indent="0">
+              <a:buNone/>
+            </a:pPr>
+            <a:r>
+              <a:rPr lang="en-IN" dirty="0" err="1"/>
               <a:t>struct</a:t>
             </a:r>
             <a:r>
-              <a:rPr lang="en-IN" dirty="0" smtClean="0"/>
+              <a:rPr lang="en-IN" dirty="0"/>
               <a:t> number</a:t>
             </a:r>
           </a:p>
@@ -12714,7 +12610,7 @@
               <a:buNone/>
             </a:pPr>
             <a:r>
-              <a:rPr lang="en-IN" dirty="0" smtClean="0"/>
+              <a:rPr lang="en-IN" dirty="0"/>
               <a:t>{</a:t>
             </a:r>
           </a:p>
@@ -12723,15 +12619,15 @@
               <a:buNone/>
             </a:pPr>
             <a:r>
-              <a:rPr lang="en-IN" dirty="0" smtClean="0"/>
+              <a:rPr lang="en-IN" dirty="0"/>
               <a:t>   </a:t>
             </a:r>
             <a:r>
-              <a:rPr lang="en-IN" dirty="0" err="1" smtClean="0"/>
+              <a:rPr lang="en-IN" dirty="0" err="1"/>
               <a:t>struct</a:t>
             </a:r>
             <a:r>
-              <a:rPr lang="en-IN" dirty="0" smtClean="0"/>
+              <a:rPr lang="en-IN" dirty="0"/>
               <a:t> complex comp;</a:t>
             </a:r>
           </a:p>
@@ -12740,15 +12636,15 @@
               <a:buNone/>
             </a:pPr>
             <a:r>
-              <a:rPr lang="en-IN" dirty="0" smtClean="0"/>
+              <a:rPr lang="en-IN" dirty="0"/>
               <a:t>   </a:t>
             </a:r>
             <a:r>
-              <a:rPr lang="en-IN" dirty="0" err="1" smtClean="0"/>
+              <a:rPr lang="en-IN" dirty="0" err="1"/>
               <a:t>int</a:t>
             </a:r>
             <a:r>
-              <a:rPr lang="en-IN" dirty="0" smtClean="0"/>
+              <a:rPr lang="en-IN" dirty="0"/>
               <a:t> real;</a:t>
             </a:r>
           </a:p>
@@ -12757,7 +12653,7 @@
               <a:buNone/>
             </a:pPr>
             <a:r>
-              <a:rPr lang="en-IN" dirty="0" smtClean="0"/>
+              <a:rPr lang="en-IN" dirty="0"/>
               <a:t>} num1, num2;</a:t>
             </a:r>
           </a:p>
@@ -12788,15 +12684,15 @@
           <a:lstStyle/>
           <a:p>
             <a:r>
-              <a:rPr lang="en-IN" sz="2400" dirty="0" smtClean="0"/>
+              <a:rPr lang="en-IN" sz="2400" dirty="0"/>
               <a:t>Nested </a:t>
             </a:r>
             <a:r>
-              <a:rPr lang="en-IN" sz="3200" dirty="0" smtClean="0"/>
+              <a:rPr lang="en-IN" sz="3200" dirty="0"/>
               <a:t>structures</a:t>
             </a:r>
             <a:r>
-              <a:rPr lang="en-IN" sz="2400" dirty="0" smtClean="0"/>
+              <a:rPr lang="en-IN" sz="2400" dirty="0"/>
               <a:t> means, that one structure has another structure as member variable. </a:t>
             </a:r>
           </a:p>
@@ -12824,10 +12720,9 @@
           <a:lstStyle/>
           <a:p>
             <a:r>
-              <a:rPr lang="en-IN" sz="2800" dirty="0" smtClean="0"/>
+              <a:rPr lang="en-IN" sz="2800" dirty="0"/>
               <a:t>num2.comp.imag_value</a:t>
             </a:r>
-            <a:endParaRPr lang="en-IN" sz="2800" dirty="0"/>
           </a:p>
         </p:txBody>
       </p:sp>
@@ -12841,13 +12736,6 @@
   <p:clrMapOvr>
     <a:masterClrMapping/>
   </p:clrMapOvr>
-  <p:timing>
-    <p:tnLst>
-      <p:par>
-        <p:cTn id="1" dur="indefinite" restart="never" nodeType="tmRoot"/>
-      </p:par>
-    </p:tnLst>
-  </p:timing>
 </p:sld>
 </file>
 
@@ -12899,15 +12787,15 @@
               <a:buNone/>
             </a:pPr>
             <a:r>
-              <a:rPr lang="en-IN" dirty="0" smtClean="0"/>
+              <a:rPr lang="en-IN" dirty="0"/>
               <a:t>#include &lt;</a:t>
             </a:r>
             <a:r>
-              <a:rPr lang="en-IN" dirty="0" err="1" smtClean="0"/>
+              <a:rPr lang="en-IN" dirty="0" err="1"/>
               <a:t>stdio.h</a:t>
             </a:r>
             <a:r>
-              <a:rPr lang="en-IN" dirty="0" smtClean="0"/>
+              <a:rPr lang="en-IN" dirty="0"/>
               <a:t>&gt;</a:t>
             </a:r>
           </a:p>
@@ -12916,15 +12804,15 @@
               <a:buNone/>
             </a:pPr>
             <a:r>
-              <a:rPr lang="en-IN" dirty="0" smtClean="0"/>
+              <a:rPr lang="en-IN" dirty="0"/>
               <a:t>#include &lt;</a:t>
             </a:r>
             <a:r>
-              <a:rPr lang="en-IN" dirty="0" err="1" smtClean="0"/>
+              <a:rPr lang="en-IN" dirty="0" err="1"/>
               <a:t>string.h</a:t>
             </a:r>
             <a:r>
-              <a:rPr lang="en-IN" dirty="0" smtClean="0"/>
+              <a:rPr lang="en-IN" dirty="0"/>
               <a:t>&gt;</a:t>
             </a:r>
           </a:p>
@@ -12933,7 +12821,7 @@
               <a:buNone/>
             </a:pPr>
             <a:r>
-              <a:rPr lang="en-IN" dirty="0" smtClean="0"/>
+              <a:rPr lang="en-IN" dirty="0"/>
               <a:t> </a:t>
             </a:r>
           </a:p>
@@ -12942,25 +12830,25 @@
               <a:buNone/>
             </a:pPr>
             <a:r>
-              <a:rPr lang="en-IN" dirty="0" err="1" smtClean="0"/>
+              <a:rPr lang="en-IN" dirty="0" err="1"/>
               <a:t>struct</a:t>
             </a:r>
             <a:r>
-              <a:rPr lang="en-IN" dirty="0" smtClean="0"/>
+              <a:rPr lang="en-IN" dirty="0"/>
               <a:t> </a:t>
             </a:r>
             <a:r>
-              <a:rPr lang="en-IN" b="1" dirty="0" err="1" smtClean="0"/>
+              <a:rPr lang="en-IN" b="1" dirty="0" err="1"/>
               <a:t>college_detail</a:t>
             </a:r>
-            <a:endParaRPr lang="en-IN" b="1" dirty="0" smtClean="0"/>
-          </a:p>
-          <a:p>
-            <a:pPr marL="0" indent="0">
-              <a:buNone/>
-            </a:pPr>
-            <a:r>
-              <a:rPr lang="en-IN" dirty="0" smtClean="0"/>
+            <a:endParaRPr lang="en-IN" b="1" dirty="0"/>
+          </a:p>
+          <a:p>
+            <a:pPr marL="0" indent="0">
+              <a:buNone/>
+            </a:pPr>
+            <a:r>
+              <a:rPr lang="en-IN" dirty="0"/>
               <a:t>{</a:t>
             </a:r>
           </a:p>
@@ -12969,23 +12857,23 @@
               <a:buNone/>
             </a:pPr>
             <a:r>
-              <a:rPr lang="en-IN" dirty="0" smtClean="0"/>
+              <a:rPr lang="en-IN" dirty="0"/>
               <a:t>    </a:t>
             </a:r>
             <a:r>
-              <a:rPr lang="en-IN" dirty="0" err="1" smtClean="0"/>
+              <a:rPr lang="en-IN" dirty="0" err="1"/>
               <a:t>int</a:t>
             </a:r>
             <a:r>
-              <a:rPr lang="en-IN" dirty="0" smtClean="0"/>
+              <a:rPr lang="en-IN" dirty="0"/>
               <a:t> </a:t>
             </a:r>
             <a:r>
-              <a:rPr lang="en-IN" dirty="0" err="1" smtClean="0"/>
+              <a:rPr lang="en-IN" dirty="0" err="1"/>
               <a:t>college_id</a:t>
             </a:r>
             <a:r>
-              <a:rPr lang="en-IN" dirty="0" smtClean="0"/>
+              <a:rPr lang="en-IN" dirty="0"/>
               <a:t>;</a:t>
             </a:r>
           </a:p>
@@ -12994,15 +12882,15 @@
               <a:buNone/>
             </a:pPr>
             <a:r>
-              <a:rPr lang="en-IN" dirty="0" smtClean="0"/>
+              <a:rPr lang="en-IN" dirty="0"/>
               <a:t>    char </a:t>
             </a:r>
             <a:r>
-              <a:rPr lang="en-IN" dirty="0" err="1" smtClean="0"/>
+              <a:rPr lang="en-IN" dirty="0" err="1"/>
               <a:t>college_name</a:t>
             </a:r>
             <a:r>
-              <a:rPr lang="en-IN" dirty="0" smtClean="0"/>
+              <a:rPr lang="en-IN" dirty="0"/>
               <a:t>[50];</a:t>
             </a:r>
           </a:p>
@@ -13012,127 +12900,123 @@
             </a:pPr>
             <a:r>
               <a:rPr lang="en-US" dirty="0"/>
+              <a:t>   </a:t>
+            </a:r>
+            <a:endParaRPr lang="en-IN" dirty="0"/>
+          </a:p>
+          <a:p>
+            <a:pPr marL="0" indent="0">
+              <a:buNone/>
+            </a:pPr>
+            <a:r>
+              <a:rPr lang="en-IN" dirty="0"/>
+              <a:t>};</a:t>
+            </a:r>
+          </a:p>
+          <a:p>
+            <a:pPr marL="0" indent="0">
+              <a:buNone/>
+            </a:pPr>
+            <a:r>
+              <a:rPr lang="en-IN" dirty="0"/>
               <a:t> </a:t>
             </a:r>
-            <a:r>
-              <a:rPr lang="en-US" dirty="0" smtClean="0"/>
-              <a:t>  </a:t>
-            </a:r>
-            <a:endParaRPr lang="en-IN" dirty="0" smtClean="0"/>
-          </a:p>
-          <a:p>
-            <a:pPr marL="0" indent="0">
-              <a:buNone/>
-            </a:pPr>
-            <a:r>
-              <a:rPr lang="en-IN" dirty="0" smtClean="0"/>
-              <a:t>};</a:t>
-            </a:r>
-          </a:p>
-          <a:p>
-            <a:pPr marL="0" indent="0">
-              <a:buNone/>
-            </a:pPr>
-            <a:r>
-              <a:rPr lang="en-IN" dirty="0" smtClean="0"/>
+          </a:p>
+          <a:p>
+            <a:pPr marL="0" indent="0">
+              <a:buNone/>
+            </a:pPr>
+            <a:r>
+              <a:rPr lang="en-IN" dirty="0" err="1"/>
+              <a:t>struct</a:t>
+            </a:r>
+            <a:r>
+              <a:rPr lang="en-IN" dirty="0"/>
               <a:t> </a:t>
             </a:r>
-          </a:p>
-          <a:p>
-            <a:pPr marL="0" indent="0">
-              <a:buNone/>
-            </a:pPr>
-            <a:r>
-              <a:rPr lang="en-IN" dirty="0" err="1" smtClean="0"/>
+            <a:r>
+              <a:rPr lang="en-IN" b="1" dirty="0" err="1"/>
+              <a:t>student_detail</a:t>
+            </a:r>
+            <a:r>
+              <a:rPr lang="en-IN" dirty="0"/>
+              <a:t> </a:t>
+            </a:r>
+          </a:p>
+          <a:p>
+            <a:pPr marL="0" indent="0">
+              <a:buNone/>
+            </a:pPr>
+            <a:r>
+              <a:rPr lang="en-IN" dirty="0"/>
+              <a:t>{</a:t>
+            </a:r>
+          </a:p>
+          <a:p>
+            <a:pPr marL="0" indent="0">
+              <a:buNone/>
+            </a:pPr>
+            <a:r>
+              <a:rPr lang="en-IN" dirty="0"/>
+              <a:t>    </a:t>
+            </a:r>
+            <a:r>
+              <a:rPr lang="en-IN" dirty="0" err="1"/>
+              <a:t>int</a:t>
+            </a:r>
+            <a:r>
+              <a:rPr lang="en-IN" dirty="0"/>
+              <a:t> id;</a:t>
+            </a:r>
+          </a:p>
+          <a:p>
+            <a:pPr marL="0" indent="0">
+              <a:buNone/>
+            </a:pPr>
+            <a:r>
+              <a:rPr lang="en-IN" dirty="0"/>
+              <a:t>    char name[20];</a:t>
+            </a:r>
+          </a:p>
+          <a:p>
+            <a:pPr marL="0" indent="0">
+              <a:buNone/>
+            </a:pPr>
+            <a:r>
+              <a:rPr lang="en-IN" dirty="0"/>
+              <a:t>    float percentage;</a:t>
+            </a:r>
+          </a:p>
+          <a:p>
+            <a:pPr marL="0" indent="0">
+              <a:buNone/>
+            </a:pPr>
+            <a:r>
+              <a:rPr lang="en-IN" dirty="0"/>
+              <a:t>     </a:t>
+            </a:r>
+            <a:r>
+              <a:rPr lang="en-IN" b="1" dirty="0" err="1"/>
               <a:t>struct</a:t>
             </a:r>
             <a:r>
-              <a:rPr lang="en-IN" dirty="0" smtClean="0"/>
+              <a:rPr lang="en-IN" b="1" dirty="0"/>
               <a:t> </a:t>
             </a:r>
             <a:r>
-              <a:rPr lang="en-IN" b="1" dirty="0" err="1" smtClean="0"/>
-              <a:t>student_detail</a:t>
-            </a:r>
-            <a:r>
-              <a:rPr lang="en-IN" dirty="0" smtClean="0"/>
+              <a:rPr lang="en-IN" b="1" dirty="0" err="1"/>
+              <a:t>college_detail</a:t>
+            </a:r>
+            <a:r>
+              <a:rPr lang="en-IN" b="1" dirty="0"/>
               <a:t> </a:t>
             </a:r>
-          </a:p>
-          <a:p>
-            <a:pPr marL="0" indent="0">
-              <a:buNone/>
-            </a:pPr>
-            <a:r>
-              <a:rPr lang="en-IN" dirty="0" smtClean="0"/>
-              <a:t>{</a:t>
-            </a:r>
-          </a:p>
-          <a:p>
-            <a:pPr marL="0" indent="0">
-              <a:buNone/>
-            </a:pPr>
-            <a:r>
-              <a:rPr lang="en-IN" dirty="0" smtClean="0"/>
-              <a:t>    </a:t>
-            </a:r>
-            <a:r>
-              <a:rPr lang="en-IN" dirty="0" err="1" smtClean="0"/>
-              <a:t>int</a:t>
-            </a:r>
-            <a:r>
-              <a:rPr lang="en-IN" dirty="0" smtClean="0"/>
-              <a:t> id;</a:t>
-            </a:r>
-          </a:p>
-          <a:p>
-            <a:pPr marL="0" indent="0">
-              <a:buNone/>
-            </a:pPr>
-            <a:r>
-              <a:rPr lang="en-IN" dirty="0" smtClean="0"/>
-              <a:t>    char name[20];</a:t>
-            </a:r>
-          </a:p>
-          <a:p>
-            <a:pPr marL="0" indent="0">
-              <a:buNone/>
-            </a:pPr>
-            <a:r>
-              <a:rPr lang="en-IN" dirty="0" smtClean="0"/>
-              <a:t>    float percentage;</a:t>
-            </a:r>
-          </a:p>
-          <a:p>
-            <a:pPr marL="0" indent="0">
-              <a:buNone/>
-            </a:pPr>
-            <a:r>
-              <a:rPr lang="en-IN" dirty="0" smtClean="0"/>
-              <a:t>     </a:t>
-            </a:r>
-            <a:r>
-              <a:rPr lang="en-IN" b="1" dirty="0" err="1" smtClean="0"/>
-              <a:t>struct</a:t>
-            </a:r>
-            <a:r>
-              <a:rPr lang="en-IN" b="1" dirty="0" smtClean="0"/>
-              <a:t> </a:t>
-            </a:r>
-            <a:r>
-              <a:rPr lang="en-IN" b="1" dirty="0" err="1" smtClean="0"/>
-              <a:t>college_detail</a:t>
-            </a:r>
-            <a:r>
-              <a:rPr lang="en-IN" b="1" dirty="0" smtClean="0"/>
-              <a:t> </a:t>
-            </a:r>
-            <a:r>
-              <a:rPr lang="en-IN" b="1" dirty="0" err="1" smtClean="0"/>
+            <a:r>
+              <a:rPr lang="en-IN" b="1" dirty="0" err="1"/>
               <a:t>clg_data</a:t>
             </a:r>
             <a:r>
-              <a:rPr lang="en-IN" dirty="0" smtClean="0"/>
+              <a:rPr lang="en-IN" dirty="0"/>
               <a:t>;</a:t>
             </a:r>
           </a:p>
@@ -13141,15 +13025,15 @@
               <a:buNone/>
             </a:pPr>
             <a:r>
-              <a:rPr lang="en-IN" dirty="0" smtClean="0"/>
+              <a:rPr lang="en-IN" dirty="0"/>
               <a:t>}</a:t>
             </a:r>
             <a:r>
-              <a:rPr lang="en-IN" b="1" dirty="0" err="1" smtClean="0"/>
+              <a:rPr lang="en-IN" b="1" dirty="0" err="1"/>
               <a:t>stu_data</a:t>
             </a:r>
             <a:r>
-              <a:rPr lang="en-IN" dirty="0" smtClean="0"/>
+              <a:rPr lang="en-IN" dirty="0"/>
               <a:t>;</a:t>
             </a:r>
           </a:p>
@@ -13158,7 +13042,7 @@
               <a:buNone/>
             </a:pPr>
             <a:r>
-              <a:rPr lang="en-IN" dirty="0" smtClean="0"/>
+              <a:rPr lang="en-IN" dirty="0"/>
               <a:t> </a:t>
             </a:r>
           </a:p>
@@ -13177,7 +13061,7 @@
         <p:spPr>
           <a:xfrm>
             <a:off x="395536" y="25121"/>
-            <a:ext cx="8229600" cy="1143000"/>
+            <a:ext cx="8229600" cy="891774"/>
           </a:xfrm>
         </p:spPr>
         <p:txBody>
@@ -13185,7 +13069,7 @@
           <a:lstStyle/>
           <a:p>
             <a:r>
-              <a:rPr lang="en-IN" b="1" dirty="0" smtClean="0"/>
+              <a:rPr lang="en-IN" b="1" dirty="0"/>
               <a:t>Nested Structures Example</a:t>
             </a:r>
             <a:endParaRPr lang="en-IN" dirty="0"/>
@@ -13223,11 +13107,11 @@
               <a:buNone/>
             </a:pPr>
             <a:r>
-              <a:rPr lang="en-IN" dirty="0" err="1" smtClean="0"/>
+              <a:rPr lang="en-IN" dirty="0" err="1"/>
               <a:t>int</a:t>
             </a:r>
             <a:r>
-              <a:rPr lang="en-IN" dirty="0" smtClean="0"/>
+              <a:rPr lang="en-IN" dirty="0"/>
               <a:t> main() </a:t>
             </a:r>
           </a:p>
@@ -13236,7 +13120,7 @@
               <a:buNone/>
             </a:pPr>
             <a:r>
-              <a:rPr lang="en-IN" dirty="0" smtClean="0"/>
+              <a:rPr lang="en-IN" dirty="0"/>
               <a:t>{</a:t>
             </a:r>
           </a:p>
@@ -13245,31 +13129,31 @@
               <a:buNone/>
             </a:pPr>
             <a:r>
-              <a:rPr lang="en-IN" dirty="0" smtClean="0"/>
+              <a:rPr lang="en-IN" dirty="0"/>
               <a:t>    </a:t>
             </a:r>
             <a:r>
-              <a:rPr lang="en-IN" dirty="0" err="1" smtClean="0"/>
+              <a:rPr lang="en-IN" dirty="0" err="1"/>
               <a:t>struct</a:t>
             </a:r>
             <a:r>
-              <a:rPr lang="en-IN" dirty="0" smtClean="0"/>
+              <a:rPr lang="en-IN" dirty="0"/>
               <a:t> </a:t>
             </a:r>
             <a:r>
-              <a:rPr lang="en-IN" dirty="0" err="1" smtClean="0"/>
+              <a:rPr lang="en-IN" dirty="0" err="1"/>
               <a:t>student_detail</a:t>
             </a:r>
             <a:r>
-              <a:rPr lang="en-IN" dirty="0" smtClean="0"/>
+              <a:rPr lang="en-IN" dirty="0"/>
               <a:t> </a:t>
             </a:r>
             <a:r>
-              <a:rPr lang="en-IN" dirty="0" err="1" smtClean="0"/>
+              <a:rPr lang="en-IN" dirty="0" err="1"/>
               <a:t>stu_data</a:t>
             </a:r>
             <a:r>
-              <a:rPr lang="en-IN" dirty="0" smtClean="0"/>
+              <a:rPr lang="en-IN" dirty="0"/>
               <a:t> = {1, "Raju", 90.5, 71145, “VIT University"};</a:t>
             </a:r>
           </a:p>
@@ -13278,23 +13162,23 @@
               <a:buNone/>
             </a:pPr>
             <a:r>
-              <a:rPr lang="en-IN" dirty="0" smtClean="0"/>
+              <a:rPr lang="en-IN" dirty="0"/>
               <a:t>    </a:t>
             </a:r>
             <a:r>
-              <a:rPr lang="en-IN" dirty="0" err="1" smtClean="0"/>
+              <a:rPr lang="en-IN" dirty="0" err="1"/>
               <a:t>printf</a:t>
             </a:r>
             <a:r>
-              <a:rPr lang="en-IN" dirty="0" smtClean="0"/>
+              <a:rPr lang="en-IN" dirty="0"/>
               <a:t>(" Id is: %d \n</a:t>
             </a:r>
             <a:r>
-              <a:rPr lang="en-IN" b="1" dirty="0" smtClean="0"/>
+              <a:rPr lang="en-IN" b="1" dirty="0"/>
               <a:t>", stu_data.id</a:t>
             </a:r>
             <a:r>
-              <a:rPr lang="en-IN" dirty="0" smtClean="0"/>
+              <a:rPr lang="en-IN" dirty="0"/>
               <a:t>);</a:t>
             </a:r>
           </a:p>
@@ -13303,23 +13187,23 @@
               <a:buNone/>
             </a:pPr>
             <a:r>
-              <a:rPr lang="en-IN" dirty="0" smtClean="0"/>
+              <a:rPr lang="en-IN" dirty="0"/>
               <a:t>    </a:t>
             </a:r>
             <a:r>
-              <a:rPr lang="en-IN" dirty="0" err="1" smtClean="0"/>
+              <a:rPr lang="en-IN" dirty="0" err="1"/>
               <a:t>printf</a:t>
             </a:r>
             <a:r>
-              <a:rPr lang="en-IN" dirty="0" smtClean="0"/>
+              <a:rPr lang="en-IN" dirty="0"/>
               <a:t>(" Name is: %s \n</a:t>
             </a:r>
             <a:r>
-              <a:rPr lang="en-IN" b="1" dirty="0" smtClean="0"/>
+              <a:rPr lang="en-IN" b="1" dirty="0"/>
               <a:t>", stu_data.name</a:t>
             </a:r>
             <a:r>
-              <a:rPr lang="en-IN" dirty="0" smtClean="0"/>
+              <a:rPr lang="en-IN" dirty="0"/>
               <a:t>);</a:t>
             </a:r>
           </a:p>
@@ -13328,23 +13212,23 @@
               <a:buNone/>
             </a:pPr>
             <a:r>
-              <a:rPr lang="en-IN" dirty="0" smtClean="0"/>
+              <a:rPr lang="en-IN" dirty="0"/>
               <a:t>    </a:t>
             </a:r>
             <a:r>
-              <a:rPr lang="en-IN" dirty="0" err="1" smtClean="0"/>
+              <a:rPr lang="en-IN" dirty="0" err="1"/>
               <a:t>printf</a:t>
             </a:r>
             <a:r>
-              <a:rPr lang="en-IN" dirty="0" smtClean="0"/>
+              <a:rPr lang="en-IN" dirty="0"/>
               <a:t>(" Percentage is: %f \n\n", </a:t>
             </a:r>
             <a:r>
-              <a:rPr lang="en-IN" b="1" dirty="0" err="1" smtClean="0"/>
+              <a:rPr lang="en-IN" b="1" dirty="0" err="1"/>
               <a:t>stu_data.percentage</a:t>
             </a:r>
             <a:r>
-              <a:rPr lang="en-IN" dirty="0" smtClean="0"/>
+              <a:rPr lang="en-IN" dirty="0"/>
               <a:t>);</a:t>
             </a:r>
           </a:p>
@@ -13353,7 +13237,7 @@
               <a:buNone/>
             </a:pPr>
             <a:r>
-              <a:rPr lang="en-IN" dirty="0" smtClean="0"/>
+              <a:rPr lang="en-IN" dirty="0"/>
               <a:t> </a:t>
             </a:r>
           </a:p>
@@ -13362,15 +13246,15 @@
               <a:buNone/>
             </a:pPr>
             <a:r>
-              <a:rPr lang="en-IN" dirty="0" smtClean="0"/>
+              <a:rPr lang="en-IN" dirty="0"/>
               <a:t>    </a:t>
             </a:r>
             <a:r>
-              <a:rPr lang="en-IN" dirty="0" err="1" smtClean="0"/>
+              <a:rPr lang="en-IN" dirty="0" err="1"/>
               <a:t>printf</a:t>
             </a:r>
             <a:r>
-              <a:rPr lang="en-IN" dirty="0" smtClean="0"/>
+              <a:rPr lang="en-IN" dirty="0"/>
               <a:t>(" College Id is: %d \n", </a:t>
             </a:r>
           </a:p>
@@ -13379,15 +13263,15 @@
               <a:buNone/>
             </a:pPr>
             <a:r>
-              <a:rPr lang="en-IN" dirty="0" smtClean="0"/>
+              <a:rPr lang="en-IN" dirty="0"/>
               <a:t>                    </a:t>
             </a:r>
             <a:r>
-              <a:rPr lang="en-IN" b="1" dirty="0" err="1" smtClean="0"/>
+              <a:rPr lang="en-IN" b="1" dirty="0" err="1"/>
               <a:t>stu_data.clg_data.college_id</a:t>
             </a:r>
             <a:r>
-              <a:rPr lang="en-IN" dirty="0" smtClean="0"/>
+              <a:rPr lang="en-IN" dirty="0"/>
               <a:t>);</a:t>
             </a:r>
           </a:p>
@@ -13396,15 +13280,15 @@
               <a:buNone/>
             </a:pPr>
             <a:r>
-              <a:rPr lang="en-IN" dirty="0" smtClean="0"/>
+              <a:rPr lang="en-IN" dirty="0"/>
               <a:t>    </a:t>
             </a:r>
             <a:r>
-              <a:rPr lang="en-IN" dirty="0" err="1" smtClean="0"/>
+              <a:rPr lang="en-IN" dirty="0" err="1"/>
               <a:t>printf</a:t>
             </a:r>
             <a:r>
-              <a:rPr lang="en-IN" dirty="0" smtClean="0"/>
+              <a:rPr lang="en-IN" dirty="0"/>
               <a:t>(" College Name is: %s \n", </a:t>
             </a:r>
           </a:p>
@@ -13413,15 +13297,15 @@
               <a:buNone/>
             </a:pPr>
             <a:r>
-              <a:rPr lang="en-IN" dirty="0" smtClean="0"/>
+              <a:rPr lang="en-IN" dirty="0"/>
               <a:t>                    </a:t>
             </a:r>
             <a:r>
-              <a:rPr lang="en-IN" b="1" dirty="0" err="1" smtClean="0"/>
+              <a:rPr lang="en-IN" b="1" dirty="0" err="1"/>
               <a:t>stu_data.clg_data.college_name</a:t>
             </a:r>
             <a:r>
-              <a:rPr lang="en-IN" dirty="0" smtClean="0"/>
+              <a:rPr lang="en-IN" dirty="0"/>
               <a:t>);</a:t>
             </a:r>
           </a:p>
@@ -13430,7 +13314,7 @@
               <a:buNone/>
             </a:pPr>
             <a:r>
-              <a:rPr lang="en-IN" dirty="0" smtClean="0"/>
+              <a:rPr lang="en-IN" dirty="0"/>
               <a:t>    return 0;</a:t>
             </a:r>
           </a:p>
@@ -13439,7 +13323,7 @@
               <a:buNone/>
             </a:pPr>
             <a:r>
-              <a:rPr lang="en-IN" dirty="0" smtClean="0"/>
+              <a:rPr lang="en-IN" dirty="0"/>
               <a:t>}</a:t>
             </a:r>
           </a:p>
@@ -13461,13 +13345,6 @@
   <p:clrMapOvr>
     <a:masterClrMapping/>
   </p:clrMapOvr>
-  <p:timing>
-    <p:tnLst>
-      <p:par>
-        <p:cTn id="1" dur="indefinite" restart="never" nodeType="tmRoot"/>
-      </p:par>
-    </p:tnLst>
-  </p:timing>
 </p:sld>
 </file>
 
@@ -13512,13 +13389,8 @@
           <a:p>
             <a:r>
               <a:rPr lang="en-IN" dirty="0"/>
-              <a:t>Structures as Function </a:t>
-            </a:r>
-            <a:r>
-              <a:rPr lang="en-IN" dirty="0" smtClean="0"/>
-              <a:t>Arguments</a:t>
-            </a:r>
-            <a:endParaRPr lang="en-IN" dirty="0"/>
+              <a:t>Structures as Function Arguments</a:t>
+            </a:r>
           </a:p>
         </p:txBody>
       </p:sp>
@@ -13636,7 +13508,7 @@
               <a:buNone/>
             </a:pPr>
             <a:r>
-              <a:rPr lang="en-IN" sz="2000" dirty="0" smtClean="0"/>
+              <a:rPr lang="en-IN" sz="2000" dirty="0"/>
               <a:t>};</a:t>
             </a:r>
           </a:p>
@@ -13669,10 +13541,9 @@
               <a:t> Student </a:t>
             </a:r>
             <a:r>
-              <a:rPr lang="en-IN" sz="2000" dirty="0" smtClean="0"/>
+              <a:rPr lang="en-IN" sz="2000" dirty="0"/>
               <a:t>);</a:t>
             </a:r>
-            <a:endParaRPr lang="en-IN" sz="2000" dirty="0"/>
           </a:p>
           <a:p>
             <a:pPr marL="0" indent="0">
@@ -13716,7 +13587,7 @@
               <a:buNone/>
             </a:pPr>
             <a:r>
-              <a:rPr lang="en-IN" dirty="0" smtClean="0"/>
+              <a:rPr lang="en-IN" dirty="0"/>
               <a:t>void main()</a:t>
             </a:r>
           </a:p>
@@ -13725,7 +13596,7 @@
               <a:buNone/>
             </a:pPr>
             <a:r>
-              <a:rPr lang="en-IN" dirty="0" smtClean="0"/>
+              <a:rPr lang="en-IN" dirty="0"/>
               <a:t>{</a:t>
             </a:r>
           </a:p>
@@ -13734,23 +13605,23 @@
               <a:buNone/>
             </a:pPr>
             <a:r>
-              <a:rPr lang="en-IN" dirty="0" smtClean="0"/>
+              <a:rPr lang="en-IN" dirty="0"/>
               <a:t>    </a:t>
             </a:r>
             <a:r>
-              <a:rPr lang="en-IN" dirty="0" err="1" smtClean="0"/>
+              <a:rPr lang="en-IN" dirty="0" err="1"/>
               <a:t>struct</a:t>
             </a:r>
             <a:r>
-              <a:rPr lang="en-IN" dirty="0" smtClean="0"/>
+              <a:rPr lang="en-IN" dirty="0"/>
               <a:t> Student </a:t>
             </a:r>
             <a:r>
-              <a:rPr lang="en-IN" dirty="0" err="1" smtClean="0"/>
+              <a:rPr lang="en-IN" dirty="0" err="1"/>
               <a:t>std</a:t>
             </a:r>
             <a:r>
-              <a:rPr lang="en-IN" dirty="0" smtClean="0"/>
+              <a:rPr lang="en-IN" dirty="0"/>
               <a:t>;</a:t>
             </a:r>
           </a:p>
@@ -13759,23 +13630,23 @@
               <a:buNone/>
             </a:pPr>
             <a:r>
-              <a:rPr lang="en-IN" dirty="0" smtClean="0"/>
+              <a:rPr lang="en-IN" dirty="0"/>
               <a:t>    </a:t>
             </a:r>
             <a:r>
-              <a:rPr lang="en-IN" dirty="0" err="1" smtClean="0"/>
+              <a:rPr lang="en-IN" dirty="0" err="1"/>
               <a:t>printf</a:t>
             </a:r>
             <a:r>
-              <a:rPr lang="en-IN" dirty="0" smtClean="0"/>
+              <a:rPr lang="en-IN" dirty="0"/>
               <a:t>("\</a:t>
             </a:r>
             <a:r>
-              <a:rPr lang="en-IN" dirty="0" err="1" smtClean="0"/>
+              <a:rPr lang="en-IN" dirty="0" err="1"/>
               <a:t>nEnter</a:t>
             </a:r>
             <a:r>
-              <a:rPr lang="en-IN" dirty="0" smtClean="0"/>
+              <a:rPr lang="en-IN" dirty="0"/>
               <a:t> Student record:\n");</a:t>
             </a:r>
           </a:p>
@@ -13784,23 +13655,23 @@
               <a:buNone/>
             </a:pPr>
             <a:r>
-              <a:rPr lang="en-IN" dirty="0" smtClean="0"/>
+              <a:rPr lang="en-IN" dirty="0"/>
               <a:t>    </a:t>
             </a:r>
             <a:r>
-              <a:rPr lang="en-IN" dirty="0" err="1" smtClean="0"/>
+              <a:rPr lang="en-IN" dirty="0" err="1"/>
               <a:t>printf</a:t>
             </a:r>
             <a:r>
-              <a:rPr lang="en-IN" dirty="0" smtClean="0"/>
+              <a:rPr lang="en-IN" dirty="0"/>
               <a:t>("\</a:t>
             </a:r>
             <a:r>
-              <a:rPr lang="en-IN" dirty="0" err="1" smtClean="0"/>
+              <a:rPr lang="en-IN" dirty="0" err="1"/>
               <a:t>nStudent</a:t>
             </a:r>
             <a:r>
-              <a:rPr lang="en-IN" dirty="0" smtClean="0"/>
+              <a:rPr lang="en-IN" dirty="0"/>
               <a:t> name:\t");</a:t>
             </a:r>
           </a:p>
@@ -13809,15 +13680,15 @@
               <a:buNone/>
             </a:pPr>
             <a:r>
-              <a:rPr lang="en-IN" dirty="0" smtClean="0"/>
+              <a:rPr lang="en-IN" dirty="0"/>
               <a:t>    </a:t>
             </a:r>
             <a:r>
-              <a:rPr lang="en-IN" dirty="0" err="1" smtClean="0"/>
+              <a:rPr lang="en-IN" dirty="0" err="1"/>
               <a:t>scanf</a:t>
             </a:r>
             <a:r>
-              <a:rPr lang="en-IN" dirty="0" smtClean="0"/>
+              <a:rPr lang="en-IN" dirty="0"/>
               <a:t>("%s", std.name);</a:t>
             </a:r>
           </a:p>
@@ -13826,31 +13697,31 @@
               <a:buNone/>
             </a:pPr>
             <a:r>
-              <a:rPr lang="en-IN" dirty="0" smtClean="0"/>
+              <a:rPr lang="en-IN" dirty="0"/>
               <a:t>    </a:t>
             </a:r>
             <a:r>
-              <a:rPr lang="en-IN" dirty="0" err="1" smtClean="0"/>
+              <a:rPr lang="en-IN" dirty="0" err="1"/>
               <a:t>printf</a:t>
             </a:r>
             <a:r>
-              <a:rPr lang="en-IN" dirty="0" smtClean="0"/>
+              <a:rPr lang="en-IN" dirty="0"/>
               <a:t>("\</a:t>
             </a:r>
             <a:r>
-              <a:rPr lang="en-IN" dirty="0" err="1" smtClean="0"/>
+              <a:rPr lang="en-IN" dirty="0" err="1"/>
               <a:t>nEnter</a:t>
             </a:r>
             <a:r>
-              <a:rPr lang="en-IN" dirty="0" smtClean="0"/>
+              <a:rPr lang="en-IN" dirty="0"/>
               <a:t> Student </a:t>
             </a:r>
             <a:r>
-              <a:rPr lang="en-IN" dirty="0" err="1" smtClean="0"/>
+              <a:rPr lang="en-IN" dirty="0" err="1"/>
               <a:t>rollno</a:t>
             </a:r>
             <a:r>
-              <a:rPr lang="en-IN" dirty="0" smtClean="0"/>
+              <a:rPr lang="en-IN" dirty="0"/>
               <a:t>.:\t");</a:t>
             </a:r>
           </a:p>
@@ -13859,23 +13730,23 @@
               <a:buNone/>
             </a:pPr>
             <a:r>
-              <a:rPr lang="en-IN" dirty="0" smtClean="0"/>
+              <a:rPr lang="en-IN" dirty="0"/>
               <a:t>    </a:t>
             </a:r>
             <a:r>
-              <a:rPr lang="en-IN" dirty="0" err="1" smtClean="0"/>
+              <a:rPr lang="en-IN" dirty="0" err="1"/>
               <a:t>scanf</a:t>
             </a:r>
             <a:r>
-              <a:rPr lang="en-IN" dirty="0" smtClean="0"/>
+              <a:rPr lang="en-IN" dirty="0"/>
               <a:t>("%d", &amp;</a:t>
             </a:r>
             <a:r>
-              <a:rPr lang="en-IN" dirty="0" err="1" smtClean="0"/>
+              <a:rPr lang="en-IN" dirty="0" err="1"/>
               <a:t>std.roll</a:t>
             </a:r>
             <a:r>
-              <a:rPr lang="en-IN" dirty="0" smtClean="0"/>
+              <a:rPr lang="en-IN" dirty="0"/>
               <a:t>);</a:t>
             </a:r>
           </a:p>
@@ -13884,19 +13755,19 @@
               <a:buNone/>
             </a:pPr>
             <a:r>
-              <a:rPr lang="en-IN" dirty="0" smtClean="0"/>
+              <a:rPr lang="en-IN" dirty="0"/>
               <a:t>    </a:t>
             </a:r>
             <a:r>
-              <a:rPr lang="en-IN" b="1" dirty="0" smtClean="0"/>
+              <a:rPr lang="en-IN" b="1" dirty="0"/>
               <a:t>show(</a:t>
             </a:r>
             <a:r>
-              <a:rPr lang="en-IN" b="1" dirty="0" err="1" smtClean="0"/>
+              <a:rPr lang="en-IN" b="1" dirty="0" err="1"/>
               <a:t>std</a:t>
             </a:r>
             <a:r>
-              <a:rPr lang="en-IN" b="1" dirty="0" smtClean="0"/>
+              <a:rPr lang="en-IN" b="1" dirty="0"/>
               <a:t>);</a:t>
             </a:r>
           </a:p>
@@ -13905,7 +13776,7 @@
               <a:buNone/>
             </a:pPr>
             <a:r>
-              <a:rPr lang="en-IN" dirty="0" smtClean="0"/>
+              <a:rPr lang="en-IN" dirty="0"/>
               <a:t>}</a:t>
             </a:r>
           </a:p>
@@ -13913,34 +13784,34 @@
             <a:pPr marL="0" indent="0">
               <a:buNone/>
             </a:pPr>
-            <a:endParaRPr lang="en-IN" dirty="0" smtClean="0"/>
-          </a:p>
-          <a:p>
-            <a:pPr marL="0" indent="0">
-              <a:buNone/>
-            </a:pPr>
-            <a:r>
-              <a:rPr lang="en-IN" dirty="0" smtClean="0"/>
+            <a:endParaRPr lang="en-IN" dirty="0"/>
+          </a:p>
+          <a:p>
+            <a:pPr marL="0" indent="0">
+              <a:buNone/>
+            </a:pPr>
+            <a:r>
+              <a:rPr lang="en-IN" dirty="0"/>
               <a:t>void show</a:t>
             </a:r>
             <a:r>
-              <a:rPr lang="en-IN" b="1" dirty="0" smtClean="0"/>
+              <a:rPr lang="en-IN" b="1" dirty="0"/>
               <a:t>(</a:t>
             </a:r>
             <a:r>
-              <a:rPr lang="en-IN" b="1" dirty="0" err="1" smtClean="0"/>
+              <a:rPr lang="en-IN" b="1" dirty="0" err="1"/>
               <a:t>struct</a:t>
             </a:r>
             <a:r>
-              <a:rPr lang="en-IN" b="1" dirty="0" smtClean="0"/>
+              <a:rPr lang="en-IN" b="1" dirty="0"/>
               <a:t> Student </a:t>
             </a:r>
             <a:r>
-              <a:rPr lang="en-IN" b="1" dirty="0" err="1" smtClean="0"/>
+              <a:rPr lang="en-IN" b="1" dirty="0" err="1"/>
               <a:t>st</a:t>
             </a:r>
             <a:r>
-              <a:rPr lang="en-IN" dirty="0" smtClean="0"/>
+              <a:rPr lang="en-IN" dirty="0"/>
               <a:t>)</a:t>
             </a:r>
           </a:p>
@@ -13949,7 +13820,7 @@
               <a:buNone/>
             </a:pPr>
             <a:r>
-              <a:rPr lang="en-IN" dirty="0" smtClean="0"/>
+              <a:rPr lang="en-IN" dirty="0"/>
               <a:t>{</a:t>
             </a:r>
           </a:p>
@@ -13958,31 +13829,31 @@
               <a:buNone/>
             </a:pPr>
             <a:r>
-              <a:rPr lang="en-IN" dirty="0" smtClean="0"/>
+              <a:rPr lang="en-IN" dirty="0"/>
               <a:t>    </a:t>
             </a:r>
             <a:r>
-              <a:rPr lang="en-IN" dirty="0" err="1" smtClean="0"/>
+              <a:rPr lang="en-IN" dirty="0" err="1"/>
               <a:t>printf</a:t>
             </a:r>
             <a:r>
-              <a:rPr lang="en-IN" dirty="0" smtClean="0"/>
+              <a:rPr lang="en-IN" dirty="0"/>
               <a:t>("\</a:t>
             </a:r>
             <a:r>
-              <a:rPr lang="en-IN" dirty="0" err="1" smtClean="0"/>
+              <a:rPr lang="en-IN" dirty="0" err="1"/>
               <a:t>nstudent</a:t>
             </a:r>
             <a:r>
-              <a:rPr lang="en-IN" dirty="0" smtClean="0"/>
+              <a:rPr lang="en-IN" dirty="0"/>
               <a:t> name is %s", </a:t>
             </a:r>
             <a:r>
-              <a:rPr lang="en-IN" b="1" dirty="0" smtClean="0"/>
+              <a:rPr lang="en-IN" b="1" dirty="0"/>
               <a:t>st.name</a:t>
             </a:r>
             <a:r>
-              <a:rPr lang="en-IN" dirty="0" smtClean="0"/>
+              <a:rPr lang="en-IN" dirty="0"/>
               <a:t>);</a:t>
             </a:r>
           </a:p>
@@ -13991,31 +13862,31 @@
               <a:buNone/>
             </a:pPr>
             <a:r>
-              <a:rPr lang="en-IN" dirty="0" smtClean="0"/>
+              <a:rPr lang="en-IN" dirty="0"/>
               <a:t>    </a:t>
             </a:r>
             <a:r>
-              <a:rPr lang="en-IN" dirty="0" err="1" smtClean="0"/>
+              <a:rPr lang="en-IN" dirty="0" err="1"/>
               <a:t>printf</a:t>
             </a:r>
             <a:r>
-              <a:rPr lang="en-IN" dirty="0" smtClean="0"/>
+              <a:rPr lang="en-IN" dirty="0"/>
               <a:t>("\</a:t>
             </a:r>
             <a:r>
-              <a:rPr lang="en-IN" dirty="0" err="1" smtClean="0"/>
+              <a:rPr lang="en-IN" dirty="0" err="1"/>
               <a:t>nroll</a:t>
             </a:r>
             <a:r>
-              <a:rPr lang="en-IN" dirty="0" smtClean="0"/>
+              <a:rPr lang="en-IN" dirty="0"/>
               <a:t> is %d", </a:t>
             </a:r>
             <a:r>
-              <a:rPr lang="en-IN" b="1" dirty="0" err="1" smtClean="0"/>
+              <a:rPr lang="en-IN" b="1" dirty="0" err="1"/>
               <a:t>st.roll</a:t>
             </a:r>
             <a:r>
-              <a:rPr lang="en-IN" dirty="0" smtClean="0"/>
+              <a:rPr lang="en-IN" dirty="0"/>
               <a:t>);</a:t>
             </a:r>
           </a:p>
@@ -14024,10 +13895,9 @@
               <a:buNone/>
             </a:pPr>
             <a:r>
-              <a:rPr lang="en-IN" dirty="0" smtClean="0"/>
+              <a:rPr lang="en-IN" dirty="0"/>
               <a:t>}</a:t>
             </a:r>
-            <a:endParaRPr lang="en-IN" dirty="0"/>
           </a:p>
         </p:txBody>
       </p:sp>
@@ -14053,10 +13923,9 @@
           <a:lstStyle/>
           <a:p>
             <a:r>
-              <a:rPr lang="en-IN" dirty="0" smtClean="0"/>
+              <a:rPr lang="en-IN" dirty="0"/>
               <a:t>We can pass a structure as a function argument just like we pass any other variable or an array as a function argument.</a:t>
             </a:r>
-            <a:endParaRPr lang="en-IN" dirty="0"/>
           </a:p>
         </p:txBody>
       </p:sp>
@@ -14070,13 +13939,6 @@
   <p:clrMapOvr>
     <a:masterClrMapping/>
   </p:clrMapOvr>
-  <p:timing>
-    <p:tnLst>
-      <p:par>
-        <p:cTn id="1" dur="indefinite" restart="never" nodeType="tmRoot"/>
-      </p:par>
-    </p:tnLst>
-  </p:timing>
 </p:sld>
 </file>
 
@@ -14115,7 +13977,7 @@
           <a:lstStyle/>
           <a:p>
             <a:r>
-              <a:rPr lang="en-IN" b="1" dirty="0" smtClean="0"/>
+              <a:rPr lang="en-IN" b="1" dirty="0"/>
               <a:t>Structure using Pointer</a:t>
             </a:r>
             <a:endParaRPr lang="en-IN" dirty="0"/>
@@ -14156,11 +14018,7 @@
             <a:pPr lvl="1" fontAlgn="base"/>
             <a:r>
               <a:rPr lang="en-IN" dirty="0"/>
-              <a:t>Using pointer </a:t>
-            </a:r>
-            <a:r>
-              <a:rPr lang="en-IN" dirty="0" smtClean="0"/>
-              <a:t>variable</a:t>
+              <a:t>Using pointer variable</a:t>
             </a:r>
           </a:p>
           <a:p>
@@ -14189,13 +14047,6 @@
   <p:clrMapOvr>
     <a:masterClrMapping/>
   </p:clrMapOvr>
-  <p:timing>
-    <p:tnLst>
-      <p:par>
-        <p:cTn id="1" dur="indefinite" restart="never" nodeType="tmRoot"/>
-      </p:par>
-    </p:tnLst>
-  </p:timing>
 </p:sld>
 </file>
 
@@ -14232,7 +14083,7 @@
           <a:lstStyle/>
           <a:p>
             <a:r>
-              <a:rPr lang="en-IN" b="1" dirty="0" smtClean="0"/>
+              <a:rPr lang="en-IN" b="1" dirty="0"/>
               <a:t>Structure using Pointer (Example)</a:t>
             </a:r>
             <a:endParaRPr lang="en-IN" dirty="0"/>
@@ -14273,15 +14124,15 @@
               <a:buNone/>
             </a:pPr>
             <a:r>
-              <a:rPr lang="en-IN" dirty="0" smtClean="0"/>
+              <a:rPr lang="en-IN" dirty="0"/>
               <a:t>#include &lt;</a:t>
             </a:r>
             <a:r>
-              <a:rPr lang="en-IN" dirty="0" err="1" smtClean="0"/>
+              <a:rPr lang="en-IN" dirty="0" err="1"/>
               <a:t>stdio.h</a:t>
             </a:r>
             <a:r>
-              <a:rPr lang="en-IN" dirty="0" smtClean="0"/>
+              <a:rPr lang="en-IN" dirty="0"/>
               <a:t>&gt;</a:t>
             </a:r>
           </a:p>
@@ -14290,15 +14141,15 @@
               <a:buNone/>
             </a:pPr>
             <a:r>
-              <a:rPr lang="en-IN" dirty="0" smtClean="0"/>
+              <a:rPr lang="en-IN" dirty="0"/>
               <a:t>#include &lt;</a:t>
             </a:r>
             <a:r>
-              <a:rPr lang="en-IN" dirty="0" err="1" smtClean="0"/>
+              <a:rPr lang="en-IN" dirty="0" err="1"/>
               <a:t>string.h</a:t>
             </a:r>
             <a:r>
-              <a:rPr lang="en-IN" dirty="0" smtClean="0"/>
+              <a:rPr lang="en-IN" dirty="0"/>
               <a:t>&gt;</a:t>
             </a:r>
           </a:p>
@@ -14307,7 +14158,7 @@
               <a:buNone/>
             </a:pPr>
             <a:r>
-              <a:rPr lang="en-IN" dirty="0" smtClean="0"/>
+              <a:rPr lang="en-IN" dirty="0"/>
               <a:t> </a:t>
             </a:r>
           </a:p>
@@ -14316,11 +14167,11 @@
               <a:buNone/>
             </a:pPr>
             <a:r>
-              <a:rPr lang="en-IN" dirty="0" err="1" smtClean="0"/>
+              <a:rPr lang="en-IN" dirty="0" err="1"/>
               <a:t>struct</a:t>
             </a:r>
             <a:r>
-              <a:rPr lang="en-IN" dirty="0" smtClean="0"/>
+              <a:rPr lang="en-IN" dirty="0"/>
               <a:t> student </a:t>
             </a:r>
           </a:p>
@@ -14329,7 +14180,7 @@
               <a:buNone/>
             </a:pPr>
             <a:r>
-              <a:rPr lang="en-IN" dirty="0" smtClean="0"/>
+              <a:rPr lang="en-IN" dirty="0"/>
               <a:t>{</a:t>
             </a:r>
           </a:p>
@@ -14338,15 +14189,15 @@
               <a:buNone/>
             </a:pPr>
             <a:r>
-              <a:rPr lang="en-IN" dirty="0" smtClean="0"/>
+              <a:rPr lang="en-IN" dirty="0"/>
               <a:t>     </a:t>
             </a:r>
             <a:r>
-              <a:rPr lang="en-IN" dirty="0" err="1" smtClean="0"/>
+              <a:rPr lang="en-IN" dirty="0" err="1"/>
               <a:t>int</a:t>
             </a:r>
             <a:r>
-              <a:rPr lang="en-IN" dirty="0" smtClean="0"/>
+              <a:rPr lang="en-IN" dirty="0"/>
               <a:t> id;</a:t>
             </a:r>
           </a:p>
@@ -14355,7 +14206,7 @@
               <a:buNone/>
             </a:pPr>
             <a:r>
-              <a:rPr lang="en-IN" dirty="0" smtClean="0"/>
+              <a:rPr lang="en-IN" dirty="0"/>
               <a:t>     char name[30];</a:t>
             </a:r>
           </a:p>
@@ -14364,7 +14215,7 @@
               <a:buNone/>
             </a:pPr>
             <a:r>
-              <a:rPr lang="en-IN" dirty="0" smtClean="0"/>
+              <a:rPr lang="en-IN" dirty="0"/>
               <a:t>     float percentage;</a:t>
             </a:r>
           </a:p>
@@ -14373,7 +14224,7 @@
               <a:buNone/>
             </a:pPr>
             <a:r>
-              <a:rPr lang="en-IN" dirty="0" smtClean="0"/>
+              <a:rPr lang="en-IN" dirty="0"/>
               <a:t>};</a:t>
             </a:r>
           </a:p>
@@ -14382,7 +14233,7 @@
               <a:buNone/>
             </a:pPr>
             <a:r>
-              <a:rPr lang="en-IN" dirty="0" smtClean="0"/>
+              <a:rPr lang="en-IN" dirty="0"/>
               <a:t> </a:t>
             </a:r>
           </a:p>
@@ -14422,11 +14273,11 @@
               <a:buNone/>
             </a:pPr>
             <a:r>
-              <a:rPr lang="en-IN" dirty="0" err="1" smtClean="0"/>
+              <a:rPr lang="en-IN" dirty="0" err="1"/>
               <a:t>int</a:t>
             </a:r>
             <a:r>
-              <a:rPr lang="en-IN" dirty="0" smtClean="0"/>
+              <a:rPr lang="en-IN" dirty="0"/>
               <a:t> main() </a:t>
             </a:r>
           </a:p>
@@ -14435,7 +14286,7 @@
               <a:buNone/>
             </a:pPr>
             <a:r>
-              <a:rPr lang="en-IN" dirty="0" smtClean="0"/>
+              <a:rPr lang="en-IN" dirty="0"/>
               <a:t>{</a:t>
             </a:r>
           </a:p>
@@ -14444,23 +14295,23 @@
               <a:buNone/>
             </a:pPr>
             <a:r>
-              <a:rPr lang="en-IN" dirty="0" smtClean="0"/>
+              <a:rPr lang="en-IN" dirty="0"/>
               <a:t>     </a:t>
             </a:r>
             <a:r>
-              <a:rPr lang="en-IN" dirty="0" err="1" smtClean="0"/>
+              <a:rPr lang="en-IN" dirty="0" err="1"/>
               <a:t>int</a:t>
             </a:r>
             <a:r>
-              <a:rPr lang="en-IN" dirty="0" smtClean="0"/>
+              <a:rPr lang="en-IN" dirty="0"/>
               <a:t> </a:t>
             </a:r>
             <a:r>
-              <a:rPr lang="en-IN" dirty="0" err="1" smtClean="0"/>
+              <a:rPr lang="en-IN" dirty="0" err="1"/>
               <a:t>i</a:t>
             </a:r>
             <a:r>
-              <a:rPr lang="en-IN" dirty="0" smtClean="0"/>
+              <a:rPr lang="en-IN" dirty="0"/>
               <a:t>;</a:t>
             </a:r>
           </a:p>
@@ -14469,23 +14320,23 @@
               <a:buNone/>
             </a:pPr>
             <a:r>
-              <a:rPr lang="en-IN" dirty="0" smtClean="0"/>
+              <a:rPr lang="en-IN" dirty="0"/>
               <a:t>     </a:t>
             </a:r>
             <a:r>
-              <a:rPr lang="en-IN" dirty="0" err="1" smtClean="0"/>
+              <a:rPr lang="en-IN" dirty="0" err="1"/>
               <a:t>struct</a:t>
             </a:r>
             <a:r>
-              <a:rPr lang="en-IN" dirty="0" smtClean="0"/>
+              <a:rPr lang="en-IN" dirty="0"/>
               <a:t> student </a:t>
             </a:r>
             <a:r>
-              <a:rPr lang="en-IN" b="1" dirty="0" smtClean="0"/>
+              <a:rPr lang="en-IN" b="1" dirty="0"/>
               <a:t>record1 = {1, "Raju", 90.5}</a:t>
             </a:r>
             <a:r>
-              <a:rPr lang="en-IN" dirty="0" smtClean="0"/>
+              <a:rPr lang="en-IN" dirty="0"/>
               <a:t>;</a:t>
             </a:r>
           </a:p>
@@ -14494,27 +14345,27 @@
               <a:buNone/>
             </a:pPr>
             <a:r>
-              <a:rPr lang="en-IN" dirty="0" smtClean="0"/>
+              <a:rPr lang="en-IN" dirty="0"/>
               <a:t>     </a:t>
             </a:r>
             <a:r>
-              <a:rPr lang="en-IN" dirty="0" err="1" smtClean="0"/>
+              <a:rPr lang="en-IN" dirty="0" err="1"/>
               <a:t>struct</a:t>
             </a:r>
             <a:r>
-              <a:rPr lang="en-IN" dirty="0" smtClean="0"/>
+              <a:rPr lang="en-IN" dirty="0"/>
               <a:t> student </a:t>
             </a:r>
             <a:r>
-              <a:rPr lang="en-IN" b="1" dirty="0" smtClean="0"/>
+              <a:rPr lang="en-IN" b="1" dirty="0"/>
               <a:t>*</a:t>
             </a:r>
             <a:r>
-              <a:rPr lang="en-IN" b="1" dirty="0" err="1" smtClean="0"/>
+              <a:rPr lang="en-IN" b="1" dirty="0" err="1"/>
               <a:t>ptr</a:t>
             </a:r>
             <a:r>
-              <a:rPr lang="en-IN" dirty="0" smtClean="0"/>
+              <a:rPr lang="en-IN" dirty="0"/>
               <a:t>;</a:t>
             </a:r>
           </a:p>
@@ -14523,7 +14374,7 @@
               <a:buNone/>
             </a:pPr>
             <a:r>
-              <a:rPr lang="en-IN" dirty="0" smtClean="0"/>
+              <a:rPr lang="en-IN" dirty="0"/>
               <a:t> </a:t>
             </a:r>
           </a:p>
@@ -14532,19 +14383,19 @@
               <a:buNone/>
             </a:pPr>
             <a:r>
-              <a:rPr lang="en-IN" dirty="0" smtClean="0"/>
+              <a:rPr lang="en-IN" dirty="0"/>
               <a:t>     </a:t>
             </a:r>
             <a:r>
-              <a:rPr lang="en-IN" b="1" dirty="0" err="1" smtClean="0"/>
+              <a:rPr lang="en-IN" b="1" dirty="0" err="1"/>
               <a:t>ptr</a:t>
             </a:r>
             <a:r>
-              <a:rPr lang="en-IN" b="1" dirty="0" smtClean="0"/>
+              <a:rPr lang="en-IN" b="1" dirty="0"/>
               <a:t> = &amp;record1</a:t>
             </a:r>
             <a:r>
-              <a:rPr lang="en-IN" dirty="0" smtClean="0"/>
+              <a:rPr lang="en-IN" dirty="0"/>
               <a:t>;     </a:t>
             </a:r>
           </a:p>
@@ -14553,7 +14404,7 @@
               <a:buNone/>
             </a:pPr>
             <a:r>
-              <a:rPr lang="en-IN" dirty="0" smtClean="0"/>
+              <a:rPr lang="en-IN" dirty="0"/>
               <a:t> </a:t>
             </a:r>
           </a:p>
@@ -14562,15 +14413,15 @@
               <a:buNone/>
             </a:pPr>
             <a:r>
-              <a:rPr lang="en-IN" dirty="0" smtClean="0"/>
+              <a:rPr lang="en-IN" dirty="0"/>
               <a:t>         </a:t>
             </a:r>
             <a:r>
-              <a:rPr lang="en-IN" dirty="0" err="1" smtClean="0"/>
+              <a:rPr lang="en-IN" dirty="0" err="1"/>
               <a:t>printf</a:t>
             </a:r>
             <a:r>
-              <a:rPr lang="en-IN" dirty="0" smtClean="0"/>
+              <a:rPr lang="en-IN" dirty="0"/>
               <a:t>("Records of STUDENT1: \n");</a:t>
             </a:r>
           </a:p>
@@ -14579,27 +14430,27 @@
               <a:buNone/>
             </a:pPr>
             <a:r>
-              <a:rPr lang="en-IN" dirty="0" smtClean="0"/>
+              <a:rPr lang="en-IN" dirty="0"/>
               <a:t>         </a:t>
             </a:r>
             <a:r>
-              <a:rPr lang="en-IN" dirty="0" err="1" smtClean="0"/>
+              <a:rPr lang="en-IN" dirty="0" err="1"/>
               <a:t>printf</a:t>
             </a:r>
             <a:r>
-              <a:rPr lang="en-IN" dirty="0" smtClean="0"/>
+              <a:rPr lang="en-IN" dirty="0"/>
               <a:t>("  Id is: %d \n", </a:t>
             </a:r>
             <a:r>
-              <a:rPr lang="en-IN" b="1" dirty="0" err="1" smtClean="0"/>
+              <a:rPr lang="en-IN" b="1" dirty="0" err="1"/>
               <a:t>ptr</a:t>
             </a:r>
             <a:r>
-              <a:rPr lang="en-IN" b="1" dirty="0" smtClean="0"/>
+              <a:rPr lang="en-IN" b="1" dirty="0"/>
               <a:t>-&gt;id</a:t>
             </a:r>
             <a:r>
-              <a:rPr lang="en-IN" dirty="0" smtClean="0"/>
+              <a:rPr lang="en-IN" dirty="0"/>
               <a:t>);</a:t>
             </a:r>
           </a:p>
@@ -14608,27 +14459,27 @@
               <a:buNone/>
             </a:pPr>
             <a:r>
-              <a:rPr lang="en-IN" dirty="0" smtClean="0"/>
+              <a:rPr lang="en-IN" dirty="0"/>
               <a:t>         </a:t>
             </a:r>
             <a:r>
-              <a:rPr lang="en-IN" dirty="0" err="1" smtClean="0"/>
+              <a:rPr lang="en-IN" dirty="0" err="1"/>
               <a:t>printf</a:t>
             </a:r>
             <a:r>
-              <a:rPr lang="en-IN" dirty="0" smtClean="0"/>
+              <a:rPr lang="en-IN" dirty="0"/>
               <a:t>("  Name is: %s \n", </a:t>
             </a:r>
             <a:r>
-              <a:rPr lang="en-IN" b="1" dirty="0" err="1" smtClean="0"/>
+              <a:rPr lang="en-IN" b="1" dirty="0" err="1"/>
               <a:t>ptr</a:t>
             </a:r>
             <a:r>
-              <a:rPr lang="en-IN" b="1" dirty="0" smtClean="0"/>
+              <a:rPr lang="en-IN" b="1" dirty="0"/>
               <a:t>-&gt;name</a:t>
             </a:r>
             <a:r>
-              <a:rPr lang="en-IN" dirty="0" smtClean="0"/>
+              <a:rPr lang="en-IN" dirty="0"/>
               <a:t>);</a:t>
             </a:r>
           </a:p>
@@ -14637,27 +14488,27 @@
               <a:buNone/>
             </a:pPr>
             <a:r>
-              <a:rPr lang="en-IN" dirty="0" smtClean="0"/>
+              <a:rPr lang="en-IN" dirty="0"/>
               <a:t>         </a:t>
             </a:r>
             <a:r>
-              <a:rPr lang="en-IN" dirty="0" err="1" smtClean="0"/>
+              <a:rPr lang="en-IN" dirty="0" err="1"/>
               <a:t>printf</a:t>
             </a:r>
             <a:r>
-              <a:rPr lang="en-IN" dirty="0" smtClean="0"/>
+              <a:rPr lang="en-IN" dirty="0"/>
               <a:t>("  Percentage is: %f \n\n", </a:t>
             </a:r>
             <a:r>
-              <a:rPr lang="en-IN" b="1" dirty="0" err="1" smtClean="0"/>
+              <a:rPr lang="en-IN" b="1" dirty="0" err="1"/>
               <a:t>ptr</a:t>
             </a:r>
             <a:r>
-              <a:rPr lang="en-IN" b="1" dirty="0" smtClean="0"/>
+              <a:rPr lang="en-IN" b="1" dirty="0"/>
               <a:t>-&gt; percentage</a:t>
             </a:r>
             <a:r>
-              <a:rPr lang="en-IN" dirty="0" smtClean="0"/>
+              <a:rPr lang="en-IN" dirty="0"/>
               <a:t>);</a:t>
             </a:r>
           </a:p>
@@ -14666,7 +14517,7 @@
               <a:buNone/>
             </a:pPr>
             <a:r>
-              <a:rPr lang="en-IN" dirty="0" smtClean="0"/>
+              <a:rPr lang="en-IN" dirty="0"/>
               <a:t> </a:t>
             </a:r>
           </a:p>
@@ -14675,7 +14526,7 @@
               <a:buNone/>
             </a:pPr>
             <a:r>
-              <a:rPr lang="en-IN" dirty="0" smtClean="0"/>
+              <a:rPr lang="en-IN" dirty="0"/>
               <a:t>     return 0;</a:t>
             </a:r>
           </a:p>
@@ -14684,7 +14535,7 @@
               <a:buNone/>
             </a:pPr>
             <a:r>
-              <a:rPr lang="en-IN" dirty="0" smtClean="0"/>
+              <a:rPr lang="en-IN" dirty="0"/>
               <a:t>}</a:t>
             </a:r>
           </a:p>
@@ -14703,13 +14554,6 @@
   <p:clrMapOvr>
     <a:masterClrMapping/>
   </p:clrMapOvr>
-  <p:timing>
-    <p:tnLst>
-      <p:par>
-        <p:cTn id="1" dur="indefinite" restart="never" nodeType="tmRoot"/>
-      </p:par>
-    </p:tnLst>
-  </p:timing>
 </p:sld>
 </file>
 
@@ -14753,17 +14597,16 @@
           <a:lstStyle/>
           <a:p>
             <a:r>
-              <a:rPr lang="en-IN" sz="3600" dirty="0" smtClean="0"/>
+              <a:rPr lang="en-IN" sz="3600" dirty="0"/>
               <a:t>Structures as Function Arguments</a:t>
             </a:r>
             <a:br>
-              <a:rPr lang="en-IN" sz="3600" dirty="0" smtClean="0"/>
+              <a:rPr lang="en-IN" sz="3600" dirty="0"/>
             </a:br>
             <a:r>
-              <a:rPr lang="en-IN" sz="3600" dirty="0" smtClean="0"/>
+              <a:rPr lang="en-IN" sz="3600" dirty="0"/>
               <a:t> (Pass by value and Pass by reference)</a:t>
             </a:r>
-            <a:endParaRPr lang="en-IN" sz="3600" dirty="0"/>
           </a:p>
         </p:txBody>
       </p:sp>
@@ -14801,15 +14644,15 @@
               <a:buNone/>
             </a:pPr>
             <a:r>
-              <a:rPr lang="en-IN" dirty="0" smtClean="0"/>
+              <a:rPr lang="en-IN" dirty="0"/>
               <a:t>#include &lt;</a:t>
             </a:r>
             <a:r>
-              <a:rPr lang="en-IN" dirty="0" err="1" smtClean="0"/>
+              <a:rPr lang="en-IN" dirty="0" err="1"/>
               <a:t>stdio.h</a:t>
             </a:r>
             <a:r>
-              <a:rPr lang="en-IN" dirty="0" smtClean="0"/>
+              <a:rPr lang="en-IN" dirty="0"/>
               <a:t>&gt;</a:t>
             </a:r>
           </a:p>
@@ -14818,11 +14661,11 @@
               <a:buNone/>
             </a:pPr>
             <a:r>
-              <a:rPr lang="en-IN" dirty="0" err="1" smtClean="0"/>
+              <a:rPr lang="en-IN" dirty="0" err="1"/>
               <a:t>struct</a:t>
             </a:r>
             <a:r>
-              <a:rPr lang="en-IN" dirty="0" smtClean="0"/>
+              <a:rPr lang="en-IN" dirty="0"/>
               <a:t> distance</a:t>
             </a:r>
           </a:p>
@@ -14831,7 +14674,7 @@
               <a:buNone/>
             </a:pPr>
             <a:r>
-              <a:rPr lang="en-IN" dirty="0" smtClean="0"/>
+              <a:rPr lang="en-IN" dirty="0"/>
               <a:t>{</a:t>
             </a:r>
           </a:p>
@@ -14840,15 +14683,15 @@
               <a:buNone/>
             </a:pPr>
             <a:r>
-              <a:rPr lang="en-IN" dirty="0" smtClean="0"/>
+              <a:rPr lang="en-IN" dirty="0"/>
               <a:t>    </a:t>
             </a:r>
             <a:r>
-              <a:rPr lang="en-IN" dirty="0" err="1" smtClean="0"/>
+              <a:rPr lang="en-IN" dirty="0" err="1"/>
               <a:t>int</a:t>
             </a:r>
             <a:r>
-              <a:rPr lang="en-IN" dirty="0" smtClean="0"/>
+              <a:rPr lang="en-IN" dirty="0"/>
               <a:t> feet;</a:t>
             </a:r>
           </a:p>
@@ -14857,7 +14700,7 @@
               <a:buNone/>
             </a:pPr>
             <a:r>
-              <a:rPr lang="en-IN" dirty="0" smtClean="0"/>
+              <a:rPr lang="en-IN" dirty="0"/>
               <a:t>    float inch;</a:t>
             </a:r>
           </a:p>
@@ -14866,7 +14709,7 @@
               <a:buNone/>
             </a:pPr>
             <a:r>
-              <a:rPr lang="en-IN" dirty="0" smtClean="0"/>
+              <a:rPr lang="en-IN" dirty="0"/>
               <a:t>};</a:t>
             </a:r>
           </a:p>
@@ -14875,31 +14718,31 @@
               <a:buNone/>
             </a:pPr>
             <a:r>
-              <a:rPr lang="en-IN" dirty="0" smtClean="0"/>
+              <a:rPr lang="en-IN" dirty="0"/>
               <a:t>void </a:t>
             </a:r>
             <a:r>
-              <a:rPr lang="en-IN" b="1" dirty="0" smtClean="0"/>
+              <a:rPr lang="en-IN" b="1" dirty="0"/>
               <a:t>add(</a:t>
             </a:r>
             <a:r>
-              <a:rPr lang="en-IN" b="1" dirty="0" err="1" smtClean="0"/>
+              <a:rPr lang="en-IN" b="1" dirty="0" err="1"/>
               <a:t>struct</a:t>
             </a:r>
             <a:r>
-              <a:rPr lang="en-IN" b="1" dirty="0" smtClean="0"/>
+              <a:rPr lang="en-IN" b="1" dirty="0"/>
               <a:t> distance d1,struct distance d2, </a:t>
             </a:r>
             <a:r>
-              <a:rPr lang="en-IN" b="1" dirty="0" err="1" smtClean="0"/>
+              <a:rPr lang="en-IN" b="1" dirty="0" err="1"/>
               <a:t>struct</a:t>
             </a:r>
             <a:r>
-              <a:rPr lang="en-IN" b="1" dirty="0" smtClean="0"/>
+              <a:rPr lang="en-IN" b="1" dirty="0"/>
               <a:t> distance *d3</a:t>
             </a:r>
             <a:r>
-              <a:rPr lang="en-IN" dirty="0" smtClean="0"/>
+              <a:rPr lang="en-IN" dirty="0"/>
               <a:t>); </a:t>
             </a:r>
           </a:p>
@@ -14907,18 +14750,18 @@
             <a:pPr marL="0" indent="0">
               <a:buNone/>
             </a:pPr>
-            <a:endParaRPr lang="en-IN" dirty="0" smtClean="0"/>
-          </a:p>
-          <a:p>
-            <a:pPr marL="0" indent="0">
-              <a:buNone/>
-            </a:pPr>
-            <a:r>
-              <a:rPr lang="en-IN" dirty="0" err="1" smtClean="0"/>
+            <a:endParaRPr lang="en-IN" dirty="0"/>
+          </a:p>
+          <a:p>
+            <a:pPr marL="0" indent="0">
+              <a:buNone/>
+            </a:pPr>
+            <a:r>
+              <a:rPr lang="en-IN" dirty="0" err="1"/>
               <a:t>int</a:t>
             </a:r>
             <a:r>
-              <a:rPr lang="en-IN" dirty="0" smtClean="0"/>
+              <a:rPr lang="en-IN" dirty="0"/>
               <a:t> main()</a:t>
             </a:r>
           </a:p>
@@ -14927,7 +14770,7 @@
               <a:buNone/>
             </a:pPr>
             <a:r>
-              <a:rPr lang="en-IN" dirty="0" smtClean="0"/>
+              <a:rPr lang="en-IN" dirty="0"/>
               <a:t>{</a:t>
             </a:r>
           </a:p>
@@ -14936,23 +14779,23 @@
               <a:buNone/>
             </a:pPr>
             <a:r>
-              <a:rPr lang="en-IN" dirty="0" smtClean="0"/>
+              <a:rPr lang="en-IN" dirty="0"/>
               <a:t>    </a:t>
             </a:r>
             <a:r>
-              <a:rPr lang="en-IN" dirty="0" err="1" smtClean="0"/>
+              <a:rPr lang="en-IN" dirty="0" err="1"/>
               <a:t>struct</a:t>
             </a:r>
             <a:r>
-              <a:rPr lang="en-IN" dirty="0" smtClean="0"/>
+              <a:rPr lang="en-IN" dirty="0"/>
               <a:t> distance </a:t>
             </a:r>
             <a:r>
-              <a:rPr lang="en-IN" b="1" dirty="0" smtClean="0"/>
+              <a:rPr lang="en-IN" b="1" dirty="0"/>
               <a:t>dist1, dist2, dist3</a:t>
             </a:r>
             <a:r>
-              <a:rPr lang="en-IN" dirty="0" smtClean="0"/>
+              <a:rPr lang="en-IN" dirty="0"/>
               <a:t>;</a:t>
             </a:r>
           </a:p>
@@ -14960,22 +14803,22 @@
             <a:pPr marL="0" indent="0">
               <a:buNone/>
             </a:pPr>
-            <a:endParaRPr lang="en-IN" dirty="0" smtClean="0"/>
-          </a:p>
-          <a:p>
-            <a:pPr marL="0" indent="0">
-              <a:buNone/>
-            </a:pPr>
-            <a:r>
-              <a:rPr lang="en-IN" dirty="0" smtClean="0"/>
+            <a:endParaRPr lang="en-IN" dirty="0"/>
+          </a:p>
+          <a:p>
+            <a:pPr marL="0" indent="0">
+              <a:buNone/>
+            </a:pPr>
+            <a:r>
+              <a:rPr lang="en-IN" dirty="0"/>
               <a:t>    </a:t>
             </a:r>
             <a:r>
-              <a:rPr lang="en-IN" dirty="0" err="1" smtClean="0"/>
+              <a:rPr lang="en-IN" dirty="0" err="1"/>
               <a:t>printf</a:t>
             </a:r>
             <a:r>
-              <a:rPr lang="en-IN" dirty="0" smtClean="0"/>
+              <a:rPr lang="en-IN" dirty="0"/>
               <a:t>("First distance\n");</a:t>
             </a:r>
           </a:p>
@@ -14984,15 +14827,15 @@
               <a:buNone/>
             </a:pPr>
             <a:r>
-              <a:rPr lang="en-IN" dirty="0" smtClean="0"/>
+              <a:rPr lang="en-IN" dirty="0"/>
               <a:t>    </a:t>
             </a:r>
             <a:r>
-              <a:rPr lang="en-IN" dirty="0" err="1" smtClean="0"/>
+              <a:rPr lang="en-IN" dirty="0" err="1"/>
               <a:t>printf</a:t>
             </a:r>
             <a:r>
-              <a:rPr lang="en-IN" dirty="0" smtClean="0"/>
+              <a:rPr lang="en-IN" dirty="0"/>
               <a:t>("Enter feet: ");</a:t>
             </a:r>
           </a:p>
@@ -15001,15 +14844,15 @@
               <a:buNone/>
             </a:pPr>
             <a:r>
-              <a:rPr lang="en-IN" dirty="0" smtClean="0"/>
+              <a:rPr lang="en-IN" dirty="0"/>
               <a:t>    </a:t>
             </a:r>
             <a:r>
-              <a:rPr lang="en-IN" dirty="0" err="1" smtClean="0"/>
+              <a:rPr lang="en-IN" dirty="0" err="1"/>
               <a:t>scanf</a:t>
             </a:r>
             <a:r>
-              <a:rPr lang="en-IN" dirty="0" smtClean="0"/>
+              <a:rPr lang="en-IN" dirty="0"/>
               <a:t>("%d", &amp;dist1.feet);</a:t>
             </a:r>
           </a:p>
@@ -15018,15 +14861,15 @@
               <a:buNone/>
             </a:pPr>
             <a:r>
-              <a:rPr lang="en-IN" dirty="0" smtClean="0"/>
+              <a:rPr lang="en-IN" dirty="0"/>
               <a:t>    </a:t>
             </a:r>
             <a:r>
-              <a:rPr lang="en-IN" dirty="0" err="1" smtClean="0"/>
+              <a:rPr lang="en-IN" dirty="0" err="1"/>
               <a:t>printf</a:t>
             </a:r>
             <a:r>
-              <a:rPr lang="en-IN" dirty="0" smtClean="0"/>
+              <a:rPr lang="en-IN" dirty="0"/>
               <a:t>("Enter inch: ");</a:t>
             </a:r>
           </a:p>
@@ -15035,15 +14878,15 @@
               <a:buNone/>
             </a:pPr>
             <a:r>
-              <a:rPr lang="en-IN" dirty="0" smtClean="0"/>
+              <a:rPr lang="en-IN" dirty="0"/>
               <a:t>    </a:t>
             </a:r>
             <a:r>
-              <a:rPr lang="en-IN" dirty="0" err="1" smtClean="0"/>
+              <a:rPr lang="en-IN" dirty="0" err="1"/>
               <a:t>scanf</a:t>
             </a:r>
             <a:r>
-              <a:rPr lang="en-IN" dirty="0" smtClean="0"/>
+              <a:rPr lang="en-IN" dirty="0"/>
               <a:t>("%f", &amp;dist1.inch);</a:t>
             </a:r>
           </a:p>
@@ -15051,22 +14894,22 @@
             <a:pPr marL="0" indent="0">
               <a:buNone/>
             </a:pPr>
-            <a:endParaRPr lang="en-IN" dirty="0" smtClean="0"/>
-          </a:p>
-          <a:p>
-            <a:pPr marL="0" indent="0">
-              <a:buNone/>
-            </a:pPr>
-            <a:r>
-              <a:rPr lang="en-IN" dirty="0" smtClean="0"/>
+            <a:endParaRPr lang="en-IN" dirty="0"/>
+          </a:p>
+          <a:p>
+            <a:pPr marL="0" indent="0">
+              <a:buNone/>
+            </a:pPr>
+            <a:r>
+              <a:rPr lang="en-IN" dirty="0"/>
               <a:t>    </a:t>
             </a:r>
             <a:r>
-              <a:rPr lang="en-IN" dirty="0" err="1" smtClean="0"/>
+              <a:rPr lang="en-IN" dirty="0" err="1"/>
               <a:t>printf</a:t>
             </a:r>
             <a:r>
-              <a:rPr lang="en-IN" dirty="0" smtClean="0"/>
+              <a:rPr lang="en-IN" dirty="0"/>
               <a:t>("Second distance\n");</a:t>
             </a:r>
           </a:p>
@@ -15075,15 +14918,15 @@
               <a:buNone/>
             </a:pPr>
             <a:r>
-              <a:rPr lang="en-IN" dirty="0" smtClean="0"/>
+              <a:rPr lang="en-IN" dirty="0"/>
               <a:t>    </a:t>
             </a:r>
             <a:r>
-              <a:rPr lang="en-IN" dirty="0" err="1" smtClean="0"/>
+              <a:rPr lang="en-IN" dirty="0" err="1"/>
               <a:t>printf</a:t>
             </a:r>
             <a:r>
-              <a:rPr lang="en-IN" dirty="0" smtClean="0"/>
+              <a:rPr lang="en-IN" dirty="0"/>
               <a:t>("Enter feet: ");</a:t>
             </a:r>
           </a:p>
@@ -15092,15 +14935,15 @@
               <a:buNone/>
             </a:pPr>
             <a:r>
-              <a:rPr lang="en-IN" dirty="0" smtClean="0"/>
+              <a:rPr lang="en-IN" dirty="0"/>
               <a:t>    </a:t>
             </a:r>
             <a:r>
-              <a:rPr lang="en-IN" dirty="0" err="1" smtClean="0"/>
+              <a:rPr lang="en-IN" dirty="0" err="1"/>
               <a:t>scanf</a:t>
             </a:r>
             <a:r>
-              <a:rPr lang="en-IN" dirty="0" smtClean="0"/>
+              <a:rPr lang="en-IN" dirty="0"/>
               <a:t>("%d", &amp;dist2.feet);</a:t>
             </a:r>
           </a:p>
@@ -15109,15 +14952,15 @@
               <a:buNone/>
             </a:pPr>
             <a:r>
-              <a:rPr lang="en-IN" dirty="0" smtClean="0"/>
+              <a:rPr lang="en-IN" dirty="0"/>
               <a:t>    </a:t>
             </a:r>
             <a:r>
-              <a:rPr lang="en-IN" dirty="0" err="1" smtClean="0"/>
+              <a:rPr lang="en-IN" dirty="0" err="1"/>
               <a:t>printf</a:t>
             </a:r>
             <a:r>
-              <a:rPr lang="en-IN" dirty="0" smtClean="0"/>
+              <a:rPr lang="en-IN" dirty="0"/>
               <a:t>("Enter inch: ");</a:t>
             </a:r>
           </a:p>
@@ -15126,15 +14969,15 @@
               <a:buNone/>
             </a:pPr>
             <a:r>
-              <a:rPr lang="en-IN" dirty="0" smtClean="0"/>
+              <a:rPr lang="en-IN" dirty="0"/>
               <a:t>    </a:t>
             </a:r>
             <a:r>
-              <a:rPr lang="en-IN" dirty="0" err="1" smtClean="0"/>
+              <a:rPr lang="en-IN" dirty="0" err="1"/>
               <a:t>scanf</a:t>
             </a:r>
             <a:r>
-              <a:rPr lang="en-IN" dirty="0" smtClean="0"/>
+              <a:rPr lang="en-IN" dirty="0"/>
               <a:t>("%f", &amp;dist2.inch);</a:t>
             </a:r>
           </a:p>
@@ -15142,7 +14985,7 @@
             <a:pPr marL="0" indent="0">
               <a:buNone/>
             </a:pPr>
-            <a:endParaRPr lang="en-IN" dirty="0" smtClean="0"/>
+            <a:endParaRPr lang="en-IN" dirty="0"/>
           </a:p>
         </p:txBody>
       </p:sp>
@@ -15180,15 +15023,15 @@
               <a:buNone/>
             </a:pPr>
             <a:r>
-              <a:rPr lang="en-IN" dirty="0" smtClean="0"/>
+              <a:rPr lang="en-IN" dirty="0"/>
               <a:t> add(</a:t>
             </a:r>
             <a:r>
-              <a:rPr lang="en-IN" b="1" dirty="0" smtClean="0"/>
+              <a:rPr lang="en-IN" b="1" dirty="0"/>
               <a:t>dist1, dist2, &amp;dist3</a:t>
             </a:r>
             <a:r>
-              <a:rPr lang="en-IN" dirty="0" smtClean="0"/>
+              <a:rPr lang="en-IN" dirty="0"/>
               <a:t>); </a:t>
             </a:r>
           </a:p>
@@ -15196,14 +15039,14 @@
             <a:pPr marL="0" indent="0">
               <a:buNone/>
             </a:pPr>
-            <a:endParaRPr lang="en-IN" dirty="0" smtClean="0"/>
-          </a:p>
-          <a:p>
-            <a:pPr marL="0" indent="0">
-              <a:buNone/>
-            </a:pPr>
-            <a:r>
-              <a:rPr lang="en-IN" dirty="0" smtClean="0"/>
+            <a:endParaRPr lang="en-IN" dirty="0"/>
+          </a:p>
+          <a:p>
+            <a:pPr marL="0" indent="0">
+              <a:buNone/>
+            </a:pPr>
+            <a:r>
+              <a:rPr lang="en-IN" dirty="0"/>
               <a:t>    </a:t>
             </a:r>
           </a:p>
@@ -15212,23 +15055,23 @@
               <a:buNone/>
             </a:pPr>
             <a:r>
-              <a:rPr lang="en-IN" dirty="0" smtClean="0"/>
+              <a:rPr lang="en-IN" dirty="0"/>
               <a:t>    </a:t>
             </a:r>
             <a:r>
-              <a:rPr lang="en-IN" dirty="0" err="1" smtClean="0"/>
+              <a:rPr lang="en-IN" dirty="0" err="1"/>
               <a:t>printf</a:t>
             </a:r>
             <a:r>
-              <a:rPr lang="en-IN" dirty="0" smtClean="0"/>
+              <a:rPr lang="en-IN" dirty="0"/>
               <a:t>("\</a:t>
             </a:r>
             <a:r>
-              <a:rPr lang="en-IN" dirty="0" err="1" smtClean="0"/>
+              <a:rPr lang="en-IN" dirty="0" err="1"/>
               <a:t>nSum</a:t>
             </a:r>
             <a:r>
-              <a:rPr lang="en-IN" dirty="0" smtClean="0"/>
+              <a:rPr lang="en-IN" dirty="0"/>
               <a:t> of distances = %d\'-%.1f\"", dist3.feet, dist3.inch);</a:t>
             </a:r>
           </a:p>
@@ -15236,14 +15079,14 @@
             <a:pPr marL="0" indent="0">
               <a:buNone/>
             </a:pPr>
-            <a:endParaRPr lang="en-IN" dirty="0" smtClean="0"/>
-          </a:p>
-          <a:p>
-            <a:pPr marL="0" indent="0">
-              <a:buNone/>
-            </a:pPr>
-            <a:r>
-              <a:rPr lang="en-IN" dirty="0" smtClean="0"/>
+            <a:endParaRPr lang="en-IN" dirty="0"/>
+          </a:p>
+          <a:p>
+            <a:pPr marL="0" indent="0">
+              <a:buNone/>
+            </a:pPr>
+            <a:r>
+              <a:rPr lang="en-IN" dirty="0"/>
               <a:t>    return 0;</a:t>
             </a:r>
           </a:p>
@@ -15252,7 +15095,7 @@
               <a:buNone/>
             </a:pPr>
             <a:r>
-              <a:rPr lang="en-IN" dirty="0" smtClean="0"/>
+              <a:rPr lang="en-IN" dirty="0"/>
               <a:t>}</a:t>
             </a:r>
           </a:p>
@@ -15260,38 +15103,38 @@
             <a:pPr marL="0" indent="0">
               <a:buNone/>
             </a:pPr>
-            <a:endParaRPr lang="en-IN" dirty="0" smtClean="0"/>
-          </a:p>
-          <a:p>
-            <a:pPr marL="0" indent="0">
-              <a:buNone/>
-            </a:pPr>
-            <a:r>
-              <a:rPr lang="en-IN" dirty="0" smtClean="0"/>
+            <a:endParaRPr lang="en-IN" dirty="0"/>
+          </a:p>
+          <a:p>
+            <a:pPr marL="0" indent="0">
+              <a:buNone/>
+            </a:pPr>
+            <a:r>
+              <a:rPr lang="en-IN" dirty="0"/>
               <a:t>void add(</a:t>
             </a:r>
             <a:r>
-              <a:rPr lang="en-IN" dirty="0" err="1" smtClean="0"/>
+              <a:rPr lang="en-IN" dirty="0" err="1"/>
               <a:t>struct</a:t>
             </a:r>
             <a:r>
-              <a:rPr lang="en-IN" dirty="0" smtClean="0"/>
+              <a:rPr lang="en-IN" dirty="0"/>
               <a:t> </a:t>
             </a:r>
             <a:r>
-              <a:rPr lang="en-IN" b="1" dirty="0" smtClean="0"/>
+              <a:rPr lang="en-IN" b="1" dirty="0"/>
               <a:t>distance d1,struct distance d2, </a:t>
             </a:r>
             <a:r>
-              <a:rPr lang="en-IN" b="1" dirty="0" err="1" smtClean="0"/>
+              <a:rPr lang="en-IN" b="1" dirty="0" err="1"/>
               <a:t>struct</a:t>
             </a:r>
             <a:r>
-              <a:rPr lang="en-IN" b="1" dirty="0" smtClean="0"/>
+              <a:rPr lang="en-IN" b="1" dirty="0"/>
               <a:t> distance *d3</a:t>
             </a:r>
             <a:r>
-              <a:rPr lang="en-IN" dirty="0" smtClean="0"/>
+              <a:rPr lang="en-IN" dirty="0"/>
               <a:t>) </a:t>
             </a:r>
           </a:p>
@@ -15300,7 +15143,7 @@
               <a:buNone/>
             </a:pPr>
             <a:r>
-              <a:rPr lang="en-IN" dirty="0" smtClean="0"/>
+              <a:rPr lang="en-IN" dirty="0"/>
               <a:t>{</a:t>
             </a:r>
           </a:p>
@@ -15309,7 +15152,7 @@
               <a:buNone/>
             </a:pPr>
             <a:r>
-              <a:rPr lang="en-IN" dirty="0" smtClean="0"/>
+              <a:rPr lang="en-IN" dirty="0"/>
               <a:t>     //Adding distances d1 and d2 and storing it in d3</a:t>
             </a:r>
           </a:p>
@@ -15318,11 +15161,11 @@
               <a:buNone/>
             </a:pPr>
             <a:r>
-              <a:rPr lang="en-IN" dirty="0" smtClean="0"/>
+              <a:rPr lang="en-IN" dirty="0"/>
               <a:t>     </a:t>
             </a:r>
             <a:r>
-              <a:rPr lang="en-IN" b="1" dirty="0" smtClean="0"/>
+              <a:rPr lang="en-IN" b="1" dirty="0"/>
               <a:t>d3-&gt;feet = d1.feet + d2.feet; </a:t>
             </a:r>
           </a:p>
@@ -15331,7 +15174,7 @@
               <a:buNone/>
             </a:pPr>
             <a:r>
-              <a:rPr lang="en-IN" b="1" dirty="0" smtClean="0"/>
+              <a:rPr lang="en-IN" b="1" dirty="0"/>
               <a:t>     d3-&gt;inch = d1.inch + d2.inch;</a:t>
             </a:r>
           </a:p>
@@ -15339,14 +15182,14 @@
             <a:pPr marL="0" indent="0">
               <a:buNone/>
             </a:pPr>
-            <a:endParaRPr lang="en-IN" dirty="0" smtClean="0"/>
-          </a:p>
-          <a:p>
-            <a:pPr marL="0" indent="0">
-              <a:buNone/>
-            </a:pPr>
-            <a:r>
-              <a:rPr lang="en-IN" dirty="0" smtClean="0"/>
+            <a:endParaRPr lang="en-IN" dirty="0"/>
+          </a:p>
+          <a:p>
+            <a:pPr marL="0" indent="0">
+              <a:buNone/>
+            </a:pPr>
+            <a:r>
+              <a:rPr lang="en-IN" dirty="0"/>
               <a:t>     if (d3-&gt;inch &gt;= 12)</a:t>
             </a:r>
           </a:p>
@@ -15356,32 +15199,24 @@
             </a:pPr>
             <a:r>
               <a:rPr lang="en-IN" dirty="0"/>
-              <a:t> </a:t>
-            </a:r>
-            <a:r>
-              <a:rPr lang="en-IN" dirty="0" smtClean="0"/>
-              <a:t>    {</a:t>
-            </a:r>
-          </a:p>
-          <a:p>
-            <a:pPr marL="0" indent="0">
-              <a:buNone/>
-            </a:pPr>
-            <a:r>
-              <a:rPr lang="en-IN" dirty="0"/>
-              <a:t> </a:t>
-            </a:r>
-            <a:r>
-              <a:rPr lang="en-IN" dirty="0" smtClean="0"/>
-              <a:t>        d3-&gt;inch -= 12;</a:t>
-            </a:r>
-          </a:p>
-          <a:p>
-            <a:pPr marL="0" indent="0">
-              <a:buNone/>
-            </a:pPr>
-            <a:r>
-              <a:rPr lang="en-IN" dirty="0" smtClean="0"/>
+              <a:t>     {</a:t>
+            </a:r>
+          </a:p>
+          <a:p>
+            <a:pPr marL="0" indent="0">
+              <a:buNone/>
+            </a:pPr>
+            <a:r>
+              <a:rPr lang="en-IN" dirty="0"/>
+              <a:t>         d3-&gt;inch -= 12;</a:t>
+            </a:r>
+          </a:p>
+          <a:p>
+            <a:pPr marL="0" indent="0">
+              <a:buNone/>
+            </a:pPr>
+            <a:r>
+              <a:rPr lang="en-IN" dirty="0"/>
               <a:t>         ++d3-&gt;feet;</a:t>
             </a:r>
           </a:p>
@@ -15390,7 +15225,7 @@
               <a:buNone/>
             </a:pPr>
             <a:r>
-              <a:rPr lang="en-IN" dirty="0" smtClean="0"/>
+              <a:rPr lang="en-IN" dirty="0"/>
               <a:t>     }</a:t>
             </a:r>
           </a:p>
@@ -15399,7 +15234,7 @@
               <a:buNone/>
             </a:pPr>
             <a:r>
-              <a:rPr lang="en-IN" dirty="0" smtClean="0"/>
+              <a:rPr lang="en-IN" dirty="0"/>
               <a:t>}</a:t>
             </a:r>
           </a:p>
@@ -15418,13 +15253,6 @@
   <p:clrMapOvr>
     <a:masterClrMapping/>
   </p:clrMapOvr>
-  <p:timing>
-    <p:tnLst>
-      <p:par>
-        <p:cTn id="1" dur="indefinite" restart="never" nodeType="tmRoot"/>
-      </p:par>
-    </p:tnLst>
-  </p:timing>
 </p:sld>
 </file>
 
@@ -15466,7 +15294,7 @@
           <a:lstStyle/>
           <a:p>
             <a:r>
-              <a:rPr lang="en-US" dirty="0" smtClean="0"/>
+              <a:rPr lang="en-US" dirty="0"/>
               <a:t>Dynamic structure Allocation</a:t>
             </a:r>
             <a:endParaRPr lang="en-IN" dirty="0"/>
@@ -15491,7 +15319,7 @@
         </p:spPr>
         <p:txBody>
           <a:bodyPr>
-            <a:normAutofit fontScale="47500" lnSpcReduction="20000"/>
+            <a:normAutofit fontScale="55000" lnSpcReduction="20000"/>
           </a:bodyPr>
           <a:lstStyle/>
           <a:p>
@@ -15864,135 +15692,6 @@
               <a:rPr lang="en-IN" dirty="0"/>
               <a:t>    </a:t>
             </a:r>
-            <a:r>
-              <a:rPr lang="en-IN" dirty="0" err="1"/>
-              <a:t>printf</a:t>
-            </a:r>
-            <a:r>
-              <a:rPr lang="en-IN" dirty="0"/>
-              <a:t>("Enter elements of array: ");</a:t>
-            </a:r>
-          </a:p>
-          <a:p>
-            <a:pPr marL="0" indent="0">
-              <a:buNone/>
-            </a:pPr>
-            <a:r>
-              <a:rPr lang="en-IN" dirty="0"/>
-              <a:t>    for(</a:t>
-            </a:r>
-            <a:r>
-              <a:rPr lang="en-IN" dirty="0" err="1"/>
-              <a:t>i</a:t>
-            </a:r>
-            <a:r>
-              <a:rPr lang="en-IN" dirty="0"/>
-              <a:t> = 0; </a:t>
-            </a:r>
-            <a:r>
-              <a:rPr lang="en-IN" dirty="0" err="1"/>
-              <a:t>i</a:t>
-            </a:r>
-            <a:r>
-              <a:rPr lang="en-IN" dirty="0"/>
-              <a:t> &lt; </a:t>
-            </a:r>
-            <a:r>
-              <a:rPr lang="en-IN" dirty="0" err="1"/>
-              <a:t>num</a:t>
-            </a:r>
-            <a:r>
-              <a:rPr lang="en-IN" dirty="0"/>
-              <a:t>; ++</a:t>
-            </a:r>
-            <a:r>
-              <a:rPr lang="en-IN" dirty="0" err="1"/>
-              <a:t>i</a:t>
-            </a:r>
-            <a:r>
-              <a:rPr lang="en-IN" dirty="0"/>
-              <a:t>)</a:t>
-            </a:r>
-          </a:p>
-          <a:p>
-            <a:pPr marL="0" indent="0">
-              <a:buNone/>
-            </a:pPr>
-            <a:r>
-              <a:rPr lang="en-IN" dirty="0"/>
-              <a:t>    {</a:t>
-            </a:r>
-          </a:p>
-          <a:p>
-            <a:pPr marL="0" indent="0">
-              <a:buNone/>
-            </a:pPr>
-            <a:r>
-              <a:rPr lang="en-IN" dirty="0"/>
-              <a:t>        </a:t>
-            </a:r>
-            <a:r>
-              <a:rPr lang="en-IN" dirty="0" err="1"/>
-              <a:t>scanf</a:t>
-            </a:r>
-            <a:r>
-              <a:rPr lang="en-IN" dirty="0"/>
-              <a:t>("%d",&amp;(</a:t>
-            </a:r>
-            <a:r>
-              <a:rPr lang="en-IN" dirty="0" err="1"/>
-              <a:t>ptr+i</a:t>
-            </a:r>
-            <a:r>
-              <a:rPr lang="en-IN" dirty="0"/>
-              <a:t>)-&gt;x);</a:t>
-            </a:r>
-          </a:p>
-          <a:p>
-            <a:pPr marL="0" indent="0">
-              <a:buNone/>
-            </a:pPr>
-            <a:r>
-              <a:rPr lang="en-IN" dirty="0"/>
-              <a:t>        </a:t>
-            </a:r>
-            <a:r>
-              <a:rPr lang="en-IN" dirty="0" err="1"/>
-              <a:t>scanf</a:t>
-            </a:r>
-            <a:r>
-              <a:rPr lang="en-IN" dirty="0"/>
-              <a:t>("%d",&amp;(</a:t>
-            </a:r>
-            <a:r>
-              <a:rPr lang="en-IN" dirty="0" err="1"/>
-              <a:t>ptr+i</a:t>
-            </a:r>
-            <a:r>
-              <a:rPr lang="en-IN" dirty="0"/>
-              <a:t>)-&gt;y);</a:t>
-            </a:r>
-          </a:p>
-          <a:p>
-            <a:pPr marL="0" indent="0">
-              <a:buNone/>
-            </a:pPr>
-            <a:endParaRPr lang="en-IN" dirty="0"/>
-          </a:p>
-          <a:p>
-            <a:pPr marL="0" indent="0">
-              <a:buNone/>
-            </a:pPr>
-            <a:r>
-              <a:rPr lang="en-IN" dirty="0"/>
-              <a:t>    }</a:t>
-            </a:r>
-          </a:p>
-          <a:p>
-            <a:pPr marL="0" indent="0">
-              <a:buNone/>
-            </a:pPr>
-            <a:endParaRPr lang="en-IN" dirty="0"/>
           </a:p>
           <a:p>
             <a:pPr marL="0" indent="0">
@@ -16020,7 +15719,7 @@
         </p:spPr>
         <p:txBody>
           <a:bodyPr>
-            <a:normAutofit fontScale="47500" lnSpcReduction="20000"/>
+            <a:normAutofit fontScale="55000" lnSpcReduction="20000"/>
           </a:bodyPr>
           <a:lstStyle/>
           <a:p>
@@ -16028,8 +15727,21 @@
               <a:buNone/>
             </a:pPr>
             <a:r>
-              <a:rPr lang="en-IN" dirty="0"/>
-              <a:t> for(</a:t>
+              <a:rPr lang="en-IN" dirty="0" err="1"/>
+              <a:t>printf</a:t>
+            </a:r>
+            <a:r>
+              <a:rPr lang="en-IN" dirty="0"/>
+              <a:t>("Enter elements of array: ");</a:t>
+            </a:r>
+          </a:p>
+          <a:p>
+            <a:pPr marL="0" indent="0">
+              <a:buNone/>
+            </a:pPr>
+            <a:r>
+              <a:rPr lang="en-IN" dirty="0"/>
+              <a:t>    for(</a:t>
             </a:r>
             <a:r>
               <a:rPr lang="en-IN" dirty="0" err="1"/>
@@ -16083,6 +15795,127 @@
             </a:r>
             <a:r>
               <a:rPr lang="en-IN" dirty="0" err="1"/>
+              <a:t>scanf</a:t>
+            </a:r>
+            <a:r>
+              <a:rPr lang="en-IN" dirty="0"/>
+              <a:t>("%d",&amp;(</a:t>
+            </a:r>
+            <a:r>
+              <a:rPr lang="en-IN" dirty="0" err="1"/>
+              <a:t>ptr+i</a:t>
+            </a:r>
+            <a:r>
+              <a:rPr lang="en-IN" dirty="0"/>
+              <a:t>)-&gt;x);</a:t>
+            </a:r>
+          </a:p>
+          <a:p>
+            <a:pPr marL="0" indent="0">
+              <a:buNone/>
+            </a:pPr>
+            <a:r>
+              <a:rPr lang="en-IN" dirty="0"/>
+              <a:t>        </a:t>
+            </a:r>
+            <a:r>
+              <a:rPr lang="en-IN" dirty="0" err="1"/>
+              <a:t>scanf</a:t>
+            </a:r>
+            <a:r>
+              <a:rPr lang="en-IN" dirty="0"/>
+              <a:t>("%d",&amp;(</a:t>
+            </a:r>
+            <a:r>
+              <a:rPr lang="en-IN" dirty="0" err="1"/>
+              <a:t>ptr+i</a:t>
+            </a:r>
+            <a:r>
+              <a:rPr lang="en-IN" dirty="0"/>
+              <a:t>)-&gt;y);</a:t>
+            </a:r>
+          </a:p>
+          <a:p>
+            <a:pPr marL="0" indent="0">
+              <a:buNone/>
+            </a:pPr>
+            <a:endParaRPr lang="en-IN" dirty="0"/>
+          </a:p>
+          <a:p>
+            <a:pPr marL="0" indent="0">
+              <a:buNone/>
+            </a:pPr>
+            <a:r>
+              <a:rPr lang="en-IN" dirty="0"/>
+              <a:t>    }</a:t>
+            </a:r>
+          </a:p>
+          <a:p>
+            <a:pPr marL="0" indent="0">
+              <a:buNone/>
+            </a:pPr>
+            <a:endParaRPr lang="en-IN" dirty="0"/>
+          </a:p>
+          <a:p>
+            <a:pPr marL="0" indent="0">
+              <a:buNone/>
+            </a:pPr>
+            <a:r>
+              <a:rPr lang="en-IN" dirty="0"/>
+              <a:t>for(</a:t>
+            </a:r>
+            <a:r>
+              <a:rPr lang="en-IN" dirty="0" err="1"/>
+              <a:t>i</a:t>
+            </a:r>
+            <a:r>
+              <a:rPr lang="en-IN" dirty="0"/>
+              <a:t> = 0; </a:t>
+            </a:r>
+            <a:r>
+              <a:rPr lang="en-IN" dirty="0" err="1"/>
+              <a:t>i</a:t>
+            </a:r>
+            <a:r>
+              <a:rPr lang="en-IN" dirty="0"/>
+              <a:t> &lt; </a:t>
+            </a:r>
+            <a:r>
+              <a:rPr lang="en-IN" dirty="0" err="1"/>
+              <a:t>num</a:t>
+            </a:r>
+            <a:r>
+              <a:rPr lang="en-IN" dirty="0"/>
+              <a:t>; ++</a:t>
+            </a:r>
+            <a:r>
+              <a:rPr lang="en-IN" dirty="0" err="1"/>
+              <a:t>i</a:t>
+            </a:r>
+            <a:r>
+              <a:rPr lang="en-IN" dirty="0"/>
+              <a:t>)</a:t>
+            </a:r>
+          </a:p>
+          <a:p>
+            <a:pPr marL="0" indent="0">
+              <a:buNone/>
+            </a:pPr>
+            <a:r>
+              <a:rPr lang="en-IN" dirty="0"/>
+              <a:t>    {</a:t>
+            </a:r>
+          </a:p>
+          <a:p>
+            <a:pPr marL="0" indent="0">
+              <a:buNone/>
+            </a:pPr>
+            <a:r>
+              <a:rPr lang="en-IN" dirty="0"/>
+              <a:t>        </a:t>
+            </a:r>
+            <a:r>
+              <a:rPr lang="en-IN" dirty="0" err="1"/>
               <a:t>printf</a:t>
             </a:r>
             <a:r>
@@ -16174,253 +16007,6 @@
             <a:r>
               <a:rPr lang="en-IN" dirty="0"/>
               <a:t>}</a:t>
-            </a:r>
-            <a:endParaRPr lang="en-IN" dirty="0" smtClean="0"/>
-          </a:p>
-          <a:p>
-            <a:pPr marL="0" indent="0">
-              <a:buNone/>
-            </a:pPr>
-            <a:r>
-              <a:rPr lang="en-IN" dirty="0" err="1" smtClean="0"/>
-              <a:t>printf</a:t>
-            </a:r>
-            <a:r>
-              <a:rPr lang="en-IN" dirty="0"/>
-              <a:t>("Enter elements of array: ");</a:t>
-            </a:r>
-          </a:p>
-          <a:p>
-            <a:pPr marL="0" indent="0">
-              <a:buNone/>
-            </a:pPr>
-            <a:r>
-              <a:rPr lang="en-IN" dirty="0"/>
-              <a:t>    for(</a:t>
-            </a:r>
-            <a:r>
-              <a:rPr lang="en-IN" dirty="0" err="1"/>
-              <a:t>i</a:t>
-            </a:r>
-            <a:r>
-              <a:rPr lang="en-IN" dirty="0"/>
-              <a:t> = 0; </a:t>
-            </a:r>
-            <a:r>
-              <a:rPr lang="en-IN" dirty="0" err="1"/>
-              <a:t>i</a:t>
-            </a:r>
-            <a:r>
-              <a:rPr lang="en-IN" dirty="0"/>
-              <a:t> &lt; </a:t>
-            </a:r>
-            <a:r>
-              <a:rPr lang="en-IN" dirty="0" err="1"/>
-              <a:t>num</a:t>
-            </a:r>
-            <a:r>
-              <a:rPr lang="en-IN" dirty="0"/>
-              <a:t>; ++</a:t>
-            </a:r>
-            <a:r>
-              <a:rPr lang="en-IN" dirty="0" err="1"/>
-              <a:t>i</a:t>
-            </a:r>
-            <a:r>
-              <a:rPr lang="en-IN" dirty="0"/>
-              <a:t>)</a:t>
-            </a:r>
-          </a:p>
-          <a:p>
-            <a:pPr marL="0" indent="0">
-              <a:buNone/>
-            </a:pPr>
-            <a:r>
-              <a:rPr lang="en-IN" dirty="0"/>
-              <a:t>    {</a:t>
-            </a:r>
-          </a:p>
-          <a:p>
-            <a:pPr marL="0" indent="0">
-              <a:buNone/>
-            </a:pPr>
-            <a:r>
-              <a:rPr lang="en-IN" dirty="0"/>
-              <a:t>        </a:t>
-            </a:r>
-            <a:r>
-              <a:rPr lang="en-IN" dirty="0" err="1"/>
-              <a:t>scanf</a:t>
-            </a:r>
-            <a:r>
-              <a:rPr lang="en-IN" dirty="0"/>
-              <a:t>("%d",&amp;(</a:t>
-            </a:r>
-            <a:r>
-              <a:rPr lang="en-IN" dirty="0" err="1"/>
-              <a:t>ptr+i</a:t>
-            </a:r>
-            <a:r>
-              <a:rPr lang="en-IN" dirty="0"/>
-              <a:t>)-&gt;x);</a:t>
-            </a:r>
-          </a:p>
-          <a:p>
-            <a:pPr marL="0" indent="0">
-              <a:buNone/>
-            </a:pPr>
-            <a:r>
-              <a:rPr lang="en-IN" dirty="0"/>
-              <a:t>        </a:t>
-            </a:r>
-            <a:r>
-              <a:rPr lang="en-IN" dirty="0" err="1"/>
-              <a:t>scanf</a:t>
-            </a:r>
-            <a:r>
-              <a:rPr lang="en-IN" dirty="0"/>
-              <a:t>("%d",&amp;(</a:t>
-            </a:r>
-            <a:r>
-              <a:rPr lang="en-IN" dirty="0" err="1"/>
-              <a:t>ptr+i</a:t>
-            </a:r>
-            <a:r>
-              <a:rPr lang="en-IN" dirty="0"/>
-              <a:t>)-&gt;y);</a:t>
-            </a:r>
-          </a:p>
-          <a:p>
-            <a:pPr marL="0" indent="0">
-              <a:buNone/>
-            </a:pPr>
-            <a:endParaRPr lang="en-IN" dirty="0"/>
-          </a:p>
-          <a:p>
-            <a:pPr marL="0" indent="0">
-              <a:buNone/>
-            </a:pPr>
-            <a:r>
-              <a:rPr lang="en-IN" dirty="0"/>
-              <a:t>    }</a:t>
-            </a:r>
-          </a:p>
-          <a:p>
-            <a:pPr marL="0" indent="0">
-              <a:buNone/>
-            </a:pPr>
-            <a:endParaRPr lang="en-IN" dirty="0"/>
-          </a:p>
-          <a:p>
-            <a:pPr marL="0" indent="0">
-              <a:buNone/>
-            </a:pPr>
-            <a:r>
-              <a:rPr lang="en-IN" dirty="0"/>
-              <a:t>    for(</a:t>
-            </a:r>
-            <a:r>
-              <a:rPr lang="en-IN" dirty="0" err="1"/>
-              <a:t>i</a:t>
-            </a:r>
-            <a:r>
-              <a:rPr lang="en-IN" dirty="0"/>
-              <a:t> = 0; </a:t>
-            </a:r>
-            <a:r>
-              <a:rPr lang="en-IN" dirty="0" err="1"/>
-              <a:t>i</a:t>
-            </a:r>
-            <a:r>
-              <a:rPr lang="en-IN" dirty="0"/>
-              <a:t> &lt; </a:t>
-            </a:r>
-            <a:r>
-              <a:rPr lang="en-IN" dirty="0" err="1"/>
-              <a:t>num</a:t>
-            </a:r>
-            <a:r>
-              <a:rPr lang="en-IN" dirty="0"/>
-              <a:t>; ++</a:t>
-            </a:r>
-            <a:r>
-              <a:rPr lang="en-IN" dirty="0" err="1"/>
-              <a:t>i</a:t>
-            </a:r>
-            <a:r>
-              <a:rPr lang="en-IN" dirty="0"/>
-              <a:t>)</a:t>
-            </a:r>
-          </a:p>
-          <a:p>
-            <a:pPr marL="0" indent="0">
-              <a:buNone/>
-            </a:pPr>
-            <a:r>
-              <a:rPr lang="en-IN" dirty="0"/>
-              <a:t>    {</a:t>
-            </a:r>
-          </a:p>
-          <a:p>
-            <a:pPr marL="0" indent="0">
-              <a:buNone/>
-            </a:pPr>
-            <a:r>
-              <a:rPr lang="en-IN" dirty="0"/>
-              <a:t>        </a:t>
-            </a:r>
-            <a:r>
-              <a:rPr lang="en-IN" dirty="0" err="1"/>
-              <a:t>printf</a:t>
-            </a:r>
-            <a:r>
-              <a:rPr lang="en-IN" dirty="0"/>
-              <a:t> ("%d\</a:t>
-            </a:r>
-            <a:r>
-              <a:rPr lang="en-IN" dirty="0" err="1"/>
-              <a:t>t%d</a:t>
-            </a:r>
-            <a:r>
-              <a:rPr lang="en-IN" dirty="0"/>
-              <a:t>\n",(</a:t>
-            </a:r>
-            <a:r>
-              <a:rPr lang="en-IN" dirty="0" err="1"/>
-              <a:t>ptr+i</a:t>
-            </a:r>
-            <a:r>
-              <a:rPr lang="en-IN" dirty="0"/>
-              <a:t>)-&gt;x,(</a:t>
-            </a:r>
-            <a:r>
-              <a:rPr lang="en-IN" dirty="0" err="1"/>
-              <a:t>ptr+i</a:t>
-            </a:r>
-            <a:r>
-              <a:rPr lang="en-IN" dirty="0"/>
-              <a:t>)-&gt;y);</a:t>
-            </a:r>
-          </a:p>
-          <a:p>
-            <a:pPr marL="0" indent="0">
-              <a:buNone/>
-            </a:pPr>
-            <a:endParaRPr lang="en-IN" dirty="0"/>
-          </a:p>
-          <a:p>
-            <a:pPr marL="0" indent="0">
-              <a:buNone/>
-            </a:pPr>
-            <a:endParaRPr lang="en-IN" dirty="0"/>
-          </a:p>
-          <a:p>
-            <a:pPr marL="0" indent="0">
-              <a:buNone/>
-            </a:pPr>
-            <a:r>
-              <a:rPr lang="en-IN" dirty="0"/>
-              <a:t>    }</a:t>
             </a:r>
           </a:p>
           <a:p>
@@ -16515,10 +16101,9 @@
           <a:lstStyle/>
           <a:p>
             <a:r>
-              <a:rPr lang="en-IN" dirty="0" smtClean="0"/>
+              <a:rPr lang="en-IN" dirty="0"/>
               <a:t>Structure</a:t>
             </a:r>
-            <a:endParaRPr lang="en-IN" dirty="0"/>
           </a:p>
         </p:txBody>
       </p:sp>
@@ -16540,32 +16125,19 @@
             <a:pPr algn="just"/>
             <a:r>
               <a:rPr lang="en-IN" dirty="0"/>
-              <a:t>Structure is a collection of variables of different types under a single name</a:t>
-            </a:r>
-            <a:r>
-              <a:rPr lang="en-IN" dirty="0" smtClean="0"/>
-              <a:t>.</a:t>
+              <a:t>Structure is a collection of variables of different types under a single name.</a:t>
             </a:r>
           </a:p>
           <a:p>
             <a:pPr algn="just"/>
-            <a:endParaRPr lang="en-IN" dirty="0" smtClean="0"/>
+            <a:endParaRPr lang="en-IN" dirty="0"/>
           </a:p>
           <a:p>
             <a:pPr algn="just"/>
             <a:r>
-              <a:rPr lang="en-IN" dirty="0" smtClean="0"/>
-              <a:t>Each </a:t>
-            </a:r>
-            <a:r>
-              <a:rPr lang="en-IN" dirty="0"/>
-              <a:t>element in a C structure is called </a:t>
-            </a:r>
-            <a:r>
-              <a:rPr lang="en-IN" dirty="0" smtClean="0"/>
-              <a:t>member.</a:t>
-            </a:r>
-            <a:endParaRPr lang="en-IN" dirty="0"/>
+              <a:rPr lang="en-IN" dirty="0"/>
+              <a:t>Each element in a C structure is called member.</a:t>
+            </a:r>
           </a:p>
         </p:txBody>
       </p:sp>
@@ -16687,13 +16259,6 @@
   <p:clrMapOvr>
     <a:masterClrMapping/>
   </p:clrMapOvr>
-  <p:timing>
-    <p:tnLst>
-      <p:par>
-        <p:cTn id="1" dur="indefinite" restart="never" nodeType="tmRoot"/>
-      </p:par>
-    </p:tnLst>
-  </p:timing>
 </p:sld>
 </file>
 
@@ -16763,7 +16328,7 @@
               <a:t>Keyword </a:t>
             </a:r>
             <a:r>
-              <a:rPr lang="en-IN" dirty="0" err="1" smtClean="0">
+              <a:rPr lang="en-IN" dirty="0" err="1">
                 <a:solidFill>
                   <a:srgbClr val="FF0000"/>
                 </a:solidFill>
@@ -16780,19 +16345,7 @@
             </a:r>
             <a:r>
               <a:rPr lang="en-IN" dirty="0"/>
-              <a:t>is used for </a:t>
-            </a:r>
-            <a:r>
-              <a:rPr lang="en-IN" dirty="0" smtClean="0"/>
-              <a:t>creating </a:t>
-            </a:r>
-            <a:r>
-              <a:rPr lang="en-IN" dirty="0"/>
-              <a:t>a structure</a:t>
-            </a:r>
-            <a:r>
-              <a:rPr lang="en-IN" dirty="0" smtClean="0"/>
-              <a:t>.</a:t>
+              <a:t>is used for creating a structure.</a:t>
             </a:r>
           </a:p>
           <a:p>
@@ -16810,22 +16363,18 @@
             </a:r>
             <a:r>
               <a:rPr lang="en-IN" dirty="0"/>
-              <a:t> statement defines a new data type, with more than one member</a:t>
-            </a:r>
-            <a:r>
-              <a:rPr lang="en-IN" dirty="0" smtClean="0"/>
-              <a:t>.</a:t>
-            </a:r>
-          </a:p>
-          <a:p>
-            <a:endParaRPr lang="en-IN" dirty="0" smtClean="0"/>
+              <a:t> statement defines a new data type, with more than one member.</a:t>
+            </a:r>
+          </a:p>
+          <a:p>
+            <a:endParaRPr lang="en-IN" dirty="0"/>
           </a:p>
           <a:p>
             <a:pPr marL="400050" lvl="1" indent="0">
               <a:buNone/>
             </a:pPr>
             <a:r>
-              <a:rPr lang="en-IN" dirty="0" err="1" smtClean="0">
+              <a:rPr lang="en-IN" dirty="0" err="1">
                 <a:solidFill>
                   <a:srgbClr val="FF0000"/>
                 </a:solidFill>
@@ -16833,7 +16382,7 @@
               <a:t>struct</a:t>
             </a:r>
             <a:r>
-              <a:rPr lang="en-IN" dirty="0" smtClean="0">
+              <a:rPr lang="en-IN" dirty="0">
                 <a:solidFill>
                   <a:srgbClr val="FF0000"/>
                 </a:solidFill>
@@ -16845,7 +16394,7 @@
             <a:pPr marL="400050" lvl="1" indent="0">
               <a:buNone/>
             </a:pPr>
-            <a:endParaRPr lang="en-IN" dirty="0" smtClean="0">
+            <a:endParaRPr lang="en-IN" dirty="0">
               <a:solidFill>
                 <a:srgbClr val="FF0000"/>
               </a:solidFill>
@@ -16856,7 +16405,7 @@
               <a:buNone/>
             </a:pPr>
             <a:r>
-              <a:rPr lang="en-IN" dirty="0" smtClean="0">
+              <a:rPr lang="en-IN" dirty="0">
                 <a:solidFill>
                   <a:srgbClr val="FF0000"/>
                 </a:solidFill>
@@ -16869,7 +16418,7 @@
               <a:buNone/>
             </a:pPr>
             <a:r>
-              <a:rPr lang="en-IN" dirty="0" smtClean="0">
+              <a:rPr lang="en-IN" dirty="0">
                 <a:solidFill>
                   <a:srgbClr val="FF0000"/>
                 </a:solidFill>
@@ -16882,7 +16431,7 @@
               <a:buNone/>
             </a:pPr>
             <a:r>
-              <a:rPr lang="en-IN" dirty="0" smtClean="0">
+              <a:rPr lang="en-IN" dirty="0">
                 <a:solidFill>
                   <a:srgbClr val="FF0000"/>
                 </a:solidFill>
@@ -16895,7 +16444,7 @@
               <a:buNone/>
             </a:pPr>
             <a:r>
-              <a:rPr lang="en-IN" dirty="0" smtClean="0">
+              <a:rPr lang="en-IN" dirty="0">
                 <a:solidFill>
                   <a:srgbClr val="FF0000"/>
                 </a:solidFill>
@@ -16908,18 +16457,13 @@
               <a:buNone/>
             </a:pPr>
             <a:r>
-              <a:rPr lang="en-IN" dirty="0" smtClean="0">
+              <a:rPr lang="en-IN" dirty="0">
                 <a:solidFill>
                   <a:srgbClr val="FF0000"/>
                 </a:solidFill>
               </a:rPr>
               <a:t>} [one or more structure variables]; </a:t>
             </a:r>
-            <a:endParaRPr lang="en-IN" dirty="0">
-              <a:solidFill>
-                <a:srgbClr val="FF0000"/>
-              </a:solidFill>
-            </a:endParaRPr>
           </a:p>
         </p:txBody>
       </p:sp>
@@ -16933,13 +16477,6 @@
   <p:clrMapOvr>
     <a:masterClrMapping/>
   </p:clrMapOvr>
-  <p:timing>
-    <p:tnLst>
-      <p:par>
-        <p:cTn id="1" dur="indefinite" restart="never" nodeType="tmRoot"/>
-      </p:par>
-    </p:tnLst>
-  </p:timing>
 </p:sld>
 </file>
 
@@ -16979,11 +16516,7 @@
           <a:p>
             <a:r>
               <a:rPr lang="en-IN" b="1" dirty="0"/>
-              <a:t>Example of </a:t>
-            </a:r>
-            <a:r>
-              <a:rPr lang="en-IN" b="1" dirty="0" smtClean="0"/>
-              <a:t>Structure</a:t>
+              <a:t>Example of Structure</a:t>
             </a:r>
             <a:endParaRPr lang="en-IN" dirty="0"/>
           </a:p>
@@ -17010,7 +16543,7 @@
               <a:buNone/>
             </a:pPr>
             <a:r>
-              <a:rPr lang="en-IN" dirty="0" err="1" smtClean="0">
+              <a:rPr lang="en-IN" dirty="0" err="1">
                 <a:solidFill>
                   <a:srgbClr val="00B050"/>
                 </a:solidFill>
@@ -17018,7 +16551,7 @@
               <a:t>struct</a:t>
             </a:r>
             <a:r>
-              <a:rPr lang="en-IN" dirty="0" smtClean="0">
+              <a:rPr lang="en-IN" dirty="0">
                 <a:solidFill>
                   <a:srgbClr val="00B050"/>
                 </a:solidFill>
@@ -17031,7 +16564,7 @@
               <a:buNone/>
             </a:pPr>
             <a:r>
-              <a:rPr lang="en-IN" dirty="0" smtClean="0">
+              <a:rPr lang="en-IN" dirty="0">
                 <a:solidFill>
                   <a:srgbClr val="00B050"/>
                 </a:solidFill>
@@ -17044,7 +16577,7 @@
               <a:buNone/>
             </a:pPr>
             <a:r>
-              <a:rPr lang="en-IN" dirty="0" smtClean="0">
+              <a:rPr lang="en-IN" dirty="0">
                 <a:solidFill>
                   <a:srgbClr val="00B050"/>
                 </a:solidFill>
@@ -17057,7 +16590,7 @@
               <a:buNone/>
             </a:pPr>
             <a:r>
-              <a:rPr lang="en-IN" dirty="0" smtClean="0">
+              <a:rPr lang="en-IN" dirty="0">
                 <a:solidFill>
                   <a:srgbClr val="00B050"/>
                 </a:solidFill>
@@ -17065,7 +16598,7 @@
               <a:t>    </a:t>
             </a:r>
             <a:r>
-              <a:rPr lang="en-IN" dirty="0" err="1" smtClean="0">
+              <a:rPr lang="en-IN" dirty="0" err="1">
                 <a:solidFill>
                   <a:srgbClr val="00B050"/>
                 </a:solidFill>
@@ -17073,7 +16606,7 @@
               <a:t>int</a:t>
             </a:r>
             <a:r>
-              <a:rPr lang="en-IN" dirty="0" smtClean="0">
+              <a:rPr lang="en-IN" dirty="0">
                 <a:solidFill>
                   <a:srgbClr val="00B050"/>
                 </a:solidFill>
@@ -17081,7 +16614,7 @@
               <a:t> </a:t>
             </a:r>
             <a:r>
-              <a:rPr lang="en-IN" dirty="0" err="1" smtClean="0">
+              <a:rPr lang="en-IN" dirty="0" err="1">
                 <a:solidFill>
                   <a:srgbClr val="00B050"/>
                 </a:solidFill>
@@ -17089,7 +16622,7 @@
               <a:t>citNo</a:t>
             </a:r>
             <a:r>
-              <a:rPr lang="en-IN" dirty="0" smtClean="0">
+              <a:rPr lang="en-IN" dirty="0">
                 <a:solidFill>
                   <a:srgbClr val="00B050"/>
                 </a:solidFill>
@@ -17102,7 +16635,7 @@
               <a:buNone/>
             </a:pPr>
             <a:r>
-              <a:rPr lang="en-IN" dirty="0" smtClean="0">
+              <a:rPr lang="en-IN" dirty="0">
                 <a:solidFill>
                   <a:srgbClr val="00B050"/>
                 </a:solidFill>
@@ -17115,7 +16648,7 @@
               <a:buNone/>
             </a:pPr>
             <a:r>
-              <a:rPr lang="en-IN" dirty="0" smtClean="0">
+              <a:rPr lang="en-IN" dirty="0">
                 <a:solidFill>
                   <a:srgbClr val="00B050"/>
                 </a:solidFill>
@@ -17137,7 +16670,7 @@
             <a:pPr marL="0" indent="0">
               <a:buNone/>
             </a:pPr>
-            <a:endParaRPr lang="en-IN" dirty="0" smtClean="0">
+            <a:endParaRPr lang="en-IN" dirty="0">
               <a:solidFill>
                 <a:srgbClr val="00B050"/>
               </a:solidFill>
@@ -17177,13 +16710,6 @@
   <p:clrMapOvr>
     <a:masterClrMapping/>
   </p:clrMapOvr>
-  <p:timing>
-    <p:tnLst>
-      <p:par>
-        <p:cTn id="1" dur="indefinite" restart="never" nodeType="tmRoot"/>
-      </p:par>
-    </p:tnLst>
-  </p:timing>
 </p:sld>
 </file>
 
@@ -17223,11 +16749,7 @@
           <a:p>
             <a:r>
               <a:rPr lang="en-IN" b="1" dirty="0"/>
-              <a:t>Structure variable </a:t>
-            </a:r>
-            <a:r>
-              <a:rPr lang="en-IN" b="1" dirty="0" smtClean="0"/>
-              <a:t>declaration</a:t>
+              <a:t>Structure variable declaration</a:t>
             </a:r>
             <a:endParaRPr lang="en-IN" dirty="0"/>
           </a:p>
@@ -17264,11 +16786,11 @@
               <a:buNone/>
             </a:pPr>
             <a:r>
-              <a:rPr lang="en-IN" dirty="0" err="1" smtClean="0"/>
+              <a:rPr lang="en-IN" dirty="0" err="1"/>
               <a:t>struct</a:t>
             </a:r>
             <a:r>
-              <a:rPr lang="en-IN" dirty="0" smtClean="0"/>
+              <a:rPr lang="en-IN" dirty="0"/>
               <a:t> person</a:t>
             </a:r>
           </a:p>
@@ -17277,7 +16799,7 @@
               <a:buNone/>
             </a:pPr>
             <a:r>
-              <a:rPr lang="en-IN" dirty="0" smtClean="0"/>
+              <a:rPr lang="en-IN" dirty="0"/>
               <a:t>{</a:t>
             </a:r>
           </a:p>
@@ -17286,7 +16808,7 @@
               <a:buNone/>
             </a:pPr>
             <a:r>
-              <a:rPr lang="en-IN" dirty="0" smtClean="0"/>
+              <a:rPr lang="en-IN" dirty="0"/>
               <a:t>    char name[50];</a:t>
             </a:r>
           </a:p>
@@ -17295,23 +16817,23 @@
               <a:buNone/>
             </a:pPr>
             <a:r>
-              <a:rPr lang="en-IN" dirty="0" smtClean="0"/>
+              <a:rPr lang="en-IN" dirty="0"/>
               <a:t>    </a:t>
             </a:r>
             <a:r>
-              <a:rPr lang="en-IN" dirty="0" err="1" smtClean="0"/>
+              <a:rPr lang="en-IN" dirty="0" err="1"/>
               <a:t>int</a:t>
             </a:r>
             <a:r>
-              <a:rPr lang="en-IN" dirty="0" smtClean="0"/>
+              <a:rPr lang="en-IN" dirty="0"/>
               <a:t> </a:t>
             </a:r>
             <a:r>
-              <a:rPr lang="en-IN" dirty="0" err="1" smtClean="0"/>
+              <a:rPr lang="en-IN" dirty="0" err="1"/>
               <a:t>citNo</a:t>
             </a:r>
             <a:r>
-              <a:rPr lang="en-IN" dirty="0" smtClean="0"/>
+              <a:rPr lang="en-IN" dirty="0"/>
               <a:t>;</a:t>
             </a:r>
           </a:p>
@@ -17320,7 +16842,7 @@
               <a:buNone/>
             </a:pPr>
             <a:r>
-              <a:rPr lang="en-IN" dirty="0" smtClean="0"/>
+              <a:rPr lang="en-IN" dirty="0"/>
               <a:t>    float salary;</a:t>
             </a:r>
           </a:p>
@@ -17329,7 +16851,7 @@
               <a:buNone/>
             </a:pPr>
             <a:r>
-              <a:rPr lang="en-IN" dirty="0" smtClean="0"/>
+              <a:rPr lang="en-IN" dirty="0"/>
               <a:t>};</a:t>
             </a:r>
           </a:p>
@@ -17337,18 +16859,18 @@
             <a:pPr marL="0" indent="0">
               <a:buNone/>
             </a:pPr>
-            <a:endParaRPr lang="en-IN" dirty="0" smtClean="0"/>
-          </a:p>
-          <a:p>
-            <a:pPr marL="0" indent="0">
-              <a:buNone/>
-            </a:pPr>
-            <a:r>
-              <a:rPr lang="en-IN" dirty="0" err="1" smtClean="0"/>
+            <a:endParaRPr lang="en-IN" dirty="0"/>
+          </a:p>
+          <a:p>
+            <a:pPr marL="0" indent="0">
+              <a:buNone/>
+            </a:pPr>
+            <a:r>
+              <a:rPr lang="en-IN" dirty="0" err="1"/>
               <a:t>int</a:t>
             </a:r>
             <a:r>
-              <a:rPr lang="en-IN" dirty="0" smtClean="0"/>
+              <a:rPr lang="en-IN" dirty="0"/>
               <a:t> main()</a:t>
             </a:r>
           </a:p>
@@ -17357,7 +16879,7 @@
               <a:buNone/>
             </a:pPr>
             <a:r>
-              <a:rPr lang="en-IN" dirty="0" smtClean="0"/>
+              <a:rPr lang="en-IN" dirty="0"/>
               <a:t>{</a:t>
             </a:r>
           </a:p>
@@ -17369,18 +16891,17 @@
               <a:rPr lang="en-IN" dirty="0"/>
               <a:t> </a:t>
             </a:r>
-            <a:endParaRPr lang="en-IN" dirty="0" smtClean="0"/>
-          </a:p>
-          <a:p>
-            <a:pPr marL="0" indent="0">
-              <a:buNone/>
-            </a:pPr>
-            <a:r>
-              <a:rPr lang="en-IN" dirty="0" err="1" smtClean="0"/>
+          </a:p>
+          <a:p>
+            <a:pPr marL="0" indent="0">
+              <a:buNone/>
+            </a:pPr>
+            <a:r>
+              <a:rPr lang="en-IN" dirty="0" err="1"/>
               <a:t>struct</a:t>
             </a:r>
             <a:r>
-              <a:rPr lang="en-IN" dirty="0" smtClean="0"/>
+              <a:rPr lang="en-IN" dirty="0"/>
               <a:t> person person1, person2;</a:t>
             </a:r>
           </a:p>
@@ -17389,7 +16910,7 @@
               <a:buNone/>
             </a:pPr>
             <a:r>
-              <a:rPr lang="en-IN" dirty="0" smtClean="0"/>
+              <a:rPr lang="en-IN" dirty="0"/>
               <a:t>    return 0;</a:t>
             </a:r>
           </a:p>
@@ -17398,10 +16919,9 @@
               <a:buNone/>
             </a:pPr>
             <a:r>
-              <a:rPr lang="en-IN" dirty="0" smtClean="0"/>
+              <a:rPr lang="en-IN" dirty="0"/>
               <a:t>}</a:t>
             </a:r>
-            <a:endParaRPr lang="en-IN" dirty="0"/>
           </a:p>
         </p:txBody>
       </p:sp>
@@ -17436,11 +16956,11 @@
               <a:buNone/>
             </a:pPr>
             <a:r>
-              <a:rPr lang="en-IN" dirty="0" err="1" smtClean="0"/>
+              <a:rPr lang="en-IN" dirty="0" err="1"/>
               <a:t>struct</a:t>
             </a:r>
             <a:r>
-              <a:rPr lang="en-IN" dirty="0" smtClean="0"/>
+              <a:rPr lang="en-IN" dirty="0"/>
               <a:t> person</a:t>
             </a:r>
           </a:p>
@@ -17449,7 +16969,7 @@
               <a:buNone/>
             </a:pPr>
             <a:r>
-              <a:rPr lang="en-IN" dirty="0" smtClean="0"/>
+              <a:rPr lang="en-IN" dirty="0"/>
               <a:t>{</a:t>
             </a:r>
           </a:p>
@@ -17458,7 +16978,7 @@
               <a:buNone/>
             </a:pPr>
             <a:r>
-              <a:rPr lang="en-IN" dirty="0" smtClean="0"/>
+              <a:rPr lang="en-IN" dirty="0"/>
               <a:t>    char name[50];</a:t>
             </a:r>
           </a:p>
@@ -17467,23 +16987,23 @@
               <a:buNone/>
             </a:pPr>
             <a:r>
-              <a:rPr lang="en-IN" dirty="0" smtClean="0"/>
+              <a:rPr lang="en-IN" dirty="0"/>
               <a:t>    </a:t>
             </a:r>
             <a:r>
-              <a:rPr lang="en-IN" dirty="0" err="1" smtClean="0"/>
+              <a:rPr lang="en-IN" dirty="0" err="1"/>
               <a:t>int</a:t>
             </a:r>
             <a:r>
-              <a:rPr lang="en-IN" dirty="0" smtClean="0"/>
+              <a:rPr lang="en-IN" dirty="0"/>
               <a:t> </a:t>
             </a:r>
             <a:r>
-              <a:rPr lang="en-IN" dirty="0" err="1" smtClean="0"/>
+              <a:rPr lang="en-IN" dirty="0" err="1"/>
               <a:t>citNo</a:t>
             </a:r>
             <a:r>
-              <a:rPr lang="en-IN" dirty="0" smtClean="0"/>
+              <a:rPr lang="en-IN" dirty="0"/>
               <a:t>;</a:t>
             </a:r>
           </a:p>
@@ -17492,7 +17012,7 @@
               <a:buNone/>
             </a:pPr>
             <a:r>
-              <a:rPr lang="en-IN" dirty="0" smtClean="0"/>
+              <a:rPr lang="en-IN" dirty="0"/>
               <a:t>    float salary;</a:t>
             </a:r>
           </a:p>
@@ -17501,10 +17021,9 @@
               <a:buNone/>
             </a:pPr>
             <a:r>
-              <a:rPr lang="en-IN" dirty="0" smtClean="0"/>
+              <a:rPr lang="en-IN" dirty="0"/>
               <a:t>} person1, person2;</a:t>
             </a:r>
-            <a:endParaRPr lang="en-IN" dirty="0"/>
           </a:p>
         </p:txBody>
       </p:sp>
@@ -17575,7 +17094,7 @@
           <a:lstStyle/>
           <a:p>
             <a:r>
-              <a:rPr lang="en-US" dirty="0" smtClean="0"/>
+              <a:rPr lang="en-US" dirty="0"/>
               <a:t>Person 1</a:t>
             </a:r>
             <a:endParaRPr lang="en-IN" dirty="0"/>
@@ -17605,7 +17124,7 @@
           <a:lstStyle/>
           <a:p>
             <a:r>
-              <a:rPr lang="en-US" dirty="0" smtClean="0"/>
+              <a:rPr lang="en-US" dirty="0"/>
               <a:t>Person 2</a:t>
             </a:r>
             <a:endParaRPr lang="en-IN" dirty="0"/>
@@ -17622,13 +17141,6 @@
   <p:clrMapOvr>
     <a:masterClrMapping/>
   </p:clrMapOvr>
-  <p:timing>
-    <p:tnLst>
-      <p:par>
-        <p:cTn id="1" dur="indefinite" restart="never" nodeType="tmRoot"/>
-      </p:par>
-    </p:tnLst>
-  </p:timing>
 </p:sld>
 </file>
 
@@ -17673,11 +17185,7 @@
           <a:p>
             <a:r>
               <a:rPr lang="en-IN" b="1" dirty="0"/>
-              <a:t>Accessing members of a </a:t>
-            </a:r>
-            <a:r>
-              <a:rPr lang="en-IN" b="1" dirty="0" smtClean="0"/>
-              <a:t>structure</a:t>
+              <a:t>Accessing members of a structure</a:t>
             </a:r>
             <a:endParaRPr lang="en-IN" dirty="0"/>
           </a:p>
@@ -17706,21 +17214,21 @@
           <a:lstStyle/>
           <a:p>
             <a:r>
-              <a:rPr lang="en-IN" dirty="0" smtClean="0"/>
+              <a:rPr lang="en-IN" dirty="0"/>
               <a:t>There are two types of operators used for accessing members of a structure.</a:t>
             </a:r>
           </a:p>
           <a:p>
             <a:pPr lvl="1"/>
             <a:r>
-              <a:rPr lang="en-IN" dirty="0" smtClean="0"/>
+              <a:rPr lang="en-IN" dirty="0"/>
               <a:t>Member operator(.)</a:t>
             </a:r>
           </a:p>
           <a:p>
             <a:pPr lvl="1"/>
             <a:r>
-              <a:rPr lang="en-IN" dirty="0" smtClean="0"/>
+              <a:rPr lang="en-IN" dirty="0"/>
               <a:t>Structure pointer operator(-&gt;)</a:t>
             </a:r>
           </a:p>
@@ -17728,27 +17236,27 @@
             <a:pPr marL="457200" lvl="1" indent="0">
               <a:buNone/>
             </a:pPr>
-            <a:endParaRPr lang="en-IN" dirty="0" smtClean="0"/>
-          </a:p>
-          <a:p>
-            <a:r>
-              <a:rPr lang="en-IN" dirty="0" smtClean="0"/>
+            <a:endParaRPr lang="en-IN" dirty="0"/>
+          </a:p>
+          <a:p>
+            <a:r>
+              <a:rPr lang="en-IN" dirty="0"/>
               <a:t>Any member of a structure can be accessed as:</a:t>
             </a:r>
           </a:p>
           <a:p>
-            <a:endParaRPr lang="en-IN" dirty="0" smtClean="0"/>
-          </a:p>
-          <a:p>
-            <a:pPr marL="0" indent="0">
-              <a:buNone/>
-            </a:pPr>
-            <a:r>
-              <a:rPr lang="en-IN" dirty="0" smtClean="0"/>
+            <a:endParaRPr lang="en-IN" dirty="0"/>
+          </a:p>
+          <a:p>
+            <a:pPr marL="0" indent="0">
+              <a:buNone/>
+            </a:pPr>
+            <a:r>
+              <a:rPr lang="en-IN" dirty="0"/>
               <a:t>	</a:t>
             </a:r>
             <a:r>
-              <a:rPr lang="en-IN" dirty="0" smtClean="0">
+              <a:rPr lang="en-IN" dirty="0">
                 <a:solidFill>
                   <a:srgbClr val="FF0000"/>
                 </a:solidFill>
@@ -17760,7 +17268,7 @@
             <a:pPr marL="0" indent="0">
               <a:buNone/>
             </a:pPr>
-            <a:endParaRPr lang="en-IN" dirty="0" smtClean="0">
+            <a:endParaRPr lang="en-IN" dirty="0">
               <a:solidFill>
                 <a:srgbClr val="FF0000"/>
               </a:solidFill>
@@ -17768,34 +17276,29 @@
           </a:p>
           <a:p>
             <a:r>
-              <a:rPr lang="en-IN" dirty="0" smtClean="0"/>
+              <a:rPr lang="en-IN" dirty="0"/>
               <a:t>Suppose, we want to access salary for variable person2. Then, it can be accessed as:</a:t>
             </a:r>
           </a:p>
           <a:p>
-            <a:endParaRPr lang="en-IN" dirty="0" smtClean="0"/>
-          </a:p>
-          <a:p>
-            <a:pPr marL="0" indent="0">
-              <a:buNone/>
-            </a:pPr>
-            <a:r>
-              <a:rPr lang="en-IN" dirty="0" smtClean="0"/>
+            <a:endParaRPr lang="en-IN" dirty="0"/>
+          </a:p>
+          <a:p>
+            <a:pPr marL="0" indent="0">
+              <a:buNone/>
+            </a:pPr>
+            <a:r>
+              <a:rPr lang="en-IN" dirty="0"/>
               <a:t>	</a:t>
             </a:r>
             <a:r>
-              <a:rPr lang="en-IN" dirty="0" smtClean="0">
+              <a:rPr lang="en-IN" dirty="0">
                 <a:solidFill>
                   <a:srgbClr val="FF0000"/>
                 </a:solidFill>
               </a:rPr>
               <a:t>person2.salary</a:t>
             </a:r>
-            <a:endParaRPr lang="en-IN" dirty="0">
-              <a:solidFill>
-                <a:srgbClr val="FF0000"/>
-              </a:solidFill>
-            </a:endParaRPr>
           </a:p>
         </p:txBody>
       </p:sp>
@@ -17809,13 +17312,6 @@
   <p:clrMapOvr>
     <a:masterClrMapping/>
   </p:clrMapOvr>
-  <p:timing>
-    <p:tnLst>
-      <p:par>
-        <p:cTn id="1" dur="indefinite" restart="never" nodeType="tmRoot"/>
-      </p:par>
-    </p:tnLst>
-  </p:timing>
 </p:sld>
 </file>
 
@@ -17859,12 +17355,8 @@
           <a:lstStyle/>
           <a:p>
             <a:r>
-              <a:rPr lang="en-IN" b="1" i="1" dirty="0" smtClean="0"/>
-              <a:t>Initialize </a:t>
-            </a:r>
-            <a:r>
               <a:rPr lang="en-IN" b="1" i="1" dirty="0"/>
-              <a:t>structure members</a:t>
+              <a:t>Initialize structure members</a:t>
             </a:r>
             <a:endParaRPr lang="en-IN" dirty="0"/>
           </a:p>
@@ -17893,19 +17385,19 @@
           <a:lstStyle/>
           <a:p>
             <a:r>
-              <a:rPr lang="en-IN" dirty="0" smtClean="0"/>
+              <a:rPr lang="en-IN" dirty="0"/>
               <a:t>Structure members cannot be initialized with declaration. For example the following C program fails in compilation.</a:t>
             </a:r>
           </a:p>
           <a:p>
-            <a:endParaRPr lang="en-IN" dirty="0" smtClean="0"/>
-          </a:p>
-          <a:p>
-            <a:pPr marL="0" indent="0">
-              <a:buNone/>
-            </a:pPr>
-            <a:r>
-              <a:rPr lang="en-IN" dirty="0" err="1" smtClean="0">
+            <a:endParaRPr lang="en-IN" dirty="0"/>
+          </a:p>
+          <a:p>
+            <a:pPr marL="0" indent="0">
+              <a:buNone/>
+            </a:pPr>
+            <a:r>
+              <a:rPr lang="en-IN" dirty="0" err="1">
                 <a:solidFill>
                   <a:srgbClr val="FF0000"/>
                 </a:solidFill>
@@ -17913,7 +17405,7 @@
               <a:t>struct</a:t>
             </a:r>
             <a:r>
-              <a:rPr lang="en-IN" dirty="0" smtClean="0">
+              <a:rPr lang="en-IN" dirty="0">
                 <a:solidFill>
                   <a:srgbClr val="FF0000"/>
                 </a:solidFill>
@@ -17926,7 +17418,7 @@
               <a:buNone/>
             </a:pPr>
             <a:r>
-              <a:rPr lang="en-IN" dirty="0" smtClean="0">
+              <a:rPr lang="en-IN" dirty="0">
                 <a:solidFill>
                   <a:srgbClr val="FF0000"/>
                 </a:solidFill>
@@ -17939,7 +17431,7 @@
               <a:buNone/>
             </a:pPr>
             <a:r>
-              <a:rPr lang="en-IN" dirty="0" smtClean="0">
+              <a:rPr lang="en-IN" dirty="0">
                 <a:solidFill>
                   <a:srgbClr val="FF0000"/>
                 </a:solidFill>
@@ -17947,7 +17439,7 @@
               <a:t>   </a:t>
             </a:r>
             <a:r>
-              <a:rPr lang="en-IN" dirty="0" err="1" smtClean="0">
+              <a:rPr lang="en-IN" dirty="0" err="1">
                 <a:solidFill>
                   <a:srgbClr val="FF0000"/>
                 </a:solidFill>
@@ -17955,7 +17447,7 @@
               <a:t>int</a:t>
             </a:r>
             <a:r>
-              <a:rPr lang="en-IN" dirty="0" smtClean="0">
+              <a:rPr lang="en-IN" dirty="0">
                 <a:solidFill>
                   <a:srgbClr val="FF0000"/>
                 </a:solidFill>
@@ -17968,7 +17460,7 @@
               <a:buNone/>
             </a:pPr>
             <a:r>
-              <a:rPr lang="en-IN" dirty="0" smtClean="0">
+              <a:rPr lang="en-IN" dirty="0">
                 <a:solidFill>
                   <a:srgbClr val="FF0000"/>
                 </a:solidFill>
@@ -17976,7 +17468,7 @@
               <a:t>   </a:t>
             </a:r>
             <a:r>
-              <a:rPr lang="en-IN" dirty="0" err="1" smtClean="0">
+              <a:rPr lang="en-IN" dirty="0" err="1">
                 <a:solidFill>
                   <a:srgbClr val="FF0000"/>
                 </a:solidFill>
@@ -17984,7 +17476,7 @@
               <a:t>int</a:t>
             </a:r>
             <a:r>
-              <a:rPr lang="en-IN" dirty="0" smtClean="0">
+              <a:rPr lang="en-IN" dirty="0">
                 <a:solidFill>
                   <a:srgbClr val="FF0000"/>
                 </a:solidFill>
@@ -17997,7 +17489,7 @@
               <a:buNone/>
             </a:pPr>
             <a:r>
-              <a:rPr lang="en-IN" dirty="0" smtClean="0">
+              <a:rPr lang="en-IN" dirty="0">
                 <a:solidFill>
                   <a:srgbClr val="FF0000"/>
                 </a:solidFill>
@@ -18009,14 +17501,14 @@
             <a:pPr marL="0" indent="0">
               <a:buNone/>
             </a:pPr>
-            <a:endParaRPr lang="en-IN" dirty="0" smtClean="0"/>
-          </a:p>
-          <a:p>
-            <a:pPr marL="0" indent="0">
-              <a:buNone/>
-            </a:pPr>
-            <a:r>
-              <a:rPr lang="en-IN" dirty="0" err="1" smtClean="0">
+            <a:endParaRPr lang="en-IN" dirty="0"/>
+          </a:p>
+          <a:p>
+            <a:pPr marL="0" indent="0">
+              <a:buNone/>
+            </a:pPr>
+            <a:r>
+              <a:rPr lang="en-IN" dirty="0" err="1">
                 <a:solidFill>
                   <a:srgbClr val="006C31"/>
                 </a:solidFill>
@@ -18024,7 +17516,7 @@
               <a:t>struct</a:t>
             </a:r>
             <a:r>
-              <a:rPr lang="en-IN" dirty="0" smtClean="0">
+              <a:rPr lang="en-IN" dirty="0">
                 <a:solidFill>
                   <a:srgbClr val="006C31"/>
                 </a:solidFill>
@@ -18037,7 +17529,7 @@
               <a:buNone/>
             </a:pPr>
             <a:r>
-              <a:rPr lang="en-IN" dirty="0" smtClean="0">
+              <a:rPr lang="en-IN" dirty="0">
                 <a:solidFill>
                   <a:srgbClr val="006C31"/>
                 </a:solidFill>
@@ -18050,7 +17542,7 @@
               <a:buNone/>
             </a:pPr>
             <a:r>
-              <a:rPr lang="en-IN" dirty="0" smtClean="0">
+              <a:rPr lang="en-IN" dirty="0">
                 <a:solidFill>
                   <a:srgbClr val="006C31"/>
                 </a:solidFill>
@@ -18058,7 +17550,7 @@
               <a:t>   </a:t>
             </a:r>
             <a:r>
-              <a:rPr lang="en-IN" dirty="0" err="1" smtClean="0">
+              <a:rPr lang="en-IN" dirty="0" err="1">
                 <a:solidFill>
                   <a:srgbClr val="006C31"/>
                 </a:solidFill>
@@ -18066,7 +17558,7 @@
               <a:t>int</a:t>
             </a:r>
             <a:r>
-              <a:rPr lang="en-IN" dirty="0" smtClean="0">
+              <a:rPr lang="en-IN" dirty="0">
                 <a:solidFill>
                   <a:srgbClr val="006C31"/>
                 </a:solidFill>
@@ -18079,7 +17571,7 @@
               <a:buNone/>
             </a:pPr>
             <a:r>
-              <a:rPr lang="en-IN" dirty="0" smtClean="0">
+              <a:rPr lang="en-IN" dirty="0">
                 <a:solidFill>
                   <a:srgbClr val="006C31"/>
                 </a:solidFill>
@@ -18092,7 +17584,7 @@
               <a:buNone/>
             </a:pPr>
             <a:r>
-              <a:rPr lang="en-IN" dirty="0" smtClean="0">
+              <a:rPr lang="en-IN" dirty="0">
                 <a:solidFill>
                   <a:srgbClr val="006C31"/>
                 </a:solidFill>
@@ -18100,7 +17592,7 @@
               <a:t> </a:t>
             </a:r>
             <a:r>
-              <a:rPr lang="en-IN" dirty="0" err="1" smtClean="0">
+              <a:rPr lang="en-IN" dirty="0" err="1">
                 <a:solidFill>
                   <a:srgbClr val="006C31"/>
                 </a:solidFill>
@@ -18108,7 +17600,7 @@
               <a:t>int</a:t>
             </a:r>
             <a:r>
-              <a:rPr lang="en-IN" dirty="0" smtClean="0">
+              <a:rPr lang="en-IN" dirty="0">
                 <a:solidFill>
                   <a:srgbClr val="006C31"/>
                 </a:solidFill>
@@ -18121,7 +17613,7 @@
               <a:buNone/>
             </a:pPr>
             <a:r>
-              <a:rPr lang="en-IN" dirty="0" smtClean="0">
+              <a:rPr lang="en-IN" dirty="0">
                 <a:solidFill>
                   <a:srgbClr val="006C31"/>
                 </a:solidFill>
@@ -18134,7 +17626,7 @@
               <a:buNone/>
             </a:pPr>
             <a:r>
-              <a:rPr lang="en-IN" dirty="0" err="1" smtClean="0">
+              <a:rPr lang="en-IN" dirty="0" err="1">
                 <a:solidFill>
                   <a:srgbClr val="006C31"/>
                 </a:solidFill>
@@ -18142,7 +17634,7 @@
               <a:t>struct</a:t>
             </a:r>
             <a:r>
-              <a:rPr lang="en-IN" dirty="0" smtClean="0">
+              <a:rPr lang="en-IN" dirty="0">
                 <a:solidFill>
                   <a:srgbClr val="006C31"/>
                 </a:solidFill>
@@ -18155,18 +17647,13 @@
               <a:buNone/>
             </a:pPr>
             <a:r>
-              <a:rPr lang="en-IN" dirty="0" smtClean="0">
+              <a:rPr lang="en-IN" dirty="0">
                 <a:solidFill>
                   <a:srgbClr val="006C31"/>
                 </a:solidFill>
               </a:rPr>
               <a:t>}</a:t>
             </a:r>
-            <a:endParaRPr lang="en-IN" dirty="0">
-              <a:solidFill>
-                <a:srgbClr val="006C31"/>
-              </a:solidFill>
-            </a:endParaRPr>
           </a:p>
         </p:txBody>
       </p:sp>
@@ -18180,13 +17667,6 @@
   <p:clrMapOvr>
     <a:masterClrMapping/>
   </p:clrMapOvr>
-  <p:timing>
-    <p:tnLst>
-      <p:par>
-        <p:cTn id="1" dur="indefinite" restart="never" nodeType="tmRoot"/>
-      </p:par>
-    </p:tnLst>
-  </p:timing>
 </p:sld>
 </file>
 
@@ -18231,19 +17711,7 @@
           <a:p>
             <a:r>
               <a:rPr lang="en-IN" sz="2800" b="1" dirty="0"/>
-              <a:t>Example of </a:t>
-            </a:r>
-            <a:r>
-              <a:rPr lang="en-IN" sz="2800" b="1" dirty="0" smtClean="0"/>
-              <a:t>structure (To </a:t>
-            </a:r>
-            <a:r>
-              <a:rPr lang="en-IN" sz="2800" b="1" dirty="0"/>
-              <a:t>add two distances entered by </a:t>
-            </a:r>
-            <a:r>
-              <a:rPr lang="en-IN" sz="2800" b="1" dirty="0" smtClean="0"/>
-              <a:t>user)</a:t>
+              <a:t>Example of structure (To add two distances entered by user)</a:t>
             </a:r>
             <a:endParaRPr lang="en-IN" sz="2800" dirty="0"/>
           </a:p>
@@ -18280,15 +17748,15 @@
               <a:buNone/>
             </a:pPr>
             <a:r>
-              <a:rPr lang="en-IN" dirty="0" smtClean="0"/>
+              <a:rPr lang="en-IN" dirty="0"/>
               <a:t>#include &lt;</a:t>
             </a:r>
             <a:r>
-              <a:rPr lang="en-IN" dirty="0" err="1" smtClean="0"/>
+              <a:rPr lang="en-IN" dirty="0" err="1"/>
               <a:t>stdio.h</a:t>
             </a:r>
             <a:r>
-              <a:rPr lang="en-IN" dirty="0" smtClean="0"/>
+              <a:rPr lang="en-IN" dirty="0"/>
               <a:t>&gt;</a:t>
             </a:r>
           </a:p>
@@ -18297,11 +17765,11 @@
               <a:buNone/>
             </a:pPr>
             <a:r>
-              <a:rPr lang="en-IN" dirty="0" err="1" smtClean="0"/>
+              <a:rPr lang="en-IN" dirty="0" err="1"/>
               <a:t>struct</a:t>
             </a:r>
             <a:r>
-              <a:rPr lang="en-IN" dirty="0" smtClean="0"/>
+              <a:rPr lang="en-IN" dirty="0"/>
               <a:t> Distance</a:t>
             </a:r>
           </a:p>
@@ -18310,7 +17778,7 @@
               <a:buNone/>
             </a:pPr>
             <a:r>
-              <a:rPr lang="en-IN" dirty="0" smtClean="0"/>
+              <a:rPr lang="en-IN" dirty="0"/>
               <a:t>{</a:t>
             </a:r>
           </a:p>
@@ -18319,15 +17787,15 @@
               <a:buNone/>
             </a:pPr>
             <a:r>
-              <a:rPr lang="en-IN" dirty="0" smtClean="0"/>
+              <a:rPr lang="en-IN" dirty="0"/>
               <a:t>    </a:t>
             </a:r>
             <a:r>
-              <a:rPr lang="en-IN" dirty="0" err="1" smtClean="0"/>
+              <a:rPr lang="en-IN" dirty="0" err="1"/>
               <a:t>int</a:t>
             </a:r>
             <a:r>
-              <a:rPr lang="en-IN" dirty="0" smtClean="0"/>
+              <a:rPr lang="en-IN" dirty="0"/>
               <a:t> feet;</a:t>
             </a:r>
           </a:p>
@@ -18336,7 +17804,7 @@
               <a:buNone/>
             </a:pPr>
             <a:r>
-              <a:rPr lang="en-IN" dirty="0" smtClean="0"/>
+              <a:rPr lang="en-IN" dirty="0"/>
               <a:t>    float inch;</a:t>
             </a:r>
           </a:p>
@@ -18345,15 +17813,15 @@
               <a:buNone/>
             </a:pPr>
             <a:r>
-              <a:rPr lang="en-IN" dirty="0" smtClean="0"/>
+              <a:rPr lang="en-IN" dirty="0"/>
               <a:t>} </a:t>
             </a:r>
             <a:r>
-              <a:rPr lang="en-IN" b="1" dirty="0" smtClean="0"/>
+              <a:rPr lang="en-IN" b="1" dirty="0"/>
               <a:t>dist1, dist2, sum</a:t>
             </a:r>
             <a:r>
-              <a:rPr lang="en-IN" dirty="0" smtClean="0"/>
+              <a:rPr lang="en-IN" dirty="0"/>
               <a:t>;</a:t>
             </a:r>
           </a:p>
@@ -18361,18 +17829,18 @@
             <a:pPr marL="0" indent="0">
               <a:buNone/>
             </a:pPr>
-            <a:endParaRPr lang="en-IN" dirty="0" smtClean="0"/>
-          </a:p>
-          <a:p>
-            <a:pPr marL="0" indent="0">
-              <a:buNone/>
-            </a:pPr>
-            <a:r>
-              <a:rPr lang="en-IN" dirty="0" err="1" smtClean="0"/>
+            <a:endParaRPr lang="en-IN" dirty="0"/>
+          </a:p>
+          <a:p>
+            <a:pPr marL="0" indent="0">
+              <a:buNone/>
+            </a:pPr>
+            <a:r>
+              <a:rPr lang="en-IN" dirty="0" err="1"/>
               <a:t>int</a:t>
             </a:r>
             <a:r>
-              <a:rPr lang="en-IN" dirty="0" smtClean="0"/>
+              <a:rPr lang="en-IN" dirty="0"/>
               <a:t> main()</a:t>
             </a:r>
           </a:p>
@@ -18381,7 +17849,7 @@
               <a:buNone/>
             </a:pPr>
             <a:r>
-              <a:rPr lang="en-IN" dirty="0" smtClean="0"/>
+              <a:rPr lang="en-IN" dirty="0"/>
               <a:t>{</a:t>
             </a:r>
           </a:p>
@@ -18390,15 +17858,15 @@
               <a:buNone/>
             </a:pPr>
             <a:r>
-              <a:rPr lang="en-IN" dirty="0" smtClean="0"/>
+              <a:rPr lang="en-IN" dirty="0"/>
               <a:t>    </a:t>
             </a:r>
             <a:r>
-              <a:rPr lang="en-IN" dirty="0" err="1" smtClean="0"/>
+              <a:rPr lang="en-IN" dirty="0" err="1"/>
               <a:t>printf</a:t>
             </a:r>
             <a:r>
-              <a:rPr lang="en-IN" dirty="0" smtClean="0"/>
+              <a:rPr lang="en-IN" dirty="0"/>
               <a:t>("1st distance\n");</a:t>
             </a:r>
           </a:p>
@@ -18406,22 +17874,22 @@
             <a:pPr marL="0" indent="0">
               <a:buNone/>
             </a:pPr>
-            <a:endParaRPr lang="en-IN" dirty="0" smtClean="0"/>
-          </a:p>
-          <a:p>
-            <a:pPr marL="0" indent="0">
-              <a:buNone/>
-            </a:pPr>
-            <a:r>
-              <a:rPr lang="en-IN" dirty="0" smtClean="0"/>
+            <a:endParaRPr lang="en-IN" dirty="0"/>
+          </a:p>
+          <a:p>
+            <a:pPr marL="0" indent="0">
+              <a:buNone/>
+            </a:pPr>
+            <a:r>
+              <a:rPr lang="en-IN" dirty="0"/>
               <a:t>   </a:t>
             </a:r>
             <a:r>
-              <a:rPr lang="en-IN" dirty="0" err="1" smtClean="0"/>
+              <a:rPr lang="en-IN" dirty="0" err="1"/>
               <a:t>printf</a:t>
             </a:r>
             <a:r>
-              <a:rPr lang="en-IN" dirty="0" smtClean="0"/>
+              <a:rPr lang="en-IN" dirty="0"/>
               <a:t>("Enter feet: ");</a:t>
             </a:r>
           </a:p>
@@ -18430,23 +17898,23 @@
               <a:buNone/>
             </a:pPr>
             <a:r>
-              <a:rPr lang="en-IN" dirty="0" smtClean="0"/>
+              <a:rPr lang="en-IN" dirty="0"/>
               <a:t>    </a:t>
             </a:r>
             <a:r>
-              <a:rPr lang="en-IN" dirty="0" err="1" smtClean="0"/>
+              <a:rPr lang="en-IN" dirty="0" err="1"/>
               <a:t>scanf</a:t>
             </a:r>
             <a:r>
-              <a:rPr lang="en-IN" dirty="0" smtClean="0"/>
+              <a:rPr lang="en-IN" dirty="0"/>
               <a:t>("%d", </a:t>
             </a:r>
             <a:r>
-              <a:rPr lang="en-IN" b="1" dirty="0" smtClean="0"/>
+              <a:rPr lang="en-IN" b="1" dirty="0"/>
               <a:t>&amp;dist1.feet</a:t>
             </a:r>
             <a:r>
-              <a:rPr lang="en-IN" dirty="0" smtClean="0"/>
+              <a:rPr lang="en-IN" dirty="0"/>
               <a:t>);</a:t>
             </a:r>
           </a:p>
@@ -18454,22 +17922,22 @@
             <a:pPr marL="0" indent="0">
               <a:buNone/>
             </a:pPr>
-            <a:endParaRPr lang="en-IN" dirty="0" smtClean="0"/>
-          </a:p>
-          <a:p>
-            <a:pPr marL="0" indent="0">
-              <a:buNone/>
-            </a:pPr>
-            <a:r>
-              <a:rPr lang="en-IN" dirty="0" smtClean="0"/>
+            <a:endParaRPr lang="en-IN" dirty="0"/>
+          </a:p>
+          <a:p>
+            <a:pPr marL="0" indent="0">
+              <a:buNone/>
+            </a:pPr>
+            <a:r>
+              <a:rPr lang="en-IN" dirty="0"/>
               <a:t>    </a:t>
             </a:r>
             <a:r>
-              <a:rPr lang="en-IN" dirty="0" err="1" smtClean="0"/>
+              <a:rPr lang="en-IN" dirty="0" err="1"/>
               <a:t>printf</a:t>
             </a:r>
             <a:r>
-              <a:rPr lang="en-IN" dirty="0" smtClean="0"/>
+              <a:rPr lang="en-IN" dirty="0"/>
               <a:t>("Enter inch: ");</a:t>
             </a:r>
           </a:p>
@@ -18478,23 +17946,23 @@
               <a:buNone/>
             </a:pPr>
             <a:r>
-              <a:rPr lang="en-IN" dirty="0" smtClean="0"/>
+              <a:rPr lang="en-IN" dirty="0"/>
               <a:t>    </a:t>
             </a:r>
             <a:r>
-              <a:rPr lang="en-IN" dirty="0" err="1" smtClean="0"/>
+              <a:rPr lang="en-IN" dirty="0" err="1"/>
               <a:t>scanf</a:t>
             </a:r>
             <a:r>
-              <a:rPr lang="en-IN" dirty="0" smtClean="0"/>
+              <a:rPr lang="en-IN" dirty="0"/>
               <a:t>("%f", </a:t>
             </a:r>
             <a:r>
-              <a:rPr lang="en-IN" b="1" dirty="0" smtClean="0"/>
+              <a:rPr lang="en-IN" b="1" dirty="0"/>
               <a:t>&amp;dist1.inch</a:t>
             </a:r>
             <a:r>
-              <a:rPr lang="en-IN" dirty="0" smtClean="0"/>
+              <a:rPr lang="en-IN" dirty="0"/>
               <a:t>);</a:t>
             </a:r>
           </a:p>
@@ -18502,22 +17970,22 @@
             <a:pPr marL="0" indent="0">
               <a:buNone/>
             </a:pPr>
-            <a:endParaRPr lang="en-IN" dirty="0" smtClean="0"/>
-          </a:p>
-          <a:p>
-            <a:pPr marL="0" indent="0">
-              <a:buNone/>
-            </a:pPr>
-            <a:r>
-              <a:rPr lang="en-IN" dirty="0" smtClean="0"/>
+            <a:endParaRPr lang="en-IN" dirty="0"/>
+          </a:p>
+          <a:p>
+            <a:pPr marL="0" indent="0">
+              <a:buNone/>
+            </a:pPr>
+            <a:r>
+              <a:rPr lang="en-IN" dirty="0"/>
               <a:t>    </a:t>
             </a:r>
             <a:r>
-              <a:rPr lang="en-IN" dirty="0" err="1" smtClean="0"/>
+              <a:rPr lang="en-IN" dirty="0" err="1"/>
               <a:t>printf</a:t>
             </a:r>
             <a:r>
-              <a:rPr lang="en-IN" dirty="0" smtClean="0"/>
+              <a:rPr lang="en-IN" dirty="0"/>
               <a:t>("2nd distance\n");</a:t>
             </a:r>
           </a:p>
@@ -18527,18 +17995,14 @@
             </a:pPr>
             <a:r>
               <a:rPr lang="en-IN" dirty="0"/>
-              <a:t> </a:t>
-            </a:r>
-            <a:r>
-              <a:rPr lang="en-IN" dirty="0" smtClean="0"/>
-              <a:t>   </a:t>
-            </a:r>
-            <a:r>
-              <a:rPr lang="en-IN" dirty="0" err="1" smtClean="0"/>
+              <a:t>    </a:t>
+            </a:r>
+            <a:r>
+              <a:rPr lang="en-IN" dirty="0" err="1"/>
               <a:t>printf</a:t>
             </a:r>
             <a:r>
-              <a:rPr lang="en-IN" dirty="0" smtClean="0"/>
+              <a:rPr lang="en-IN" dirty="0"/>
               <a:t>("Enter feet: ");</a:t>
             </a:r>
           </a:p>
@@ -18547,23 +18011,23 @@
               <a:buNone/>
             </a:pPr>
             <a:r>
-              <a:rPr lang="en-IN" dirty="0" smtClean="0"/>
+              <a:rPr lang="en-IN" dirty="0"/>
               <a:t>    </a:t>
             </a:r>
             <a:r>
-              <a:rPr lang="en-IN" dirty="0" err="1" smtClean="0"/>
+              <a:rPr lang="en-IN" dirty="0" err="1"/>
               <a:t>scanf</a:t>
             </a:r>
             <a:r>
-              <a:rPr lang="en-IN" dirty="0" smtClean="0"/>
+              <a:rPr lang="en-IN" dirty="0"/>
               <a:t>("%d", </a:t>
             </a:r>
             <a:r>
-              <a:rPr lang="en-IN" b="1" dirty="0" smtClean="0"/>
+              <a:rPr lang="en-IN" b="1" dirty="0"/>
               <a:t>&amp;dist2.feet</a:t>
             </a:r>
             <a:r>
-              <a:rPr lang="en-IN" dirty="0" smtClean="0"/>
+              <a:rPr lang="en-IN" dirty="0"/>
               <a:t>);</a:t>
             </a:r>
           </a:p>
@@ -18571,10 +18035,10 @@
             <a:pPr marL="0" indent="0">
               <a:buNone/>
             </a:pPr>
-            <a:endParaRPr lang="en-IN" dirty="0" smtClean="0"/>
-          </a:p>
-          <a:p>
-            <a:endParaRPr lang="en-IN" dirty="0" smtClean="0"/>
+            <a:endParaRPr lang="en-IN" dirty="0"/>
+          </a:p>
+          <a:p>
+            <a:endParaRPr lang="en-IN" dirty="0"/>
           </a:p>
         </p:txBody>
       </p:sp>
@@ -18609,15 +18073,15 @@
               <a:buNone/>
             </a:pPr>
             <a:r>
-              <a:rPr lang="en-IN" dirty="0" smtClean="0"/>
+              <a:rPr lang="en-IN" dirty="0"/>
               <a:t>    </a:t>
             </a:r>
             <a:r>
-              <a:rPr lang="en-IN" dirty="0" err="1" smtClean="0"/>
+              <a:rPr lang="en-IN" dirty="0" err="1"/>
               <a:t>printf</a:t>
             </a:r>
             <a:r>
-              <a:rPr lang="en-IN" dirty="0" smtClean="0"/>
+              <a:rPr lang="en-IN" dirty="0"/>
               <a:t>("Enter inch: ");</a:t>
             </a:r>
           </a:p>
@@ -18626,23 +18090,23 @@
               <a:buNone/>
             </a:pPr>
             <a:r>
-              <a:rPr lang="en-IN" dirty="0" smtClean="0"/>
+              <a:rPr lang="en-IN" dirty="0"/>
               <a:t>    </a:t>
             </a:r>
             <a:r>
-              <a:rPr lang="en-IN" dirty="0" err="1" smtClean="0"/>
+              <a:rPr lang="en-IN" dirty="0" err="1"/>
               <a:t>scanf</a:t>
             </a:r>
             <a:r>
-              <a:rPr lang="en-IN" dirty="0" smtClean="0"/>
+              <a:rPr lang="en-IN" dirty="0"/>
               <a:t>("%f", </a:t>
             </a:r>
             <a:r>
-              <a:rPr lang="en-IN" b="1" dirty="0" smtClean="0"/>
+              <a:rPr lang="en-IN" b="1" dirty="0"/>
               <a:t>&amp;dist2.inch</a:t>
             </a:r>
             <a:r>
-              <a:rPr lang="en-IN" dirty="0" smtClean="0"/>
+              <a:rPr lang="en-IN" dirty="0"/>
               <a:t>);</a:t>
             </a:r>
           </a:p>
@@ -18650,30 +18114,30 @@
             <a:pPr marL="0" indent="0">
               <a:buNone/>
             </a:pPr>
-            <a:endParaRPr lang="en-IN" dirty="0" smtClean="0"/>
-          </a:p>
-          <a:p>
-            <a:pPr marL="0" indent="0">
-              <a:buNone/>
-            </a:pPr>
-            <a:r>
-              <a:rPr lang="en-IN" dirty="0" smtClean="0"/>
+            <a:endParaRPr lang="en-IN" dirty="0"/>
+          </a:p>
+          <a:p>
+            <a:pPr marL="0" indent="0">
+              <a:buNone/>
+            </a:pPr>
+            <a:r>
+              <a:rPr lang="en-IN" dirty="0"/>
               <a:t>    </a:t>
             </a:r>
             <a:r>
-              <a:rPr lang="en-IN" dirty="0" err="1" smtClean="0"/>
+              <a:rPr lang="en-IN" dirty="0" err="1"/>
               <a:t>sum.feet</a:t>
             </a:r>
             <a:r>
-              <a:rPr lang="en-IN" dirty="0" smtClean="0"/>
+              <a:rPr lang="en-IN" dirty="0"/>
               <a:t> = </a:t>
             </a:r>
             <a:r>
-              <a:rPr lang="en-IN" b="1" dirty="0" smtClean="0"/>
+              <a:rPr lang="en-IN" b="1" dirty="0"/>
               <a:t>dist1.feet + dist2.feet</a:t>
             </a:r>
             <a:r>
-              <a:rPr lang="en-IN" dirty="0" smtClean="0"/>
+              <a:rPr lang="en-IN" dirty="0"/>
               <a:t>;</a:t>
             </a:r>
           </a:p>
@@ -18682,23 +18146,23 @@
               <a:buNone/>
             </a:pPr>
             <a:r>
-              <a:rPr lang="en-IN" dirty="0" smtClean="0"/>
+              <a:rPr lang="en-IN" dirty="0"/>
               <a:t>    </a:t>
             </a:r>
             <a:r>
-              <a:rPr lang="en-IN" dirty="0" err="1" smtClean="0"/>
+              <a:rPr lang="en-IN" dirty="0" err="1"/>
               <a:t>sum.inch</a:t>
             </a:r>
             <a:r>
-              <a:rPr lang="en-IN" dirty="0" smtClean="0"/>
+              <a:rPr lang="en-IN" dirty="0"/>
               <a:t> = </a:t>
             </a:r>
             <a:r>
-              <a:rPr lang="en-IN" b="1" dirty="0" smtClean="0"/>
+              <a:rPr lang="en-IN" b="1" dirty="0"/>
               <a:t>dist1.inch + dist2.inch</a:t>
             </a:r>
             <a:r>
-              <a:rPr lang="en-IN" dirty="0" smtClean="0"/>
+              <a:rPr lang="en-IN" dirty="0"/>
               <a:t>;</a:t>
             </a:r>
           </a:p>
@@ -18706,22 +18170,22 @@
             <a:pPr marL="0" indent="0">
               <a:buNone/>
             </a:pPr>
-            <a:endParaRPr lang="en-IN" dirty="0" smtClean="0"/>
-          </a:p>
-          <a:p>
-            <a:pPr marL="0" indent="0">
-              <a:buNone/>
-            </a:pPr>
-            <a:r>
-              <a:rPr lang="en-IN" dirty="0" smtClean="0"/>
+            <a:endParaRPr lang="en-IN" dirty="0"/>
+          </a:p>
+          <a:p>
+            <a:pPr marL="0" indent="0">
+              <a:buNone/>
+            </a:pPr>
+            <a:r>
+              <a:rPr lang="en-IN" dirty="0"/>
               <a:t>    if (</a:t>
             </a:r>
             <a:r>
-              <a:rPr lang="en-IN" dirty="0" err="1" smtClean="0"/>
+              <a:rPr lang="en-IN" dirty="0" err="1"/>
               <a:t>sum.inch</a:t>
             </a:r>
             <a:r>
-              <a:rPr lang="en-IN" dirty="0" smtClean="0"/>
+              <a:rPr lang="en-IN" dirty="0"/>
               <a:t> &gt; 12) </a:t>
             </a:r>
           </a:p>
@@ -18730,7 +18194,7 @@
               <a:buNone/>
             </a:pPr>
             <a:r>
-              <a:rPr lang="en-IN" dirty="0" smtClean="0"/>
+              <a:rPr lang="en-IN" dirty="0"/>
               <a:t>    {</a:t>
             </a:r>
           </a:p>
@@ -18739,7 +18203,7 @@
               <a:buNone/>
             </a:pPr>
             <a:r>
-              <a:rPr lang="en-IN" dirty="0" smtClean="0"/>
+              <a:rPr lang="en-IN" dirty="0"/>
               <a:t>      	</a:t>
             </a:r>
           </a:p>
@@ -18748,15 +18212,15 @@
               <a:buNone/>
             </a:pPr>
             <a:r>
-              <a:rPr lang="en-IN" dirty="0" smtClean="0"/>
+              <a:rPr lang="en-IN" dirty="0"/>
               <a:t>        ++</a:t>
             </a:r>
             <a:r>
-              <a:rPr lang="en-IN" dirty="0" err="1" smtClean="0"/>
+              <a:rPr lang="en-IN" dirty="0" err="1"/>
               <a:t>sum.feet</a:t>
             </a:r>
             <a:r>
-              <a:rPr lang="en-IN" dirty="0" smtClean="0"/>
+              <a:rPr lang="en-IN" dirty="0"/>
               <a:t>;</a:t>
             </a:r>
           </a:p>
@@ -18765,23 +18229,23 @@
               <a:buNone/>
             </a:pPr>
             <a:r>
-              <a:rPr lang="en-IN" dirty="0" smtClean="0"/>
+              <a:rPr lang="en-IN" dirty="0"/>
               <a:t>        </a:t>
             </a:r>
             <a:r>
-              <a:rPr lang="en-IN" dirty="0" err="1" smtClean="0"/>
+              <a:rPr lang="en-IN" dirty="0" err="1"/>
               <a:t>sum.inch</a:t>
             </a:r>
             <a:r>
-              <a:rPr lang="en-IN" dirty="0" smtClean="0"/>
+              <a:rPr lang="en-IN" dirty="0"/>
               <a:t> = </a:t>
             </a:r>
             <a:r>
-              <a:rPr lang="en-IN" dirty="0" err="1" smtClean="0"/>
+              <a:rPr lang="en-IN" dirty="0" err="1"/>
               <a:t>sum.inch</a:t>
             </a:r>
             <a:r>
-              <a:rPr lang="en-IN" dirty="0" smtClean="0"/>
+              <a:rPr lang="en-IN" dirty="0"/>
               <a:t> - 12;</a:t>
             </a:r>
           </a:p>
@@ -18790,7 +18254,7 @@
               <a:buNone/>
             </a:pPr>
             <a:r>
-              <a:rPr lang="en-IN" dirty="0" smtClean="0"/>
+              <a:rPr lang="en-IN" dirty="0"/>
               <a:t>    }</a:t>
             </a:r>
           </a:p>
@@ -18798,34 +18262,34 @@
             <a:pPr marL="0" indent="0">
               <a:buNone/>
             </a:pPr>
-            <a:endParaRPr lang="en-IN" dirty="0" smtClean="0"/>
-          </a:p>
-          <a:p>
-            <a:pPr marL="0" indent="0">
-              <a:buNone/>
-            </a:pPr>
-            <a:r>
-              <a:rPr lang="en-IN" dirty="0" err="1" smtClean="0"/>
+            <a:endParaRPr lang="en-IN" dirty="0"/>
+          </a:p>
+          <a:p>
+            <a:pPr marL="0" indent="0">
+              <a:buNone/>
+            </a:pPr>
+            <a:r>
+              <a:rPr lang="en-IN" dirty="0" err="1"/>
               <a:t>printf</a:t>
             </a:r>
             <a:r>
-              <a:rPr lang="en-IN" dirty="0" smtClean="0"/>
+              <a:rPr lang="en-IN" dirty="0"/>
               <a:t>("Sum of distances = %d\'-%.1f\"", </a:t>
             </a:r>
             <a:r>
-              <a:rPr lang="en-IN" b="1" dirty="0" err="1" smtClean="0"/>
+              <a:rPr lang="en-IN" b="1" dirty="0" err="1"/>
               <a:t>sum.feet</a:t>
             </a:r>
             <a:r>
-              <a:rPr lang="en-IN" b="1" dirty="0" smtClean="0"/>
+              <a:rPr lang="en-IN" b="1" dirty="0"/>
               <a:t>, </a:t>
             </a:r>
             <a:r>
-              <a:rPr lang="en-IN" b="1" dirty="0" err="1" smtClean="0"/>
+              <a:rPr lang="en-IN" b="1" dirty="0" err="1"/>
               <a:t>sum.inch</a:t>
             </a:r>
             <a:r>
-              <a:rPr lang="en-IN" dirty="0" smtClean="0"/>
+              <a:rPr lang="en-IN" dirty="0"/>
               <a:t>);</a:t>
             </a:r>
           </a:p>
@@ -18834,7 +18298,7 @@
               <a:buNone/>
             </a:pPr>
             <a:r>
-              <a:rPr lang="en-IN" dirty="0" smtClean="0"/>
+              <a:rPr lang="en-IN" dirty="0"/>
               <a:t>    return 0;</a:t>
             </a:r>
           </a:p>
@@ -18843,7 +18307,7 @@
               <a:buNone/>
             </a:pPr>
             <a:r>
-              <a:rPr lang="en-IN" dirty="0" smtClean="0"/>
+              <a:rPr lang="en-IN" dirty="0"/>
               <a:t>}</a:t>
             </a:r>
           </a:p>
@@ -18865,13 +18329,6 @@
   <p:clrMapOvr>
     <a:masterClrMapping/>
   </p:clrMapOvr>
-  <p:timing>
-    <p:tnLst>
-      <p:par>
-        <p:cTn id="1" dur="indefinite" restart="never" nodeType="tmRoot"/>
-      </p:par>
-    </p:tnLst>
-  </p:timing>
 </p:sld>
 </file>
 
@@ -18908,10 +18365,9 @@
           <a:lstStyle/>
           <a:p>
             <a:r>
-              <a:rPr lang="en-IN" dirty="0" smtClean="0"/>
+              <a:rPr lang="en-IN" dirty="0"/>
               <a:t>Practice Problem</a:t>
             </a:r>
-            <a:endParaRPr lang="en-IN" dirty="0"/>
           </a:p>
         </p:txBody>
       </p:sp>
@@ -18937,16 +18393,12 @@
           <a:p>
             <a:r>
               <a:rPr lang="en-IN" dirty="0"/>
-              <a:t>Store Information of a Student Using </a:t>
-            </a:r>
-            <a:r>
-              <a:rPr lang="en-IN" dirty="0" smtClean="0"/>
-              <a:t>Structure</a:t>
-            </a:r>
-          </a:p>
-          <a:p>
-            <a:r>
-              <a:rPr lang="en-IN" dirty="0" smtClean="0"/>
+              <a:t>Store Information of a Student Using Structure</a:t>
+            </a:r>
+          </a:p>
+          <a:p>
+            <a:r>
+              <a:rPr lang="en-IN" dirty="0"/>
               <a:t>Store Information of a Employee  Using Structure</a:t>
             </a:r>
           </a:p>
@@ -18965,13 +18417,6 @@
   <p:clrMapOvr>
     <a:masterClrMapping/>
   </p:clrMapOvr>
-  <p:timing>
-    <p:tnLst>
-      <p:par>
-        <p:cTn id="1" dur="indefinite" restart="never" nodeType="tmRoot"/>
-      </p:par>
-    </p:tnLst>
-  </p:timing>
 </p:sld>
 </file>
 
